--- a/img/figures.pptx
+++ b/img/figures.pptx
@@ -7,6 +7,7 @@
   <p:sldIdLst>
     <p:sldId id="256" r:id="rId2"/>
     <p:sldId id="257" r:id="rId3"/>
+    <p:sldId id="258" r:id="rId4"/>
   </p:sldIdLst>
   <p:sldSz cx="14400213" cy="14400213"/>
   <p:notesSz cx="6858000" cy="9144000"/>
@@ -122,6 +123,1700 @@
     </p:ext>
   </p:extLst>
 </p:presentation>
+</file>
+
+<file path=ppt/charts/chart1.xml><?xml version="1.0" encoding="utf-8"?>
+<c:chartSpace xmlns:c="http://schemas.openxmlformats.org/drawingml/2006/chart" xmlns:a="http://schemas.openxmlformats.org/drawingml/2006/main" xmlns:r="http://schemas.openxmlformats.org/officeDocument/2006/relationships" xmlns:c16r2="http://schemas.microsoft.com/office/drawing/2015/06/chart">
+  <c:date1904 val="0"/>
+  <c:lang val="en-US"/>
+  <c:roundedCorners val="0"/>
+  <mc:AlternateContent xmlns:mc="http://schemas.openxmlformats.org/markup-compatibility/2006">
+    <mc:Choice xmlns:c14="http://schemas.microsoft.com/office/drawing/2007/8/2/chart" Requires="c14">
+      <c14:style val="103"/>
+    </mc:Choice>
+    <mc:Fallback>
+      <c:style val="3"/>
+    </mc:Fallback>
+  </mc:AlternateContent>
+  <c:chart>
+    <c:autoTitleDeleted val="1"/>
+    <c:plotArea>
+      <c:layout/>
+      <c:pieChart>
+        <c:varyColors val="1"/>
+        <c:ser>
+          <c:idx val="0"/>
+          <c:order val="0"/>
+          <c:tx>
+            <c:strRef>
+              <c:f>Sheet1!$B$1</c:f>
+              <c:strCache>
+                <c:ptCount val="1"/>
+                <c:pt idx="0">
+                  <c:v>Sales</c:v>
+                </c:pt>
+              </c:strCache>
+            </c:strRef>
+          </c:tx>
+          <c:spPr>
+            <a:ln>
+              <a:noFill/>
+            </a:ln>
+          </c:spPr>
+          <c:dPt>
+            <c:idx val="0"/>
+            <c:bubble3D val="0"/>
+            <c:spPr>
+              <a:solidFill>
+                <a:srgbClr val="8BC34A"/>
+              </a:solidFill>
+              <a:ln w="76200">
+                <a:solidFill>
+                  <a:schemeClr val="bg1"/>
+                </a:solidFill>
+              </a:ln>
+              <a:effectLst/>
+            </c:spPr>
+            <c:extLst>
+              <c:ext xmlns:c16="http://schemas.microsoft.com/office/drawing/2014/chart" uri="{C3380CC4-5D6E-409C-BE32-E72D297353CC}">
+                <c16:uniqueId val="{00000005-4A6C-4770-B593-39536BD7F498}"/>
+              </c:ext>
+            </c:extLst>
+          </c:dPt>
+          <c:dPt>
+            <c:idx val="1"/>
+            <c:bubble3D val="0"/>
+            <c:spPr>
+              <a:solidFill>
+                <a:srgbClr val="4CAF50"/>
+              </a:solidFill>
+              <a:ln w="76200">
+                <a:solidFill>
+                  <a:schemeClr val="tx1"/>
+                </a:solidFill>
+              </a:ln>
+              <a:effectLst/>
+            </c:spPr>
+            <c:extLst>
+              <c:ext xmlns:c16="http://schemas.microsoft.com/office/drawing/2014/chart" uri="{C3380CC4-5D6E-409C-BE32-E72D297353CC}">
+                <c16:uniqueId val="{00000006-4A6C-4770-B593-39536BD7F498}"/>
+              </c:ext>
+            </c:extLst>
+          </c:dPt>
+          <c:dPt>
+            <c:idx val="2"/>
+            <c:bubble3D val="0"/>
+            <c:spPr>
+              <a:solidFill>
+                <a:srgbClr val="009688"/>
+              </a:solidFill>
+              <a:ln w="76200">
+                <a:solidFill>
+                  <a:schemeClr val="bg1">
+                    <a:lumMod val="65000"/>
+                  </a:schemeClr>
+                </a:solidFill>
+              </a:ln>
+              <a:effectLst/>
+            </c:spPr>
+            <c:extLst>
+              <c:ext xmlns:c16="http://schemas.microsoft.com/office/drawing/2014/chart" uri="{C3380CC4-5D6E-409C-BE32-E72D297353CC}">
+                <c16:uniqueId val="{00000007-4A6C-4770-B593-39536BD7F498}"/>
+              </c:ext>
+            </c:extLst>
+          </c:dPt>
+          <c:dPt>
+            <c:idx val="3"/>
+            <c:bubble3D val="0"/>
+            <c:spPr>
+              <a:solidFill>
+                <a:srgbClr val="03A9F4"/>
+              </a:solidFill>
+              <a:ln w="76200">
+                <a:solidFill>
+                  <a:schemeClr val="bg1">
+                    <a:lumMod val="65000"/>
+                  </a:schemeClr>
+                </a:solidFill>
+              </a:ln>
+              <a:effectLst/>
+            </c:spPr>
+            <c:extLst>
+              <c:ext xmlns:c16="http://schemas.microsoft.com/office/drawing/2014/chart" uri="{C3380CC4-5D6E-409C-BE32-E72D297353CC}">
+                <c16:uniqueId val="{00000008-4A6C-4770-B593-39536BD7F498}"/>
+              </c:ext>
+            </c:extLst>
+          </c:dPt>
+          <c:dPt>
+            <c:idx val="4"/>
+            <c:bubble3D val="0"/>
+            <c:spPr>
+              <a:solidFill>
+                <a:srgbClr val="3F51B5"/>
+              </a:solidFill>
+              <a:ln w="76200">
+                <a:solidFill>
+                  <a:schemeClr val="tx1"/>
+                </a:solidFill>
+              </a:ln>
+              <a:effectLst/>
+            </c:spPr>
+            <c:extLst>
+              <c:ext xmlns:c16="http://schemas.microsoft.com/office/drawing/2014/chart" uri="{C3380CC4-5D6E-409C-BE32-E72D297353CC}">
+                <c16:uniqueId val="{00000009-4A6C-4770-B593-39536BD7F498}"/>
+              </c:ext>
+            </c:extLst>
+          </c:dPt>
+          <c:dPt>
+            <c:idx val="5"/>
+            <c:bubble3D val="0"/>
+            <c:spPr>
+              <a:solidFill>
+                <a:srgbClr val="673AB7"/>
+              </a:solidFill>
+              <a:ln w="76200">
+                <a:solidFill>
+                  <a:schemeClr val="bg1"/>
+                </a:solidFill>
+              </a:ln>
+              <a:effectLst/>
+            </c:spPr>
+            <c:extLst>
+              <c:ext xmlns:c16="http://schemas.microsoft.com/office/drawing/2014/chart" uri="{C3380CC4-5D6E-409C-BE32-E72D297353CC}">
+                <c16:uniqueId val="{0000000A-4A6C-4770-B593-39536BD7F498}"/>
+              </c:ext>
+            </c:extLst>
+          </c:dPt>
+          <c:dPt>
+            <c:idx val="6"/>
+            <c:bubble3D val="0"/>
+            <c:spPr>
+              <a:solidFill>
+                <a:srgbClr val="9C27B0"/>
+              </a:solidFill>
+              <a:ln w="76200">
+                <a:solidFill>
+                  <a:schemeClr val="bg1"/>
+                </a:solidFill>
+              </a:ln>
+              <a:effectLst/>
+            </c:spPr>
+            <c:extLst>
+              <c:ext xmlns:c16="http://schemas.microsoft.com/office/drawing/2014/chart" uri="{C3380CC4-5D6E-409C-BE32-E72D297353CC}">
+                <c16:uniqueId val="{0000000B-4A6C-4770-B593-39536BD7F498}"/>
+              </c:ext>
+            </c:extLst>
+          </c:dPt>
+          <c:dPt>
+            <c:idx val="7"/>
+            <c:bubble3D val="0"/>
+            <c:spPr>
+              <a:solidFill>
+                <a:srgbClr val="E91E63"/>
+              </a:solidFill>
+              <a:ln w="76200">
+                <a:solidFill>
+                  <a:schemeClr val="tx1"/>
+                </a:solidFill>
+              </a:ln>
+              <a:effectLst/>
+            </c:spPr>
+            <c:extLst>
+              <c:ext xmlns:c16="http://schemas.microsoft.com/office/drawing/2014/chart" uri="{C3380CC4-5D6E-409C-BE32-E72D297353CC}">
+                <c16:uniqueId val="{0000000C-4A6C-4770-B593-39536BD7F498}"/>
+              </c:ext>
+            </c:extLst>
+          </c:dPt>
+          <c:dPt>
+            <c:idx val="8"/>
+            <c:bubble3D val="0"/>
+            <c:spPr>
+              <a:solidFill>
+                <a:srgbClr val="F44336"/>
+              </a:solidFill>
+              <a:ln w="76200">
+                <a:solidFill>
+                  <a:schemeClr val="bg1">
+                    <a:lumMod val="65000"/>
+                  </a:schemeClr>
+                </a:solidFill>
+              </a:ln>
+              <a:effectLst/>
+            </c:spPr>
+            <c:extLst>
+              <c:ext xmlns:c16="http://schemas.microsoft.com/office/drawing/2014/chart" uri="{C3380CC4-5D6E-409C-BE32-E72D297353CC}">
+                <c16:uniqueId val="{0000000D-4A6C-4770-B593-39536BD7F498}"/>
+              </c:ext>
+            </c:extLst>
+          </c:dPt>
+          <c:dPt>
+            <c:idx val="9"/>
+            <c:bubble3D val="0"/>
+            <c:spPr>
+              <a:solidFill>
+                <a:srgbClr val="FF9800"/>
+              </a:solidFill>
+              <a:ln w="76200">
+                <a:solidFill>
+                  <a:schemeClr val="bg1">
+                    <a:lumMod val="65000"/>
+                  </a:schemeClr>
+                </a:solidFill>
+              </a:ln>
+              <a:effectLst/>
+            </c:spPr>
+            <c:extLst>
+              <c:ext xmlns:c16="http://schemas.microsoft.com/office/drawing/2014/chart" uri="{C3380CC4-5D6E-409C-BE32-E72D297353CC}">
+                <c16:uniqueId val="{00000003-4A6C-4770-B593-39536BD7F498}"/>
+              </c:ext>
+            </c:extLst>
+          </c:dPt>
+          <c:dPt>
+            <c:idx val="10"/>
+            <c:bubble3D val="0"/>
+            <c:spPr>
+              <a:solidFill>
+                <a:srgbClr val="FFC107"/>
+              </a:solidFill>
+              <a:ln w="76200">
+                <a:solidFill>
+                  <a:schemeClr val="tx1"/>
+                </a:solidFill>
+              </a:ln>
+              <a:effectLst/>
+            </c:spPr>
+            <c:extLst>
+              <c:ext xmlns:c16="http://schemas.microsoft.com/office/drawing/2014/chart" uri="{C3380CC4-5D6E-409C-BE32-E72D297353CC}">
+                <c16:uniqueId val="{00000001-4A6C-4770-B593-39536BD7F498}"/>
+              </c:ext>
+            </c:extLst>
+          </c:dPt>
+          <c:dPt>
+            <c:idx val="11"/>
+            <c:bubble3D val="0"/>
+            <c:spPr>
+              <a:solidFill>
+                <a:srgbClr val="FFEB3B"/>
+              </a:solidFill>
+              <a:ln w="76200">
+                <a:solidFill>
+                  <a:schemeClr val="bg1"/>
+                </a:solidFill>
+              </a:ln>
+              <a:effectLst/>
+            </c:spPr>
+            <c:extLst>
+              <c:ext xmlns:c16="http://schemas.microsoft.com/office/drawing/2014/chart" uri="{C3380CC4-5D6E-409C-BE32-E72D297353CC}">
+                <c16:uniqueId val="{00000002-4A6C-4770-B593-39536BD7F498}"/>
+              </c:ext>
+            </c:extLst>
+          </c:dPt>
+          <c:cat>
+            <c:strRef>
+              <c:f>Sheet1!$A$2:$A$13</c:f>
+              <c:strCache>
+                <c:ptCount val="12"/>
+                <c:pt idx="0">
+                  <c:v>T1</c:v>
+                </c:pt>
+                <c:pt idx="1">
+                  <c:v>T2</c:v>
+                </c:pt>
+                <c:pt idx="2">
+                  <c:v>T3</c:v>
+                </c:pt>
+                <c:pt idx="3">
+                  <c:v>T4</c:v>
+                </c:pt>
+                <c:pt idx="4">
+                  <c:v>T5</c:v>
+                </c:pt>
+                <c:pt idx="5">
+                  <c:v>T6</c:v>
+                </c:pt>
+                <c:pt idx="6">
+                  <c:v>T7</c:v>
+                </c:pt>
+                <c:pt idx="7">
+                  <c:v>T8</c:v>
+                </c:pt>
+                <c:pt idx="8">
+                  <c:v>T9</c:v>
+                </c:pt>
+                <c:pt idx="9">
+                  <c:v>T10</c:v>
+                </c:pt>
+                <c:pt idx="10">
+                  <c:v>T11</c:v>
+                </c:pt>
+                <c:pt idx="11">
+                  <c:v>T12</c:v>
+                </c:pt>
+              </c:strCache>
+            </c:strRef>
+          </c:cat>
+          <c:val>
+            <c:numRef>
+              <c:f>Sheet1!$B$2:$B$13</c:f>
+              <c:numCache>
+                <c:formatCode>General</c:formatCode>
+                <c:ptCount val="12"/>
+                <c:pt idx="0">
+                  <c:v>8.3333333300000003</c:v>
+                </c:pt>
+                <c:pt idx="1">
+                  <c:v>8.3333333300000003</c:v>
+                </c:pt>
+                <c:pt idx="2">
+                  <c:v>8.3333333300000003</c:v>
+                </c:pt>
+                <c:pt idx="3">
+                  <c:v>8.3333333300000003</c:v>
+                </c:pt>
+                <c:pt idx="4">
+                  <c:v>8.3333333300000003</c:v>
+                </c:pt>
+                <c:pt idx="5">
+                  <c:v>8.3333333300000003</c:v>
+                </c:pt>
+                <c:pt idx="6">
+                  <c:v>8.3333333300000003</c:v>
+                </c:pt>
+                <c:pt idx="7">
+                  <c:v>8.3333333300000003</c:v>
+                </c:pt>
+                <c:pt idx="8">
+                  <c:v>8.3333333300000003</c:v>
+                </c:pt>
+                <c:pt idx="9">
+                  <c:v>8.3333333300000003</c:v>
+                </c:pt>
+                <c:pt idx="10">
+                  <c:v>8.3333333300000003</c:v>
+                </c:pt>
+                <c:pt idx="11">
+                  <c:v>8.3333333300000003</c:v>
+                </c:pt>
+              </c:numCache>
+            </c:numRef>
+          </c:val>
+          <c:extLst>
+            <c:ext xmlns:c16="http://schemas.microsoft.com/office/drawing/2014/chart" uri="{C3380CC4-5D6E-409C-BE32-E72D297353CC}">
+              <c16:uniqueId val="{00000000-4A6C-4770-B593-39536BD7F498}"/>
+            </c:ext>
+          </c:extLst>
+        </c:ser>
+        <c:dLbls>
+          <c:showLegendKey val="0"/>
+          <c:showVal val="0"/>
+          <c:showCatName val="0"/>
+          <c:showSerName val="0"/>
+          <c:showPercent val="0"/>
+          <c:showBubbleSize val="0"/>
+          <c:showLeaderLines val="1"/>
+        </c:dLbls>
+        <c:firstSliceAng val="0"/>
+      </c:pieChart>
+      <c:spPr>
+        <a:noFill/>
+        <a:ln>
+          <a:noFill/>
+        </a:ln>
+        <a:effectLst/>
+      </c:spPr>
+    </c:plotArea>
+    <c:plotVisOnly val="1"/>
+    <c:dispBlanksAs val="gap"/>
+    <c:extLst>
+      <c:ext xmlns:c16r3="http://schemas.microsoft.com/office/drawing/2017/03/chart" uri="{56B9EC1D-385E-4148-901F-78D8002777C0}">
+        <c16r3:dataDisplayOptions16>
+          <c16r3:dispNaAsBlank val="1"/>
+        </c16r3:dataDisplayOptions16>
+      </c:ext>
+    </c:extLst>
+    <c:showDLblsOverMax val="0"/>
+  </c:chart>
+  <c:spPr>
+    <a:noFill/>
+    <a:ln>
+      <a:noFill/>
+    </a:ln>
+    <a:effectLst/>
+  </c:spPr>
+  <c:txPr>
+    <a:bodyPr/>
+    <a:lstStyle/>
+    <a:p>
+      <a:pPr>
+        <a:defRPr/>
+      </a:pPr>
+      <a:endParaRPr lang="en-US"/>
+    </a:p>
+  </c:txPr>
+  <c:externalData r:id="rId3">
+    <c:autoUpdate val="0"/>
+  </c:externalData>
+</c:chartSpace>
+</file>
+
+<file path=ppt/charts/chart2.xml><?xml version="1.0" encoding="utf-8"?>
+<c:chartSpace xmlns:c="http://schemas.openxmlformats.org/drawingml/2006/chart" xmlns:a="http://schemas.openxmlformats.org/drawingml/2006/main" xmlns:r="http://schemas.openxmlformats.org/officeDocument/2006/relationships" xmlns:c16r2="http://schemas.microsoft.com/office/drawing/2015/06/chart">
+  <c:date1904 val="0"/>
+  <c:lang val="en-US"/>
+  <c:roundedCorners val="0"/>
+  <mc:AlternateContent xmlns:mc="http://schemas.openxmlformats.org/markup-compatibility/2006">
+    <mc:Choice xmlns:c14="http://schemas.microsoft.com/office/drawing/2007/8/2/chart" Requires="c14">
+      <c14:style val="103"/>
+    </mc:Choice>
+    <mc:Fallback>
+      <c:style val="3"/>
+    </mc:Fallback>
+  </mc:AlternateContent>
+  <c:chart>
+    <c:autoTitleDeleted val="1"/>
+    <c:plotArea>
+      <c:layout/>
+      <c:pieChart>
+        <c:varyColors val="1"/>
+        <c:ser>
+          <c:idx val="0"/>
+          <c:order val="0"/>
+          <c:tx>
+            <c:strRef>
+              <c:f>Sheet1!$B$1</c:f>
+              <c:strCache>
+                <c:ptCount val="1"/>
+                <c:pt idx="0">
+                  <c:v>Sales</c:v>
+                </c:pt>
+              </c:strCache>
+            </c:strRef>
+          </c:tx>
+          <c:spPr>
+            <a:ln>
+              <a:noFill/>
+            </a:ln>
+          </c:spPr>
+          <c:dPt>
+            <c:idx val="0"/>
+            <c:bubble3D val="0"/>
+            <c:spPr>
+              <a:solidFill>
+                <a:srgbClr val="388E3C"/>
+              </a:solidFill>
+              <a:ln w="19050">
+                <a:noFill/>
+              </a:ln>
+              <a:effectLst/>
+            </c:spPr>
+            <c:extLst>
+              <c:ext xmlns:c16="http://schemas.microsoft.com/office/drawing/2014/chart" uri="{C3380CC4-5D6E-409C-BE32-E72D297353CC}">
+                <c16:uniqueId val="{00000001-69A8-405D-BB96-B2DBA66DA671}"/>
+              </c:ext>
+            </c:extLst>
+          </c:dPt>
+          <c:dPt>
+            <c:idx val="1"/>
+            <c:bubble3D val="0"/>
+            <c:spPr>
+              <a:solidFill>
+                <a:srgbClr val="1976D2"/>
+              </a:solidFill>
+              <a:ln w="19050">
+                <a:noFill/>
+              </a:ln>
+              <a:effectLst/>
+            </c:spPr>
+            <c:extLst>
+              <c:ext xmlns:c16="http://schemas.microsoft.com/office/drawing/2014/chart" uri="{C3380CC4-5D6E-409C-BE32-E72D297353CC}">
+                <c16:uniqueId val="{00000003-69A8-405D-BB96-B2DBA66DA671}"/>
+              </c:ext>
+            </c:extLst>
+          </c:dPt>
+          <c:dPt>
+            <c:idx val="2"/>
+            <c:bubble3D val="0"/>
+            <c:spPr>
+              <a:solidFill>
+                <a:srgbClr val="C2185B"/>
+              </a:solidFill>
+              <a:ln w="19050">
+                <a:noFill/>
+              </a:ln>
+              <a:effectLst/>
+            </c:spPr>
+            <c:extLst>
+              <c:ext xmlns:c16="http://schemas.microsoft.com/office/drawing/2014/chart" uri="{C3380CC4-5D6E-409C-BE32-E72D297353CC}">
+                <c16:uniqueId val="{00000005-69A8-405D-BB96-B2DBA66DA671}"/>
+              </c:ext>
+            </c:extLst>
+          </c:dPt>
+          <c:dPt>
+            <c:idx val="3"/>
+            <c:bubble3D val="0"/>
+            <c:spPr>
+              <a:solidFill>
+                <a:srgbClr val="FFA000"/>
+              </a:solidFill>
+              <a:ln w="19050">
+                <a:noFill/>
+              </a:ln>
+              <a:effectLst/>
+            </c:spPr>
+            <c:extLst>
+              <c:ext xmlns:c16="http://schemas.microsoft.com/office/drawing/2014/chart" uri="{C3380CC4-5D6E-409C-BE32-E72D297353CC}">
+                <c16:uniqueId val="{00000007-69A8-405D-BB96-B2DBA66DA671}"/>
+              </c:ext>
+            </c:extLst>
+          </c:dPt>
+          <c:cat>
+            <c:strRef>
+              <c:f>Sheet1!$A$2:$A$5</c:f>
+              <c:strCache>
+                <c:ptCount val="4"/>
+                <c:pt idx="0">
+                  <c:v>T1</c:v>
+                </c:pt>
+                <c:pt idx="1">
+                  <c:v>T2</c:v>
+                </c:pt>
+                <c:pt idx="2">
+                  <c:v>T3</c:v>
+                </c:pt>
+                <c:pt idx="3">
+                  <c:v>T4</c:v>
+                </c:pt>
+              </c:strCache>
+            </c:strRef>
+          </c:cat>
+          <c:val>
+            <c:numRef>
+              <c:f>Sheet1!$B$2:$B$5</c:f>
+              <c:numCache>
+                <c:formatCode>General</c:formatCode>
+                <c:ptCount val="4"/>
+                <c:pt idx="0">
+                  <c:v>8.3333333300000003</c:v>
+                </c:pt>
+                <c:pt idx="1">
+                  <c:v>8.3333333300000003</c:v>
+                </c:pt>
+                <c:pt idx="2">
+                  <c:v>8.3333333300000003</c:v>
+                </c:pt>
+                <c:pt idx="3">
+                  <c:v>8.3333333300000003</c:v>
+                </c:pt>
+              </c:numCache>
+            </c:numRef>
+          </c:val>
+          <c:extLst>
+            <c:ext xmlns:c16="http://schemas.microsoft.com/office/drawing/2014/chart" uri="{C3380CC4-5D6E-409C-BE32-E72D297353CC}">
+              <c16:uniqueId val="{00000018-69A8-405D-BB96-B2DBA66DA671}"/>
+            </c:ext>
+          </c:extLst>
+        </c:ser>
+        <c:dLbls>
+          <c:showLegendKey val="0"/>
+          <c:showVal val="0"/>
+          <c:showCatName val="0"/>
+          <c:showSerName val="0"/>
+          <c:showPercent val="0"/>
+          <c:showBubbleSize val="0"/>
+          <c:showLeaderLines val="1"/>
+        </c:dLbls>
+        <c:firstSliceAng val="0"/>
+      </c:pieChart>
+      <c:spPr>
+        <a:noFill/>
+        <a:ln>
+          <a:noFill/>
+        </a:ln>
+        <a:effectLst/>
+      </c:spPr>
+    </c:plotArea>
+    <c:plotVisOnly val="1"/>
+    <c:dispBlanksAs val="gap"/>
+    <c:extLst>
+      <c:ext xmlns:c16r3="http://schemas.microsoft.com/office/drawing/2017/03/chart" uri="{56B9EC1D-385E-4148-901F-78D8002777C0}">
+        <c16r3:dataDisplayOptions16>
+          <c16r3:dispNaAsBlank val="1"/>
+        </c16r3:dataDisplayOptions16>
+      </c:ext>
+    </c:extLst>
+    <c:showDLblsOverMax val="0"/>
+  </c:chart>
+  <c:spPr>
+    <a:noFill/>
+    <a:ln>
+      <a:noFill/>
+    </a:ln>
+    <a:effectLst/>
+  </c:spPr>
+  <c:txPr>
+    <a:bodyPr/>
+    <a:lstStyle/>
+    <a:p>
+      <a:pPr>
+        <a:defRPr/>
+      </a:pPr>
+      <a:endParaRPr lang="en-US"/>
+    </a:p>
+  </c:txPr>
+  <c:externalData r:id="rId3">
+    <c:autoUpdate val="0"/>
+  </c:externalData>
+</c:chartSpace>
+</file>
+
+<file path=ppt/charts/colors1.xml><?xml version="1.0" encoding="utf-8"?>
+<cs:colorStyle xmlns:cs="http://schemas.microsoft.com/office/drawing/2012/chartStyle" xmlns:a="http://schemas.openxmlformats.org/drawingml/2006/main" meth="withinLinear" id="14">
+  <a:schemeClr val="accent1"/>
+</cs:colorStyle>
+</file>
+
+<file path=ppt/charts/colors2.xml><?xml version="1.0" encoding="utf-8"?>
+<cs:colorStyle xmlns:cs="http://schemas.microsoft.com/office/drawing/2012/chartStyle" xmlns:a="http://schemas.openxmlformats.org/drawingml/2006/main" meth="withinLinear" id="14">
+  <a:schemeClr val="accent1"/>
+</cs:colorStyle>
+</file>
+
+<file path=ppt/charts/style1.xml><?xml version="1.0" encoding="utf-8"?>
+<cs:chartStyle xmlns:cs="http://schemas.microsoft.com/office/drawing/2012/chartStyle" xmlns:a="http://schemas.openxmlformats.org/drawingml/2006/main" id="251">
+  <cs:axisTitle>
+    <cs:lnRef idx="0"/>
+    <cs:fillRef idx="0"/>
+    <cs:effectRef idx="0"/>
+    <cs:fontRef idx="minor">
+      <a:schemeClr val="tx1">
+        <a:lumMod val="65000"/>
+        <a:lumOff val="35000"/>
+      </a:schemeClr>
+    </cs:fontRef>
+    <cs:defRPr sz="1330" kern="1200"/>
+  </cs:axisTitle>
+  <cs:categoryAxis>
+    <cs:lnRef idx="0"/>
+    <cs:fillRef idx="0"/>
+    <cs:effectRef idx="0"/>
+    <cs:fontRef idx="minor">
+      <a:schemeClr val="tx1">
+        <a:lumMod val="65000"/>
+        <a:lumOff val="35000"/>
+      </a:schemeClr>
+    </cs:fontRef>
+    <cs:spPr>
+      <a:ln w="9525" cap="flat" cmpd="sng" algn="ctr">
+        <a:solidFill>
+          <a:schemeClr val="tx1">
+            <a:lumMod val="15000"/>
+            <a:lumOff val="85000"/>
+          </a:schemeClr>
+        </a:solidFill>
+        <a:round/>
+      </a:ln>
+    </cs:spPr>
+    <cs:defRPr sz="1197" kern="1200"/>
+  </cs:categoryAxis>
+  <cs:chartArea mods="allowNoFillOverride allowNoLineOverride">
+    <cs:lnRef idx="0"/>
+    <cs:fillRef idx="0"/>
+    <cs:effectRef idx="0"/>
+    <cs:fontRef idx="minor">
+      <a:schemeClr val="tx1"/>
+    </cs:fontRef>
+    <cs:spPr>
+      <a:solidFill>
+        <a:schemeClr val="bg1"/>
+      </a:solidFill>
+      <a:ln w="9525" cap="flat" cmpd="sng" algn="ctr">
+        <a:solidFill>
+          <a:schemeClr val="tx1">
+            <a:lumMod val="15000"/>
+            <a:lumOff val="85000"/>
+          </a:schemeClr>
+        </a:solidFill>
+        <a:round/>
+      </a:ln>
+    </cs:spPr>
+    <cs:defRPr sz="1197" kern="1200"/>
+  </cs:chartArea>
+  <cs:dataLabel>
+    <cs:lnRef idx="0"/>
+    <cs:fillRef idx="0"/>
+    <cs:effectRef idx="0"/>
+    <cs:fontRef idx="minor">
+      <a:schemeClr val="tx1">
+        <a:lumMod val="75000"/>
+        <a:lumOff val="25000"/>
+      </a:schemeClr>
+    </cs:fontRef>
+    <cs:defRPr sz="1197" kern="1200"/>
+  </cs:dataLabel>
+  <cs:dataLabelCallout>
+    <cs:lnRef idx="0"/>
+    <cs:fillRef idx="0"/>
+    <cs:effectRef idx="0"/>
+    <cs:fontRef idx="minor">
+      <a:schemeClr val="dk1">
+        <a:lumMod val="65000"/>
+        <a:lumOff val="35000"/>
+      </a:schemeClr>
+    </cs:fontRef>
+    <cs:spPr>
+      <a:solidFill>
+        <a:schemeClr val="lt1"/>
+      </a:solidFill>
+      <a:ln>
+        <a:solidFill>
+          <a:schemeClr val="dk1">
+            <a:lumMod val="25000"/>
+            <a:lumOff val="75000"/>
+          </a:schemeClr>
+        </a:solidFill>
+      </a:ln>
+    </cs:spPr>
+    <cs:defRPr sz="1197" kern="1200"/>
+    <cs:bodyPr rot="0" spcFirstLastPara="1" vertOverflow="clip" horzOverflow="clip" vert="horz" wrap="square" lIns="36576" tIns="18288" rIns="36576" bIns="18288" anchor="ctr" anchorCtr="1">
+      <a:spAutoFit/>
+    </cs:bodyPr>
+  </cs:dataLabelCallout>
+  <cs:dataPoint>
+    <cs:lnRef idx="0"/>
+    <cs:fillRef idx="1">
+      <cs:styleClr val="auto"/>
+    </cs:fillRef>
+    <cs:effectRef idx="0"/>
+    <cs:fontRef idx="minor">
+      <a:schemeClr val="tx1"/>
+    </cs:fontRef>
+    <cs:spPr>
+      <a:ln w="19050">
+        <a:solidFill>
+          <a:schemeClr val="lt1"/>
+        </a:solidFill>
+      </a:ln>
+    </cs:spPr>
+  </cs:dataPoint>
+  <cs:dataPoint3D>
+    <cs:lnRef idx="0"/>
+    <cs:fillRef idx="1">
+      <cs:styleClr val="auto"/>
+    </cs:fillRef>
+    <cs:effectRef idx="0"/>
+    <cs:fontRef idx="minor">
+      <a:schemeClr val="tx1"/>
+    </cs:fontRef>
+    <cs:spPr>
+      <a:ln w="25400">
+        <a:solidFill>
+          <a:schemeClr val="lt1"/>
+        </a:solidFill>
+      </a:ln>
+    </cs:spPr>
+  </cs:dataPoint3D>
+  <cs:dataPointLine>
+    <cs:lnRef idx="0">
+      <cs:styleClr val="auto"/>
+    </cs:lnRef>
+    <cs:fillRef idx="0"/>
+    <cs:effectRef idx="0"/>
+    <cs:fontRef idx="minor">
+      <a:schemeClr val="tx1"/>
+    </cs:fontRef>
+    <cs:spPr>
+      <a:ln w="28575" cap="rnd">
+        <a:solidFill>
+          <a:schemeClr val="phClr"/>
+        </a:solidFill>
+        <a:round/>
+      </a:ln>
+    </cs:spPr>
+  </cs:dataPointLine>
+  <cs:dataPointMarker>
+    <cs:lnRef idx="0">
+      <cs:styleClr val="auto"/>
+    </cs:lnRef>
+    <cs:fillRef idx="1">
+      <cs:styleClr val="auto"/>
+    </cs:fillRef>
+    <cs:effectRef idx="0"/>
+    <cs:fontRef idx="minor">
+      <a:schemeClr val="tx1"/>
+    </cs:fontRef>
+    <cs:spPr>
+      <a:ln w="9525">
+        <a:solidFill>
+          <a:schemeClr val="phClr"/>
+        </a:solidFill>
+      </a:ln>
+    </cs:spPr>
+  </cs:dataPointMarker>
+  <cs:dataPointMarkerLayout symbol="circle" size="5"/>
+  <cs:dataPointWireframe>
+    <cs:lnRef idx="0">
+      <cs:styleClr val="auto"/>
+    </cs:lnRef>
+    <cs:fillRef idx="0"/>
+    <cs:effectRef idx="0"/>
+    <cs:fontRef idx="minor">
+      <a:schemeClr val="tx1"/>
+    </cs:fontRef>
+    <cs:spPr>
+      <a:ln w="9525" cap="rnd">
+        <a:solidFill>
+          <a:schemeClr val="phClr"/>
+        </a:solidFill>
+        <a:round/>
+      </a:ln>
+    </cs:spPr>
+  </cs:dataPointWireframe>
+  <cs:dataTable>
+    <cs:lnRef idx="0"/>
+    <cs:fillRef idx="0"/>
+    <cs:effectRef idx="0"/>
+    <cs:fontRef idx="minor">
+      <a:schemeClr val="tx1">
+        <a:lumMod val="65000"/>
+        <a:lumOff val="35000"/>
+      </a:schemeClr>
+    </cs:fontRef>
+    <cs:spPr>
+      <a:noFill/>
+      <a:ln w="9525" cap="flat" cmpd="sng" algn="ctr">
+        <a:solidFill>
+          <a:schemeClr val="tx1">
+            <a:lumMod val="15000"/>
+            <a:lumOff val="85000"/>
+          </a:schemeClr>
+        </a:solidFill>
+        <a:round/>
+      </a:ln>
+    </cs:spPr>
+    <cs:defRPr sz="1197" kern="1200"/>
+  </cs:dataTable>
+  <cs:downBar>
+    <cs:lnRef idx="0"/>
+    <cs:fillRef idx="0"/>
+    <cs:effectRef idx="0"/>
+    <cs:fontRef idx="minor">
+      <a:schemeClr val="tx1"/>
+    </cs:fontRef>
+    <cs:spPr>
+      <a:solidFill>
+        <a:schemeClr val="dk1">
+          <a:lumMod val="75000"/>
+          <a:lumOff val="25000"/>
+        </a:schemeClr>
+      </a:solidFill>
+      <a:ln w="9525" cap="flat" cmpd="sng" algn="ctr">
+        <a:solidFill>
+          <a:schemeClr val="tx1">
+            <a:lumMod val="65000"/>
+            <a:lumOff val="35000"/>
+          </a:schemeClr>
+        </a:solidFill>
+        <a:round/>
+      </a:ln>
+    </cs:spPr>
+  </cs:downBar>
+  <cs:dropLine>
+    <cs:lnRef idx="0"/>
+    <cs:fillRef idx="0"/>
+    <cs:effectRef idx="0"/>
+    <cs:fontRef idx="minor">
+      <a:schemeClr val="tx1"/>
+    </cs:fontRef>
+    <cs:spPr>
+      <a:ln w="9525" cap="flat" cmpd="sng" algn="ctr">
+        <a:solidFill>
+          <a:schemeClr val="tx1">
+            <a:lumMod val="35000"/>
+            <a:lumOff val="65000"/>
+          </a:schemeClr>
+        </a:solidFill>
+        <a:round/>
+      </a:ln>
+    </cs:spPr>
+  </cs:dropLine>
+  <cs:errorBar>
+    <cs:lnRef idx="0"/>
+    <cs:fillRef idx="0"/>
+    <cs:effectRef idx="0"/>
+    <cs:fontRef idx="minor">
+      <a:schemeClr val="tx1"/>
+    </cs:fontRef>
+    <cs:spPr>
+      <a:ln w="9525" cap="flat" cmpd="sng" algn="ctr">
+        <a:solidFill>
+          <a:schemeClr val="tx1">
+            <a:lumMod val="65000"/>
+            <a:lumOff val="35000"/>
+          </a:schemeClr>
+        </a:solidFill>
+        <a:round/>
+      </a:ln>
+    </cs:spPr>
+  </cs:errorBar>
+  <cs:floor>
+    <cs:lnRef idx="0"/>
+    <cs:fillRef idx="0"/>
+    <cs:effectRef idx="0"/>
+    <cs:fontRef idx="minor">
+      <a:schemeClr val="tx1"/>
+    </cs:fontRef>
+    <cs:spPr>
+      <a:noFill/>
+      <a:ln>
+        <a:noFill/>
+      </a:ln>
+    </cs:spPr>
+  </cs:floor>
+  <cs:gridlineMajor>
+    <cs:lnRef idx="0"/>
+    <cs:fillRef idx="0"/>
+    <cs:effectRef idx="0"/>
+    <cs:fontRef idx="minor">
+      <a:schemeClr val="tx1"/>
+    </cs:fontRef>
+    <cs:spPr>
+      <a:ln w="9525" cap="flat" cmpd="sng" algn="ctr">
+        <a:solidFill>
+          <a:schemeClr val="tx1">
+            <a:lumMod val="15000"/>
+            <a:lumOff val="85000"/>
+          </a:schemeClr>
+        </a:solidFill>
+        <a:round/>
+      </a:ln>
+    </cs:spPr>
+  </cs:gridlineMajor>
+  <cs:gridlineMinor>
+    <cs:lnRef idx="0"/>
+    <cs:fillRef idx="0"/>
+    <cs:effectRef idx="0"/>
+    <cs:fontRef idx="minor">
+      <a:schemeClr val="tx1"/>
+    </cs:fontRef>
+    <cs:spPr>
+      <a:ln w="9525" cap="flat" cmpd="sng" algn="ctr">
+        <a:solidFill>
+          <a:schemeClr val="tx1">
+            <a:lumMod val="5000"/>
+            <a:lumOff val="95000"/>
+          </a:schemeClr>
+        </a:solidFill>
+        <a:round/>
+      </a:ln>
+    </cs:spPr>
+  </cs:gridlineMinor>
+  <cs:hiLoLine>
+    <cs:lnRef idx="0"/>
+    <cs:fillRef idx="0"/>
+    <cs:effectRef idx="0"/>
+    <cs:fontRef idx="minor">
+      <a:schemeClr val="tx1"/>
+    </cs:fontRef>
+    <cs:spPr>
+      <a:ln w="9525" cap="flat" cmpd="sng" algn="ctr">
+        <a:solidFill>
+          <a:schemeClr val="tx1">
+            <a:lumMod val="50000"/>
+            <a:lumOff val="50000"/>
+          </a:schemeClr>
+        </a:solidFill>
+        <a:round/>
+      </a:ln>
+    </cs:spPr>
+  </cs:hiLoLine>
+  <cs:leaderLine>
+    <cs:lnRef idx="0"/>
+    <cs:fillRef idx="0"/>
+    <cs:effectRef idx="0"/>
+    <cs:fontRef idx="minor">
+      <a:schemeClr val="tx1"/>
+    </cs:fontRef>
+    <cs:spPr>
+      <a:ln w="9525" cap="flat" cmpd="sng" algn="ctr">
+        <a:solidFill>
+          <a:schemeClr val="tx1">
+            <a:lumMod val="35000"/>
+            <a:lumOff val="65000"/>
+          </a:schemeClr>
+        </a:solidFill>
+        <a:round/>
+      </a:ln>
+    </cs:spPr>
+  </cs:leaderLine>
+  <cs:legend>
+    <cs:lnRef idx="0"/>
+    <cs:fillRef idx="0"/>
+    <cs:effectRef idx="0"/>
+    <cs:fontRef idx="minor">
+      <a:schemeClr val="tx1">
+        <a:lumMod val="65000"/>
+        <a:lumOff val="35000"/>
+      </a:schemeClr>
+    </cs:fontRef>
+    <cs:defRPr sz="1197" kern="1200"/>
+  </cs:legend>
+  <cs:plotArea mods="allowNoFillOverride allowNoLineOverride">
+    <cs:lnRef idx="0"/>
+    <cs:fillRef idx="0"/>
+    <cs:effectRef idx="0"/>
+    <cs:fontRef idx="minor">
+      <a:schemeClr val="tx1"/>
+    </cs:fontRef>
+  </cs:plotArea>
+  <cs:plotArea3D mods="allowNoFillOverride allowNoLineOverride">
+    <cs:lnRef idx="0"/>
+    <cs:fillRef idx="0"/>
+    <cs:effectRef idx="0"/>
+    <cs:fontRef idx="minor">
+      <a:schemeClr val="tx1"/>
+    </cs:fontRef>
+  </cs:plotArea3D>
+  <cs:seriesAxis>
+    <cs:lnRef idx="0"/>
+    <cs:fillRef idx="0"/>
+    <cs:effectRef idx="0"/>
+    <cs:fontRef idx="minor">
+      <a:schemeClr val="tx1">
+        <a:lumMod val="65000"/>
+        <a:lumOff val="35000"/>
+      </a:schemeClr>
+    </cs:fontRef>
+    <cs:defRPr sz="1197" kern="1200"/>
+  </cs:seriesAxis>
+  <cs:seriesLine>
+    <cs:lnRef idx="0"/>
+    <cs:fillRef idx="0"/>
+    <cs:effectRef idx="0"/>
+    <cs:fontRef idx="minor">
+      <a:schemeClr val="tx1"/>
+    </cs:fontRef>
+    <cs:spPr>
+      <a:ln w="9525" cap="flat" cmpd="sng" algn="ctr">
+        <a:solidFill>
+          <a:schemeClr val="tx1">
+            <a:lumMod val="35000"/>
+            <a:lumOff val="65000"/>
+          </a:schemeClr>
+        </a:solidFill>
+        <a:round/>
+      </a:ln>
+    </cs:spPr>
+  </cs:seriesLine>
+  <cs:title>
+    <cs:lnRef idx="0"/>
+    <cs:fillRef idx="0"/>
+    <cs:effectRef idx="0"/>
+    <cs:fontRef idx="minor">
+      <a:schemeClr val="tx1">
+        <a:lumMod val="65000"/>
+        <a:lumOff val="35000"/>
+      </a:schemeClr>
+    </cs:fontRef>
+    <cs:defRPr sz="1862" b="0" kern="1200" spc="0" baseline="0"/>
+  </cs:title>
+  <cs:trendline>
+    <cs:lnRef idx="0">
+      <cs:styleClr val="auto"/>
+    </cs:lnRef>
+    <cs:fillRef idx="0"/>
+    <cs:effectRef idx="0"/>
+    <cs:fontRef idx="minor">
+      <a:schemeClr val="tx1"/>
+    </cs:fontRef>
+    <cs:spPr>
+      <a:ln w="19050" cap="rnd">
+        <a:solidFill>
+          <a:schemeClr val="phClr"/>
+        </a:solidFill>
+        <a:prstDash val="sysDot"/>
+      </a:ln>
+    </cs:spPr>
+  </cs:trendline>
+  <cs:trendlineLabel>
+    <cs:lnRef idx="0"/>
+    <cs:fillRef idx="0"/>
+    <cs:effectRef idx="0"/>
+    <cs:fontRef idx="minor">
+      <a:schemeClr val="tx1">
+        <a:lumMod val="65000"/>
+        <a:lumOff val="35000"/>
+      </a:schemeClr>
+    </cs:fontRef>
+    <cs:defRPr sz="1197" kern="1200"/>
+  </cs:trendlineLabel>
+  <cs:upBar>
+    <cs:lnRef idx="0"/>
+    <cs:fillRef idx="0"/>
+    <cs:effectRef idx="0"/>
+    <cs:fontRef idx="minor">
+      <a:schemeClr val="tx1"/>
+    </cs:fontRef>
+    <cs:spPr>
+      <a:solidFill>
+        <a:schemeClr val="lt1"/>
+      </a:solidFill>
+      <a:ln w="9525" cap="flat" cmpd="sng" algn="ctr">
+        <a:solidFill>
+          <a:schemeClr val="tx1">
+            <a:lumMod val="65000"/>
+            <a:lumOff val="35000"/>
+          </a:schemeClr>
+        </a:solidFill>
+        <a:round/>
+      </a:ln>
+    </cs:spPr>
+  </cs:upBar>
+  <cs:valueAxis>
+    <cs:lnRef idx="0"/>
+    <cs:fillRef idx="0"/>
+    <cs:effectRef idx="0"/>
+    <cs:fontRef idx="minor">
+      <a:schemeClr val="tx1">
+        <a:lumMod val="65000"/>
+        <a:lumOff val="35000"/>
+      </a:schemeClr>
+    </cs:fontRef>
+    <cs:defRPr sz="1197" kern="1200"/>
+  </cs:valueAxis>
+  <cs:wall>
+    <cs:lnRef idx="0"/>
+    <cs:fillRef idx="0"/>
+    <cs:effectRef idx="0"/>
+    <cs:fontRef idx="minor">
+      <a:schemeClr val="tx1"/>
+    </cs:fontRef>
+    <cs:spPr>
+      <a:noFill/>
+      <a:ln>
+        <a:noFill/>
+      </a:ln>
+    </cs:spPr>
+  </cs:wall>
+</cs:chartStyle>
+</file>
+
+<file path=ppt/charts/style2.xml><?xml version="1.0" encoding="utf-8"?>
+<cs:chartStyle xmlns:cs="http://schemas.microsoft.com/office/drawing/2012/chartStyle" xmlns:a="http://schemas.openxmlformats.org/drawingml/2006/main" id="251">
+  <cs:axisTitle>
+    <cs:lnRef idx="0"/>
+    <cs:fillRef idx="0"/>
+    <cs:effectRef idx="0"/>
+    <cs:fontRef idx="minor">
+      <a:schemeClr val="tx1">
+        <a:lumMod val="65000"/>
+        <a:lumOff val="35000"/>
+      </a:schemeClr>
+    </cs:fontRef>
+    <cs:defRPr sz="1330" kern="1200"/>
+  </cs:axisTitle>
+  <cs:categoryAxis>
+    <cs:lnRef idx="0"/>
+    <cs:fillRef idx="0"/>
+    <cs:effectRef idx="0"/>
+    <cs:fontRef idx="minor">
+      <a:schemeClr val="tx1">
+        <a:lumMod val="65000"/>
+        <a:lumOff val="35000"/>
+      </a:schemeClr>
+    </cs:fontRef>
+    <cs:spPr>
+      <a:ln w="9525" cap="flat" cmpd="sng" algn="ctr">
+        <a:solidFill>
+          <a:schemeClr val="tx1">
+            <a:lumMod val="15000"/>
+            <a:lumOff val="85000"/>
+          </a:schemeClr>
+        </a:solidFill>
+        <a:round/>
+      </a:ln>
+    </cs:spPr>
+    <cs:defRPr sz="1197" kern="1200"/>
+  </cs:categoryAxis>
+  <cs:chartArea mods="allowNoFillOverride allowNoLineOverride">
+    <cs:lnRef idx="0"/>
+    <cs:fillRef idx="0"/>
+    <cs:effectRef idx="0"/>
+    <cs:fontRef idx="minor">
+      <a:schemeClr val="tx1"/>
+    </cs:fontRef>
+    <cs:spPr>
+      <a:solidFill>
+        <a:schemeClr val="bg1"/>
+      </a:solidFill>
+      <a:ln w="9525" cap="flat" cmpd="sng" algn="ctr">
+        <a:solidFill>
+          <a:schemeClr val="tx1">
+            <a:lumMod val="15000"/>
+            <a:lumOff val="85000"/>
+          </a:schemeClr>
+        </a:solidFill>
+        <a:round/>
+      </a:ln>
+    </cs:spPr>
+    <cs:defRPr sz="1197" kern="1200"/>
+  </cs:chartArea>
+  <cs:dataLabel>
+    <cs:lnRef idx="0"/>
+    <cs:fillRef idx="0"/>
+    <cs:effectRef idx="0"/>
+    <cs:fontRef idx="minor">
+      <a:schemeClr val="tx1">
+        <a:lumMod val="75000"/>
+        <a:lumOff val="25000"/>
+      </a:schemeClr>
+    </cs:fontRef>
+    <cs:defRPr sz="1197" kern="1200"/>
+  </cs:dataLabel>
+  <cs:dataLabelCallout>
+    <cs:lnRef idx="0"/>
+    <cs:fillRef idx="0"/>
+    <cs:effectRef idx="0"/>
+    <cs:fontRef idx="minor">
+      <a:schemeClr val="dk1">
+        <a:lumMod val="65000"/>
+        <a:lumOff val="35000"/>
+      </a:schemeClr>
+    </cs:fontRef>
+    <cs:spPr>
+      <a:solidFill>
+        <a:schemeClr val="lt1"/>
+      </a:solidFill>
+      <a:ln>
+        <a:solidFill>
+          <a:schemeClr val="dk1">
+            <a:lumMod val="25000"/>
+            <a:lumOff val="75000"/>
+          </a:schemeClr>
+        </a:solidFill>
+      </a:ln>
+    </cs:spPr>
+    <cs:defRPr sz="1197" kern="1200"/>
+    <cs:bodyPr rot="0" spcFirstLastPara="1" vertOverflow="clip" horzOverflow="clip" vert="horz" wrap="square" lIns="36576" tIns="18288" rIns="36576" bIns="18288" anchor="ctr" anchorCtr="1">
+      <a:spAutoFit/>
+    </cs:bodyPr>
+  </cs:dataLabelCallout>
+  <cs:dataPoint>
+    <cs:lnRef idx="0"/>
+    <cs:fillRef idx="1">
+      <cs:styleClr val="auto"/>
+    </cs:fillRef>
+    <cs:effectRef idx="0"/>
+    <cs:fontRef idx="minor">
+      <a:schemeClr val="tx1"/>
+    </cs:fontRef>
+    <cs:spPr>
+      <a:ln w="19050">
+        <a:solidFill>
+          <a:schemeClr val="lt1"/>
+        </a:solidFill>
+      </a:ln>
+    </cs:spPr>
+  </cs:dataPoint>
+  <cs:dataPoint3D>
+    <cs:lnRef idx="0"/>
+    <cs:fillRef idx="1">
+      <cs:styleClr val="auto"/>
+    </cs:fillRef>
+    <cs:effectRef idx="0"/>
+    <cs:fontRef idx="minor">
+      <a:schemeClr val="tx1"/>
+    </cs:fontRef>
+    <cs:spPr>
+      <a:ln w="25400">
+        <a:solidFill>
+          <a:schemeClr val="lt1"/>
+        </a:solidFill>
+      </a:ln>
+    </cs:spPr>
+  </cs:dataPoint3D>
+  <cs:dataPointLine>
+    <cs:lnRef idx="0">
+      <cs:styleClr val="auto"/>
+    </cs:lnRef>
+    <cs:fillRef idx="0"/>
+    <cs:effectRef idx="0"/>
+    <cs:fontRef idx="minor">
+      <a:schemeClr val="tx1"/>
+    </cs:fontRef>
+    <cs:spPr>
+      <a:ln w="28575" cap="rnd">
+        <a:solidFill>
+          <a:schemeClr val="phClr"/>
+        </a:solidFill>
+        <a:round/>
+      </a:ln>
+    </cs:spPr>
+  </cs:dataPointLine>
+  <cs:dataPointMarker>
+    <cs:lnRef idx="0">
+      <cs:styleClr val="auto"/>
+    </cs:lnRef>
+    <cs:fillRef idx="1">
+      <cs:styleClr val="auto"/>
+    </cs:fillRef>
+    <cs:effectRef idx="0"/>
+    <cs:fontRef idx="minor">
+      <a:schemeClr val="tx1"/>
+    </cs:fontRef>
+    <cs:spPr>
+      <a:ln w="9525">
+        <a:solidFill>
+          <a:schemeClr val="phClr"/>
+        </a:solidFill>
+      </a:ln>
+    </cs:spPr>
+  </cs:dataPointMarker>
+  <cs:dataPointMarkerLayout symbol="circle" size="5"/>
+  <cs:dataPointWireframe>
+    <cs:lnRef idx="0">
+      <cs:styleClr val="auto"/>
+    </cs:lnRef>
+    <cs:fillRef idx="0"/>
+    <cs:effectRef idx="0"/>
+    <cs:fontRef idx="minor">
+      <a:schemeClr val="tx1"/>
+    </cs:fontRef>
+    <cs:spPr>
+      <a:ln w="9525" cap="rnd">
+        <a:solidFill>
+          <a:schemeClr val="phClr"/>
+        </a:solidFill>
+        <a:round/>
+      </a:ln>
+    </cs:spPr>
+  </cs:dataPointWireframe>
+  <cs:dataTable>
+    <cs:lnRef idx="0"/>
+    <cs:fillRef idx="0"/>
+    <cs:effectRef idx="0"/>
+    <cs:fontRef idx="minor">
+      <a:schemeClr val="tx1">
+        <a:lumMod val="65000"/>
+        <a:lumOff val="35000"/>
+      </a:schemeClr>
+    </cs:fontRef>
+    <cs:spPr>
+      <a:noFill/>
+      <a:ln w="9525" cap="flat" cmpd="sng" algn="ctr">
+        <a:solidFill>
+          <a:schemeClr val="tx1">
+            <a:lumMod val="15000"/>
+            <a:lumOff val="85000"/>
+          </a:schemeClr>
+        </a:solidFill>
+        <a:round/>
+      </a:ln>
+    </cs:spPr>
+    <cs:defRPr sz="1197" kern="1200"/>
+  </cs:dataTable>
+  <cs:downBar>
+    <cs:lnRef idx="0"/>
+    <cs:fillRef idx="0"/>
+    <cs:effectRef idx="0"/>
+    <cs:fontRef idx="minor">
+      <a:schemeClr val="tx1"/>
+    </cs:fontRef>
+    <cs:spPr>
+      <a:solidFill>
+        <a:schemeClr val="dk1">
+          <a:lumMod val="75000"/>
+          <a:lumOff val="25000"/>
+        </a:schemeClr>
+      </a:solidFill>
+      <a:ln w="9525" cap="flat" cmpd="sng" algn="ctr">
+        <a:solidFill>
+          <a:schemeClr val="tx1">
+            <a:lumMod val="65000"/>
+            <a:lumOff val="35000"/>
+          </a:schemeClr>
+        </a:solidFill>
+        <a:round/>
+      </a:ln>
+    </cs:spPr>
+  </cs:downBar>
+  <cs:dropLine>
+    <cs:lnRef idx="0"/>
+    <cs:fillRef idx="0"/>
+    <cs:effectRef idx="0"/>
+    <cs:fontRef idx="minor">
+      <a:schemeClr val="tx1"/>
+    </cs:fontRef>
+    <cs:spPr>
+      <a:ln w="9525" cap="flat" cmpd="sng" algn="ctr">
+        <a:solidFill>
+          <a:schemeClr val="tx1">
+            <a:lumMod val="35000"/>
+            <a:lumOff val="65000"/>
+          </a:schemeClr>
+        </a:solidFill>
+        <a:round/>
+      </a:ln>
+    </cs:spPr>
+  </cs:dropLine>
+  <cs:errorBar>
+    <cs:lnRef idx="0"/>
+    <cs:fillRef idx="0"/>
+    <cs:effectRef idx="0"/>
+    <cs:fontRef idx="minor">
+      <a:schemeClr val="tx1"/>
+    </cs:fontRef>
+    <cs:spPr>
+      <a:ln w="9525" cap="flat" cmpd="sng" algn="ctr">
+        <a:solidFill>
+          <a:schemeClr val="tx1">
+            <a:lumMod val="65000"/>
+            <a:lumOff val="35000"/>
+          </a:schemeClr>
+        </a:solidFill>
+        <a:round/>
+      </a:ln>
+    </cs:spPr>
+  </cs:errorBar>
+  <cs:floor>
+    <cs:lnRef idx="0"/>
+    <cs:fillRef idx="0"/>
+    <cs:effectRef idx="0"/>
+    <cs:fontRef idx="minor">
+      <a:schemeClr val="tx1"/>
+    </cs:fontRef>
+    <cs:spPr>
+      <a:noFill/>
+      <a:ln>
+        <a:noFill/>
+      </a:ln>
+    </cs:spPr>
+  </cs:floor>
+  <cs:gridlineMajor>
+    <cs:lnRef idx="0"/>
+    <cs:fillRef idx="0"/>
+    <cs:effectRef idx="0"/>
+    <cs:fontRef idx="minor">
+      <a:schemeClr val="tx1"/>
+    </cs:fontRef>
+    <cs:spPr>
+      <a:ln w="9525" cap="flat" cmpd="sng" algn="ctr">
+        <a:solidFill>
+          <a:schemeClr val="tx1">
+            <a:lumMod val="15000"/>
+            <a:lumOff val="85000"/>
+          </a:schemeClr>
+        </a:solidFill>
+        <a:round/>
+      </a:ln>
+    </cs:spPr>
+  </cs:gridlineMajor>
+  <cs:gridlineMinor>
+    <cs:lnRef idx="0"/>
+    <cs:fillRef idx="0"/>
+    <cs:effectRef idx="0"/>
+    <cs:fontRef idx="minor">
+      <a:schemeClr val="tx1"/>
+    </cs:fontRef>
+    <cs:spPr>
+      <a:ln w="9525" cap="flat" cmpd="sng" algn="ctr">
+        <a:solidFill>
+          <a:schemeClr val="tx1">
+            <a:lumMod val="5000"/>
+            <a:lumOff val="95000"/>
+          </a:schemeClr>
+        </a:solidFill>
+        <a:round/>
+      </a:ln>
+    </cs:spPr>
+  </cs:gridlineMinor>
+  <cs:hiLoLine>
+    <cs:lnRef idx="0"/>
+    <cs:fillRef idx="0"/>
+    <cs:effectRef idx="0"/>
+    <cs:fontRef idx="minor">
+      <a:schemeClr val="tx1"/>
+    </cs:fontRef>
+    <cs:spPr>
+      <a:ln w="9525" cap="flat" cmpd="sng" algn="ctr">
+        <a:solidFill>
+          <a:schemeClr val="tx1">
+            <a:lumMod val="50000"/>
+            <a:lumOff val="50000"/>
+          </a:schemeClr>
+        </a:solidFill>
+        <a:round/>
+      </a:ln>
+    </cs:spPr>
+  </cs:hiLoLine>
+  <cs:leaderLine>
+    <cs:lnRef idx="0"/>
+    <cs:fillRef idx="0"/>
+    <cs:effectRef idx="0"/>
+    <cs:fontRef idx="minor">
+      <a:schemeClr val="tx1"/>
+    </cs:fontRef>
+    <cs:spPr>
+      <a:ln w="9525" cap="flat" cmpd="sng" algn="ctr">
+        <a:solidFill>
+          <a:schemeClr val="tx1">
+            <a:lumMod val="35000"/>
+            <a:lumOff val="65000"/>
+          </a:schemeClr>
+        </a:solidFill>
+        <a:round/>
+      </a:ln>
+    </cs:spPr>
+  </cs:leaderLine>
+  <cs:legend>
+    <cs:lnRef idx="0"/>
+    <cs:fillRef idx="0"/>
+    <cs:effectRef idx="0"/>
+    <cs:fontRef idx="minor">
+      <a:schemeClr val="tx1">
+        <a:lumMod val="65000"/>
+        <a:lumOff val="35000"/>
+      </a:schemeClr>
+    </cs:fontRef>
+    <cs:defRPr sz="1197" kern="1200"/>
+  </cs:legend>
+  <cs:plotArea mods="allowNoFillOverride allowNoLineOverride">
+    <cs:lnRef idx="0"/>
+    <cs:fillRef idx="0"/>
+    <cs:effectRef idx="0"/>
+    <cs:fontRef idx="minor">
+      <a:schemeClr val="tx1"/>
+    </cs:fontRef>
+  </cs:plotArea>
+  <cs:plotArea3D mods="allowNoFillOverride allowNoLineOverride">
+    <cs:lnRef idx="0"/>
+    <cs:fillRef idx="0"/>
+    <cs:effectRef idx="0"/>
+    <cs:fontRef idx="minor">
+      <a:schemeClr val="tx1"/>
+    </cs:fontRef>
+  </cs:plotArea3D>
+  <cs:seriesAxis>
+    <cs:lnRef idx="0"/>
+    <cs:fillRef idx="0"/>
+    <cs:effectRef idx="0"/>
+    <cs:fontRef idx="minor">
+      <a:schemeClr val="tx1">
+        <a:lumMod val="65000"/>
+        <a:lumOff val="35000"/>
+      </a:schemeClr>
+    </cs:fontRef>
+    <cs:defRPr sz="1197" kern="1200"/>
+  </cs:seriesAxis>
+  <cs:seriesLine>
+    <cs:lnRef idx="0"/>
+    <cs:fillRef idx="0"/>
+    <cs:effectRef idx="0"/>
+    <cs:fontRef idx="minor">
+      <a:schemeClr val="tx1"/>
+    </cs:fontRef>
+    <cs:spPr>
+      <a:ln w="9525" cap="flat" cmpd="sng" algn="ctr">
+        <a:solidFill>
+          <a:schemeClr val="tx1">
+            <a:lumMod val="35000"/>
+            <a:lumOff val="65000"/>
+          </a:schemeClr>
+        </a:solidFill>
+        <a:round/>
+      </a:ln>
+    </cs:spPr>
+  </cs:seriesLine>
+  <cs:title>
+    <cs:lnRef idx="0"/>
+    <cs:fillRef idx="0"/>
+    <cs:effectRef idx="0"/>
+    <cs:fontRef idx="minor">
+      <a:schemeClr val="tx1">
+        <a:lumMod val="65000"/>
+        <a:lumOff val="35000"/>
+      </a:schemeClr>
+    </cs:fontRef>
+    <cs:defRPr sz="1862" b="0" kern="1200" spc="0" baseline="0"/>
+  </cs:title>
+  <cs:trendline>
+    <cs:lnRef idx="0">
+      <cs:styleClr val="auto"/>
+    </cs:lnRef>
+    <cs:fillRef idx="0"/>
+    <cs:effectRef idx="0"/>
+    <cs:fontRef idx="minor">
+      <a:schemeClr val="tx1"/>
+    </cs:fontRef>
+    <cs:spPr>
+      <a:ln w="19050" cap="rnd">
+        <a:solidFill>
+          <a:schemeClr val="phClr"/>
+        </a:solidFill>
+        <a:prstDash val="sysDot"/>
+      </a:ln>
+    </cs:spPr>
+  </cs:trendline>
+  <cs:trendlineLabel>
+    <cs:lnRef idx="0"/>
+    <cs:fillRef idx="0"/>
+    <cs:effectRef idx="0"/>
+    <cs:fontRef idx="minor">
+      <a:schemeClr val="tx1">
+        <a:lumMod val="65000"/>
+        <a:lumOff val="35000"/>
+      </a:schemeClr>
+    </cs:fontRef>
+    <cs:defRPr sz="1197" kern="1200"/>
+  </cs:trendlineLabel>
+  <cs:upBar>
+    <cs:lnRef idx="0"/>
+    <cs:fillRef idx="0"/>
+    <cs:effectRef idx="0"/>
+    <cs:fontRef idx="minor">
+      <a:schemeClr val="tx1"/>
+    </cs:fontRef>
+    <cs:spPr>
+      <a:solidFill>
+        <a:schemeClr val="lt1"/>
+      </a:solidFill>
+      <a:ln w="9525" cap="flat" cmpd="sng" algn="ctr">
+        <a:solidFill>
+          <a:schemeClr val="tx1">
+            <a:lumMod val="65000"/>
+            <a:lumOff val="35000"/>
+          </a:schemeClr>
+        </a:solidFill>
+        <a:round/>
+      </a:ln>
+    </cs:spPr>
+  </cs:upBar>
+  <cs:valueAxis>
+    <cs:lnRef idx="0"/>
+    <cs:fillRef idx="0"/>
+    <cs:effectRef idx="0"/>
+    <cs:fontRef idx="minor">
+      <a:schemeClr val="tx1">
+        <a:lumMod val="65000"/>
+        <a:lumOff val="35000"/>
+      </a:schemeClr>
+    </cs:fontRef>
+    <cs:defRPr sz="1197" kern="1200"/>
+  </cs:valueAxis>
+  <cs:wall>
+    <cs:lnRef idx="0"/>
+    <cs:fillRef idx="0"/>
+    <cs:effectRef idx="0"/>
+    <cs:fontRef idx="minor">
+      <a:schemeClr val="tx1"/>
+    </cs:fontRef>
+    <cs:spPr>
+      <a:noFill/>
+      <a:ln>
+        <a:noFill/>
+      </a:ln>
+    </cs:spPr>
+  </cs:wall>
+</cs:chartStyle>
 </file>
 
 <file path=ppt/slideLayouts/slideLayout1.xml><?xml version="1.0" encoding="utf-8"?>
@@ -5763,6 +7458,1886 @@
 </p:sld>
 </file>
 
+<file path=ppt/slides/slide3.xml><?xml version="1.0" encoding="utf-8"?>
+<p:sld xmlns:a="http://schemas.openxmlformats.org/drawingml/2006/main" xmlns:r="http://schemas.openxmlformats.org/officeDocument/2006/relationships" xmlns:p="http://schemas.openxmlformats.org/presentationml/2006/main">
+  <p:cSld>
+    <p:spTree>
+      <p:nvGrpSpPr>
+        <p:cNvPr id="1" name=""/>
+        <p:cNvGrpSpPr/>
+        <p:nvPr/>
+      </p:nvGrpSpPr>
+      <p:grpSpPr>
+        <a:xfrm>
+          <a:off x="0" y="0"/>
+          <a:ext cx="0" cy="0"/>
+          <a:chOff x="0" y="0"/>
+          <a:chExt cx="0" cy="0"/>
+        </a:xfrm>
+      </p:grpSpPr>
+      <p:grpSp>
+        <p:nvGrpSpPr>
+          <p:cNvPr id="12" name="Group 11">
+            <a:extLst>
+              <a:ext uri="{FF2B5EF4-FFF2-40B4-BE49-F238E27FC236}">
+                <a16:creationId xmlns:a16="http://schemas.microsoft.com/office/drawing/2014/main" id="{FDEED9E1-30A0-4608-BFE9-FAE5195C723F}"/>
+              </a:ext>
+            </a:extLst>
+          </p:cNvPr>
+          <p:cNvGrpSpPr/>
+          <p:nvPr/>
+        </p:nvGrpSpPr>
+        <p:grpSpPr>
+          <a:xfrm>
+            <a:off x="-797048" y="-797049"/>
+            <a:ext cx="15994309" cy="15994309"/>
+            <a:chOff x="-797048" y="-797049"/>
+            <a:chExt cx="15994309" cy="15994309"/>
+          </a:xfrm>
+        </p:grpSpPr>
+        <p:sp>
+          <p:nvSpPr>
+            <p:cNvPr id="10" name="Arrow: Left-Right 9">
+              <a:extLst>
+                <a:ext uri="{FF2B5EF4-FFF2-40B4-BE49-F238E27FC236}">
+                  <a16:creationId xmlns:a16="http://schemas.microsoft.com/office/drawing/2014/main" id="{F5F94B8D-9AAE-47DE-8647-5D398C55575E}"/>
+                </a:ext>
+              </a:extLst>
+            </p:cNvPr>
+            <p:cNvSpPr/>
+            <p:nvPr/>
+          </p:nvSpPr>
+          <p:spPr>
+            <a:xfrm rot="2700000">
+              <a:off x="-797048" y="6261643"/>
+              <a:ext cx="15994309" cy="1876926"/>
+            </a:xfrm>
+            <a:prstGeom prst="leftRightArrow">
+              <a:avLst/>
+            </a:prstGeom>
+            <a:gradFill>
+              <a:gsLst>
+                <a:gs pos="0">
+                  <a:srgbClr val="FFA000"/>
+                </a:gs>
+                <a:gs pos="100000">
+                  <a:srgbClr val="1976D2"/>
+                </a:gs>
+              </a:gsLst>
+              <a:lin ang="0" scaled="0"/>
+            </a:gradFill>
+            <a:ln>
+              <a:noFill/>
+            </a:ln>
+          </p:spPr>
+          <p:style>
+            <a:lnRef idx="2">
+              <a:schemeClr val="accent1">
+                <a:shade val="50000"/>
+              </a:schemeClr>
+            </a:lnRef>
+            <a:fillRef idx="1">
+              <a:schemeClr val="accent1"/>
+            </a:fillRef>
+            <a:effectRef idx="0">
+              <a:schemeClr val="accent1"/>
+            </a:effectRef>
+            <a:fontRef idx="minor">
+              <a:schemeClr val="lt1"/>
+            </a:fontRef>
+          </p:style>
+          <p:txBody>
+            <a:bodyPr rtlCol="0" anchor="ctr"/>
+            <a:lstStyle/>
+            <a:p>
+              <a:pPr algn="ctr"/>
+              <a:endParaRPr lang="en-GB"/>
+            </a:p>
+          </p:txBody>
+        </p:sp>
+        <p:sp>
+          <p:nvSpPr>
+            <p:cNvPr id="11" name="Arrow: Left-Right 10">
+              <a:extLst>
+                <a:ext uri="{FF2B5EF4-FFF2-40B4-BE49-F238E27FC236}">
+                  <a16:creationId xmlns:a16="http://schemas.microsoft.com/office/drawing/2014/main" id="{B2EFD0DD-9D5C-4A13-BBFA-7668D49A8CF3}"/>
+                </a:ext>
+              </a:extLst>
+            </p:cNvPr>
+            <p:cNvSpPr/>
+            <p:nvPr/>
+          </p:nvSpPr>
+          <p:spPr>
+            <a:xfrm rot="18900000">
+              <a:off x="-797048" y="6261643"/>
+              <a:ext cx="15994309" cy="1876926"/>
+            </a:xfrm>
+            <a:prstGeom prst="leftRightArrow">
+              <a:avLst/>
+            </a:prstGeom>
+            <a:gradFill flip="none" rotWithShape="1">
+              <a:gsLst>
+                <a:gs pos="0">
+                  <a:srgbClr val="C2185B"/>
+                </a:gs>
+                <a:gs pos="100000">
+                  <a:srgbClr val="388E3C"/>
+                </a:gs>
+              </a:gsLst>
+              <a:lin ang="0" scaled="0"/>
+              <a:tileRect/>
+            </a:gradFill>
+            <a:ln>
+              <a:noFill/>
+            </a:ln>
+          </p:spPr>
+          <p:style>
+            <a:lnRef idx="2">
+              <a:schemeClr val="accent1">
+                <a:shade val="50000"/>
+              </a:schemeClr>
+            </a:lnRef>
+            <a:fillRef idx="1">
+              <a:schemeClr val="accent1"/>
+            </a:fillRef>
+            <a:effectRef idx="0">
+              <a:schemeClr val="accent1"/>
+            </a:effectRef>
+            <a:fontRef idx="minor">
+              <a:schemeClr val="lt1"/>
+            </a:fontRef>
+          </p:style>
+          <p:txBody>
+            <a:bodyPr rtlCol="0" anchor="ctr"/>
+            <a:lstStyle/>
+            <a:p>
+              <a:pPr algn="ctr"/>
+              <a:endParaRPr lang="en-GB"/>
+            </a:p>
+          </p:txBody>
+        </p:sp>
+      </p:grpSp>
+      <p:graphicFrame>
+        <p:nvGraphicFramePr>
+          <p:cNvPr id="8" name="Chart 7">
+            <a:extLst>
+              <a:ext uri="{FF2B5EF4-FFF2-40B4-BE49-F238E27FC236}">
+                <a16:creationId xmlns:a16="http://schemas.microsoft.com/office/drawing/2014/main" id="{14CB5553-DC6F-44D8-988D-C3A362F8F329}"/>
+              </a:ext>
+            </a:extLst>
+          </p:cNvPr>
+          <p:cNvGraphicFramePr/>
+          <p:nvPr>
+            <p:extLst>
+              <p:ext uri="{D42A27DB-BD31-4B8C-83A1-F6EECF244321}">
+                <p14:modId xmlns:p14="http://schemas.microsoft.com/office/powerpoint/2010/main" val="1558748593"/>
+              </p:ext>
+            </p:extLst>
+          </p:nvPr>
+        </p:nvGraphicFramePr>
+        <p:xfrm>
+          <a:off x="900106" y="900106"/>
+          <a:ext cx="12600000" cy="12600000"/>
+        </p:xfrm>
+        <a:graphic>
+          <a:graphicData uri="http://schemas.openxmlformats.org/drawingml/2006/chart">
+            <c:chart xmlns:c="http://schemas.openxmlformats.org/drawingml/2006/chart" xmlns:r="http://schemas.openxmlformats.org/officeDocument/2006/relationships" r:id="rId2"/>
+          </a:graphicData>
+        </a:graphic>
+      </p:graphicFrame>
+      <p:graphicFrame>
+        <p:nvGraphicFramePr>
+          <p:cNvPr id="9" name="Chart 8">
+            <a:extLst>
+              <a:ext uri="{FF2B5EF4-FFF2-40B4-BE49-F238E27FC236}">
+                <a16:creationId xmlns:a16="http://schemas.microsoft.com/office/drawing/2014/main" id="{0B519822-4A7B-4E00-8908-C91E24656AE4}"/>
+              </a:ext>
+            </a:extLst>
+          </p:cNvPr>
+          <p:cNvGraphicFramePr/>
+          <p:nvPr>
+            <p:extLst>
+              <p:ext uri="{D42A27DB-BD31-4B8C-83A1-F6EECF244321}">
+                <p14:modId xmlns:p14="http://schemas.microsoft.com/office/powerpoint/2010/main" val="2618792518"/>
+              </p:ext>
+            </p:extLst>
+          </p:nvPr>
+        </p:nvGraphicFramePr>
+        <p:xfrm>
+          <a:off x="3757592" y="3758385"/>
+          <a:ext cx="6883441" cy="6883441"/>
+        </p:xfrm>
+        <a:graphic>
+          <a:graphicData uri="http://schemas.openxmlformats.org/drawingml/2006/chart">
+            <c:chart xmlns:c="http://schemas.openxmlformats.org/drawingml/2006/chart" xmlns:r="http://schemas.openxmlformats.org/officeDocument/2006/relationships" r:id="rId3"/>
+          </a:graphicData>
+        </a:graphic>
+      </p:graphicFrame>
+      <p:grpSp>
+        <p:nvGrpSpPr>
+          <p:cNvPr id="17" name="Group 16">
+            <a:extLst>
+              <a:ext uri="{FF2B5EF4-FFF2-40B4-BE49-F238E27FC236}">
+                <a16:creationId xmlns:a16="http://schemas.microsoft.com/office/drawing/2014/main" id="{DCAB4007-EB18-4993-AC6C-6F4CEBF13960}"/>
+              </a:ext>
+            </a:extLst>
+          </p:cNvPr>
+          <p:cNvGrpSpPr/>
+          <p:nvPr/>
+        </p:nvGrpSpPr>
+        <p:grpSpPr>
+          <a:xfrm>
+            <a:off x="0" y="548640"/>
+            <a:ext cx="14400214" cy="1018903"/>
+            <a:chOff x="0" y="548640"/>
+            <a:chExt cx="14400214" cy="1018903"/>
+          </a:xfrm>
+        </p:grpSpPr>
+        <p:sp>
+          <p:nvSpPr>
+            <p:cNvPr id="14" name="Rectangle 13">
+              <a:extLst>
+                <a:ext uri="{FF2B5EF4-FFF2-40B4-BE49-F238E27FC236}">
+                  <a16:creationId xmlns:a16="http://schemas.microsoft.com/office/drawing/2014/main" id="{6464228E-7B52-4D8C-9789-6922A97D2963}"/>
+                </a:ext>
+              </a:extLst>
+            </p:cNvPr>
+            <p:cNvSpPr/>
+            <p:nvPr/>
+          </p:nvSpPr>
+          <p:spPr>
+            <a:xfrm>
+              <a:off x="0" y="548640"/>
+              <a:ext cx="4376058" cy="1018903"/>
+            </a:xfrm>
+            <a:prstGeom prst="rect">
+              <a:avLst/>
+            </a:prstGeom>
+            <a:noFill/>
+            <a:ln>
+              <a:noFill/>
+            </a:ln>
+          </p:spPr>
+          <p:style>
+            <a:lnRef idx="0">
+              <a:scrgbClr r="0" g="0" b="0"/>
+            </a:lnRef>
+            <a:fillRef idx="0">
+              <a:scrgbClr r="0" g="0" b="0"/>
+            </a:fillRef>
+            <a:effectRef idx="0">
+              <a:scrgbClr r="0" g="0" b="0"/>
+            </a:effectRef>
+            <a:fontRef idx="minor">
+              <a:schemeClr val="dk1"/>
+            </a:fontRef>
+          </p:style>
+          <p:txBody>
+            <a:bodyPr rtlCol="0" anchor="ctr"/>
+            <a:lstStyle/>
+            <a:p>
+              <a:pPr algn="ctr"/>
+              <a:r>
+                <a:rPr lang="fr-FR" sz="4400" b="1" dirty="0" err="1">
+                  <a:latin typeface="Roboto" pitchFamily="2" charset="0"/>
+                  <a:ea typeface="Roboto" pitchFamily="2" charset="0"/>
+                </a:rPr>
+                <a:t>Order</a:t>
+              </a:r>
+              <a:endParaRPr lang="en-GB" sz="4400" b="1" dirty="0">
+                <a:latin typeface="Roboto" pitchFamily="2" charset="0"/>
+                <a:ea typeface="Roboto" pitchFamily="2" charset="0"/>
+              </a:endParaRPr>
+            </a:p>
+          </p:txBody>
+        </p:sp>
+        <p:sp>
+          <p:nvSpPr>
+            <p:cNvPr id="15" name="Rectangle 14">
+              <a:extLst>
+                <a:ext uri="{FF2B5EF4-FFF2-40B4-BE49-F238E27FC236}">
+                  <a16:creationId xmlns:a16="http://schemas.microsoft.com/office/drawing/2014/main" id="{47C4DA5C-D224-41AA-BE8B-28CB3DD30233}"/>
+                </a:ext>
+              </a:extLst>
+            </p:cNvPr>
+            <p:cNvSpPr/>
+            <p:nvPr/>
+          </p:nvSpPr>
+          <p:spPr>
+            <a:xfrm>
+              <a:off x="10024156" y="548640"/>
+              <a:ext cx="4376058" cy="1018903"/>
+            </a:xfrm>
+            <a:prstGeom prst="rect">
+              <a:avLst/>
+            </a:prstGeom>
+            <a:noFill/>
+            <a:ln>
+              <a:noFill/>
+            </a:ln>
+          </p:spPr>
+          <p:style>
+            <a:lnRef idx="0">
+              <a:scrgbClr r="0" g="0" b="0"/>
+            </a:lnRef>
+            <a:fillRef idx="0">
+              <a:scrgbClr r="0" g="0" b="0"/>
+            </a:fillRef>
+            <a:effectRef idx="0">
+              <a:scrgbClr r="0" g="0" b="0"/>
+            </a:effectRef>
+            <a:fontRef idx="minor">
+              <a:schemeClr val="dk1"/>
+            </a:fontRef>
+          </p:style>
+          <p:txBody>
+            <a:bodyPr rtlCol="0" anchor="ctr"/>
+            <a:lstStyle/>
+            <a:p>
+              <a:pPr algn="ctr"/>
+              <a:r>
+                <a:rPr lang="fr-FR" sz="4400" b="1" dirty="0">
+                  <a:latin typeface="Roboto" pitchFamily="2" charset="0"/>
+                  <a:ea typeface="Roboto" pitchFamily="2" charset="0"/>
+                </a:rPr>
+                <a:t>Freedom</a:t>
+              </a:r>
+              <a:endParaRPr lang="en-GB" sz="4400" b="1" dirty="0">
+                <a:latin typeface="Roboto" pitchFamily="2" charset="0"/>
+                <a:ea typeface="Roboto" pitchFamily="2" charset="0"/>
+              </a:endParaRPr>
+            </a:p>
+          </p:txBody>
+        </p:sp>
+      </p:grpSp>
+      <p:grpSp>
+        <p:nvGrpSpPr>
+          <p:cNvPr id="18" name="Group 17">
+            <a:extLst>
+              <a:ext uri="{FF2B5EF4-FFF2-40B4-BE49-F238E27FC236}">
+                <a16:creationId xmlns:a16="http://schemas.microsoft.com/office/drawing/2014/main" id="{21AB7055-E6CE-46D8-818F-7D3DF4551C09}"/>
+              </a:ext>
+            </a:extLst>
+          </p:cNvPr>
+          <p:cNvGrpSpPr/>
+          <p:nvPr/>
+        </p:nvGrpSpPr>
+        <p:grpSpPr>
+          <a:xfrm>
+            <a:off x="-795" y="12832669"/>
+            <a:ext cx="14400214" cy="1018903"/>
+            <a:chOff x="0" y="548640"/>
+            <a:chExt cx="14400214" cy="1018903"/>
+          </a:xfrm>
+        </p:grpSpPr>
+        <p:sp>
+          <p:nvSpPr>
+            <p:cNvPr id="19" name="Rectangle 18">
+              <a:extLst>
+                <a:ext uri="{FF2B5EF4-FFF2-40B4-BE49-F238E27FC236}">
+                  <a16:creationId xmlns:a16="http://schemas.microsoft.com/office/drawing/2014/main" id="{76EC236E-C665-466C-80CA-AA3588BC1CAC}"/>
+                </a:ext>
+              </a:extLst>
+            </p:cNvPr>
+            <p:cNvSpPr/>
+            <p:nvPr/>
+          </p:nvSpPr>
+          <p:spPr>
+            <a:xfrm>
+              <a:off x="0" y="548640"/>
+              <a:ext cx="4376058" cy="1018903"/>
+            </a:xfrm>
+            <a:prstGeom prst="rect">
+              <a:avLst/>
+            </a:prstGeom>
+            <a:noFill/>
+            <a:ln>
+              <a:noFill/>
+            </a:ln>
+          </p:spPr>
+          <p:style>
+            <a:lnRef idx="0">
+              <a:scrgbClr r="0" g="0" b="0"/>
+            </a:lnRef>
+            <a:fillRef idx="0">
+              <a:scrgbClr r="0" g="0" b="0"/>
+            </a:fillRef>
+            <a:effectRef idx="0">
+              <a:scrgbClr r="0" g="0" b="0"/>
+            </a:effectRef>
+            <a:fontRef idx="minor">
+              <a:schemeClr val="dk1"/>
+            </a:fontRef>
+          </p:style>
+          <p:txBody>
+            <a:bodyPr rtlCol="0" anchor="ctr"/>
+            <a:lstStyle/>
+            <a:p>
+              <a:pPr algn="ctr"/>
+              <a:r>
+                <a:rPr lang="fr-FR" sz="4400" b="1" dirty="0">
+                  <a:latin typeface="Roboto" pitchFamily="2" charset="0"/>
+                  <a:ea typeface="Roboto" pitchFamily="2" charset="0"/>
+                </a:rPr>
+                <a:t>Social</a:t>
+              </a:r>
+              <a:endParaRPr lang="en-GB" sz="4400" b="1" dirty="0">
+                <a:latin typeface="Roboto" pitchFamily="2" charset="0"/>
+                <a:ea typeface="Roboto" pitchFamily="2" charset="0"/>
+              </a:endParaRPr>
+            </a:p>
+          </p:txBody>
+        </p:sp>
+        <p:sp>
+          <p:nvSpPr>
+            <p:cNvPr id="20" name="Rectangle 19">
+              <a:extLst>
+                <a:ext uri="{FF2B5EF4-FFF2-40B4-BE49-F238E27FC236}">
+                  <a16:creationId xmlns:a16="http://schemas.microsoft.com/office/drawing/2014/main" id="{885D6E20-1224-4A35-9EC3-C02EBAB7492A}"/>
+                </a:ext>
+              </a:extLst>
+            </p:cNvPr>
+            <p:cNvSpPr/>
+            <p:nvPr/>
+          </p:nvSpPr>
+          <p:spPr>
+            <a:xfrm>
+              <a:off x="10024156" y="548640"/>
+              <a:ext cx="4376058" cy="1018903"/>
+            </a:xfrm>
+            <a:prstGeom prst="rect">
+              <a:avLst/>
+            </a:prstGeom>
+            <a:noFill/>
+            <a:ln>
+              <a:noFill/>
+            </a:ln>
+          </p:spPr>
+          <p:style>
+            <a:lnRef idx="0">
+              <a:scrgbClr r="0" g="0" b="0"/>
+            </a:lnRef>
+            <a:fillRef idx="0">
+              <a:scrgbClr r="0" g="0" b="0"/>
+            </a:fillRef>
+            <a:effectRef idx="0">
+              <a:scrgbClr r="0" g="0" b="0"/>
+            </a:effectRef>
+            <a:fontRef idx="minor">
+              <a:schemeClr val="dk1"/>
+            </a:fontRef>
+          </p:style>
+          <p:txBody>
+            <a:bodyPr rtlCol="0" anchor="ctr"/>
+            <a:lstStyle/>
+            <a:p>
+              <a:pPr algn="ctr"/>
+              <a:r>
+                <a:rPr lang="fr-FR" sz="4400" b="1" dirty="0">
+                  <a:latin typeface="Roboto" pitchFamily="2" charset="0"/>
+                  <a:ea typeface="Roboto" pitchFamily="2" charset="0"/>
+                </a:rPr>
+                <a:t>Ego</a:t>
+              </a:r>
+              <a:endParaRPr lang="en-GB" sz="4400" b="1" dirty="0">
+                <a:latin typeface="Roboto" pitchFamily="2" charset="0"/>
+                <a:ea typeface="Roboto" pitchFamily="2" charset="0"/>
+              </a:endParaRPr>
+            </a:p>
+          </p:txBody>
+        </p:sp>
+      </p:grpSp>
+      <p:grpSp>
+        <p:nvGrpSpPr>
+          <p:cNvPr id="38" name="Group 37">
+            <a:extLst>
+              <a:ext uri="{FF2B5EF4-FFF2-40B4-BE49-F238E27FC236}">
+                <a16:creationId xmlns:a16="http://schemas.microsoft.com/office/drawing/2014/main" id="{741AD36F-B261-4CD7-99D6-4B2615E301EE}"/>
+              </a:ext>
+            </a:extLst>
+          </p:cNvPr>
+          <p:cNvGrpSpPr/>
+          <p:nvPr/>
+        </p:nvGrpSpPr>
+        <p:grpSpPr>
+          <a:xfrm>
+            <a:off x="3857710" y="5919743"/>
+            <a:ext cx="6778984" cy="2556475"/>
+            <a:chOff x="3857710" y="5919743"/>
+            <a:chExt cx="6778984" cy="2556475"/>
+          </a:xfrm>
+        </p:grpSpPr>
+        <p:sp>
+          <p:nvSpPr>
+            <p:cNvPr id="21" name="Rectangle 20">
+              <a:extLst>
+                <a:ext uri="{FF2B5EF4-FFF2-40B4-BE49-F238E27FC236}">
+                  <a16:creationId xmlns:a16="http://schemas.microsoft.com/office/drawing/2014/main" id="{2A312553-8149-4BB6-862A-451B0397B98A}"/>
+                </a:ext>
+              </a:extLst>
+            </p:cNvPr>
+            <p:cNvSpPr/>
+            <p:nvPr/>
+          </p:nvSpPr>
+          <p:spPr>
+            <a:xfrm>
+              <a:off x="7360407" y="7457315"/>
+              <a:ext cx="3276287" cy="1018903"/>
+            </a:xfrm>
+            <a:prstGeom prst="rect">
+              <a:avLst/>
+            </a:prstGeom>
+            <a:noFill/>
+            <a:ln>
+              <a:noFill/>
+            </a:ln>
+          </p:spPr>
+          <p:style>
+            <a:lnRef idx="0">
+              <a:scrgbClr r="0" g="0" b="0"/>
+            </a:lnRef>
+            <a:fillRef idx="0">
+              <a:scrgbClr r="0" g="0" b="0"/>
+            </a:fillRef>
+            <a:effectRef idx="0">
+              <a:scrgbClr r="0" g="0" b="0"/>
+            </a:effectRef>
+            <a:fontRef idx="minor">
+              <a:schemeClr val="dk1"/>
+            </a:fontRef>
+          </p:style>
+          <p:txBody>
+            <a:bodyPr rtlCol="0" anchor="ctr"/>
+            <a:lstStyle/>
+            <a:p>
+              <a:r>
+                <a:rPr lang="fr-FR" sz="4000" dirty="0" err="1">
+                  <a:solidFill>
+                    <a:schemeClr val="bg1"/>
+                  </a:solidFill>
+                  <a:latin typeface="Roboto" pitchFamily="2" charset="0"/>
+                  <a:ea typeface="Roboto" pitchFamily="2" charset="0"/>
+                </a:rPr>
+                <a:t>Leave</a:t>
+              </a:r>
+              <a:r>
+                <a:rPr lang="fr-FR" sz="4000" dirty="0">
+                  <a:solidFill>
+                    <a:schemeClr val="bg1"/>
+                  </a:solidFill>
+                  <a:latin typeface="Roboto" pitchFamily="2" charset="0"/>
+                  <a:ea typeface="Roboto" pitchFamily="2" charset="0"/>
+                </a:rPr>
+                <a:t> </a:t>
+              </a:r>
+            </a:p>
+            <a:p>
+              <a:r>
+                <a:rPr lang="fr-FR" sz="4000" dirty="0">
+                  <a:solidFill>
+                    <a:schemeClr val="bg1"/>
+                  </a:solidFill>
+                  <a:latin typeface="Roboto" pitchFamily="2" charset="0"/>
+                  <a:ea typeface="Roboto" pitchFamily="2" charset="0"/>
+                </a:rPr>
+                <a:t>a mark</a:t>
+              </a:r>
+              <a:endParaRPr lang="en-GB" sz="4000" dirty="0">
+                <a:solidFill>
+                  <a:schemeClr val="bg1"/>
+                </a:solidFill>
+                <a:latin typeface="Roboto" pitchFamily="2" charset="0"/>
+                <a:ea typeface="Roboto" pitchFamily="2" charset="0"/>
+              </a:endParaRPr>
+            </a:p>
+          </p:txBody>
+        </p:sp>
+        <p:sp>
+          <p:nvSpPr>
+            <p:cNvPr id="22" name="Rectangle 21">
+              <a:extLst>
+                <a:ext uri="{FF2B5EF4-FFF2-40B4-BE49-F238E27FC236}">
+                  <a16:creationId xmlns:a16="http://schemas.microsoft.com/office/drawing/2014/main" id="{70BB4ED0-67A4-4CF9-AC0C-0B2466F8BF4F}"/>
+                </a:ext>
+              </a:extLst>
+            </p:cNvPr>
+            <p:cNvSpPr/>
+            <p:nvPr/>
+          </p:nvSpPr>
+          <p:spPr>
+            <a:xfrm>
+              <a:off x="3857710" y="7457315"/>
+              <a:ext cx="3276287" cy="1018903"/>
+            </a:xfrm>
+            <a:prstGeom prst="rect">
+              <a:avLst/>
+            </a:prstGeom>
+            <a:noFill/>
+            <a:ln>
+              <a:noFill/>
+            </a:ln>
+          </p:spPr>
+          <p:style>
+            <a:lnRef idx="0">
+              <a:scrgbClr r="0" g="0" b="0"/>
+            </a:lnRef>
+            <a:fillRef idx="0">
+              <a:scrgbClr r="0" g="0" b="0"/>
+            </a:fillRef>
+            <a:effectRef idx="0">
+              <a:scrgbClr r="0" g="0" b="0"/>
+            </a:effectRef>
+            <a:fontRef idx="minor">
+              <a:schemeClr val="dk1"/>
+            </a:fontRef>
+          </p:style>
+          <p:txBody>
+            <a:bodyPr rtlCol="0" anchor="ctr"/>
+            <a:lstStyle/>
+            <a:p>
+              <a:pPr algn="r"/>
+              <a:r>
+                <a:rPr lang="fr-FR" sz="4000" dirty="0" err="1">
+                  <a:solidFill>
+                    <a:schemeClr val="bg1"/>
+                  </a:solidFill>
+                  <a:latin typeface="Roboto" pitchFamily="2" charset="0"/>
+                  <a:ea typeface="Roboto" pitchFamily="2" charset="0"/>
+                </a:rPr>
+                <a:t>Connect</a:t>
+              </a:r>
+              <a:r>
+                <a:rPr lang="fr-FR" sz="4000" dirty="0">
+                  <a:solidFill>
+                    <a:schemeClr val="bg1"/>
+                  </a:solidFill>
+                  <a:latin typeface="Roboto" pitchFamily="2" charset="0"/>
+                  <a:ea typeface="Roboto" pitchFamily="2" charset="0"/>
+                </a:rPr>
+                <a:t> </a:t>
+              </a:r>
+            </a:p>
+            <a:p>
+              <a:pPr algn="r"/>
+              <a:r>
+                <a:rPr lang="fr-FR" sz="4000" dirty="0" err="1">
+                  <a:solidFill>
+                    <a:schemeClr val="bg1"/>
+                  </a:solidFill>
+                  <a:latin typeface="Roboto" pitchFamily="2" charset="0"/>
+                  <a:ea typeface="Roboto" pitchFamily="2" charset="0"/>
+                </a:rPr>
+                <a:t>with</a:t>
+              </a:r>
+              <a:r>
+                <a:rPr lang="fr-FR" sz="4000" dirty="0">
+                  <a:solidFill>
+                    <a:schemeClr val="bg1"/>
+                  </a:solidFill>
+                  <a:latin typeface="Roboto" pitchFamily="2" charset="0"/>
+                  <a:ea typeface="Roboto" pitchFamily="2" charset="0"/>
+                </a:rPr>
+                <a:t> </a:t>
+              </a:r>
+              <a:r>
+                <a:rPr lang="fr-FR" sz="4000" dirty="0" err="1">
+                  <a:solidFill>
+                    <a:schemeClr val="bg1"/>
+                  </a:solidFill>
+                  <a:latin typeface="Roboto" pitchFamily="2" charset="0"/>
+                  <a:ea typeface="Roboto" pitchFamily="2" charset="0"/>
+                </a:rPr>
+                <a:t>others</a:t>
+              </a:r>
+              <a:endParaRPr lang="en-GB" sz="4000" dirty="0">
+                <a:solidFill>
+                  <a:schemeClr val="bg1"/>
+                </a:solidFill>
+                <a:latin typeface="Roboto" pitchFamily="2" charset="0"/>
+                <a:ea typeface="Roboto" pitchFamily="2" charset="0"/>
+              </a:endParaRPr>
+            </a:p>
+          </p:txBody>
+        </p:sp>
+        <p:sp>
+          <p:nvSpPr>
+            <p:cNvPr id="23" name="Rectangle 22">
+              <a:extLst>
+                <a:ext uri="{FF2B5EF4-FFF2-40B4-BE49-F238E27FC236}">
+                  <a16:creationId xmlns:a16="http://schemas.microsoft.com/office/drawing/2014/main" id="{96B845B1-03AE-44B6-B260-068E848B61C6}"/>
+                </a:ext>
+              </a:extLst>
+            </p:cNvPr>
+            <p:cNvSpPr/>
+            <p:nvPr/>
+          </p:nvSpPr>
+          <p:spPr>
+            <a:xfrm>
+              <a:off x="3857711" y="5919743"/>
+              <a:ext cx="3276287" cy="1018903"/>
+            </a:xfrm>
+            <a:prstGeom prst="rect">
+              <a:avLst/>
+            </a:prstGeom>
+            <a:noFill/>
+            <a:ln>
+              <a:noFill/>
+            </a:ln>
+          </p:spPr>
+          <p:style>
+            <a:lnRef idx="0">
+              <a:scrgbClr r="0" g="0" b="0"/>
+            </a:lnRef>
+            <a:fillRef idx="0">
+              <a:scrgbClr r="0" g="0" b="0"/>
+            </a:fillRef>
+            <a:effectRef idx="0">
+              <a:scrgbClr r="0" g="0" b="0"/>
+            </a:effectRef>
+            <a:fontRef idx="minor">
+              <a:schemeClr val="dk1"/>
+            </a:fontRef>
+          </p:style>
+          <p:txBody>
+            <a:bodyPr rtlCol="0" anchor="ctr"/>
+            <a:lstStyle/>
+            <a:p>
+              <a:pPr algn="r"/>
+              <a:r>
+                <a:rPr lang="fr-FR" sz="4000" dirty="0" err="1">
+                  <a:solidFill>
+                    <a:schemeClr val="bg1"/>
+                  </a:solidFill>
+                  <a:latin typeface="Roboto" pitchFamily="2" charset="0"/>
+                  <a:ea typeface="Roboto" pitchFamily="2" charset="0"/>
+                </a:rPr>
+                <a:t>Provide</a:t>
+              </a:r>
+              <a:r>
+                <a:rPr lang="fr-FR" sz="4000" dirty="0">
+                  <a:solidFill>
+                    <a:schemeClr val="bg1"/>
+                  </a:solidFill>
+                  <a:latin typeface="Roboto" pitchFamily="2" charset="0"/>
+                  <a:ea typeface="Roboto" pitchFamily="2" charset="0"/>
+                </a:rPr>
+                <a:t> structure</a:t>
+              </a:r>
+              <a:endParaRPr lang="en-GB" sz="4000" dirty="0">
+                <a:solidFill>
+                  <a:schemeClr val="bg1"/>
+                </a:solidFill>
+                <a:latin typeface="Roboto" pitchFamily="2" charset="0"/>
+                <a:ea typeface="Roboto" pitchFamily="2" charset="0"/>
+              </a:endParaRPr>
+            </a:p>
+          </p:txBody>
+        </p:sp>
+        <p:sp>
+          <p:nvSpPr>
+            <p:cNvPr id="24" name="Rectangle 23">
+              <a:extLst>
+                <a:ext uri="{FF2B5EF4-FFF2-40B4-BE49-F238E27FC236}">
+                  <a16:creationId xmlns:a16="http://schemas.microsoft.com/office/drawing/2014/main" id="{6A1082B3-8BC1-4EEC-9D00-A117607E9910}"/>
+                </a:ext>
+              </a:extLst>
+            </p:cNvPr>
+            <p:cNvSpPr/>
+            <p:nvPr/>
+          </p:nvSpPr>
+          <p:spPr>
+            <a:xfrm>
+              <a:off x="7296127" y="5919743"/>
+              <a:ext cx="3276287" cy="1018903"/>
+            </a:xfrm>
+            <a:prstGeom prst="rect">
+              <a:avLst/>
+            </a:prstGeom>
+            <a:noFill/>
+            <a:ln>
+              <a:noFill/>
+            </a:ln>
+          </p:spPr>
+          <p:style>
+            <a:lnRef idx="0">
+              <a:scrgbClr r="0" g="0" b="0"/>
+            </a:lnRef>
+            <a:fillRef idx="0">
+              <a:scrgbClr r="0" g="0" b="0"/>
+            </a:fillRef>
+            <a:effectRef idx="0">
+              <a:scrgbClr r="0" g="0" b="0"/>
+            </a:effectRef>
+            <a:fontRef idx="minor">
+              <a:schemeClr val="dk1"/>
+            </a:fontRef>
+          </p:style>
+          <p:txBody>
+            <a:bodyPr rtlCol="0" anchor="ctr"/>
+            <a:lstStyle/>
+            <a:p>
+              <a:r>
+                <a:rPr lang="fr-FR" sz="4000" dirty="0" err="1">
+                  <a:solidFill>
+                    <a:schemeClr val="bg1"/>
+                  </a:solidFill>
+                  <a:latin typeface="Roboto" pitchFamily="2" charset="0"/>
+                  <a:ea typeface="Roboto" pitchFamily="2" charset="0"/>
+                </a:rPr>
+                <a:t>Yearn</a:t>
+              </a:r>
+              <a:r>
+                <a:rPr lang="fr-FR" sz="4000" dirty="0">
+                  <a:solidFill>
+                    <a:schemeClr val="bg1"/>
+                  </a:solidFill>
+                  <a:latin typeface="Roboto" pitchFamily="2" charset="0"/>
+                  <a:ea typeface="Roboto" pitchFamily="2" charset="0"/>
+                </a:rPr>
+                <a:t> for </a:t>
+              </a:r>
+              <a:r>
+                <a:rPr lang="fr-FR" sz="4000" dirty="0" err="1">
+                  <a:solidFill>
+                    <a:schemeClr val="bg1"/>
+                  </a:solidFill>
+                  <a:latin typeface="Roboto" pitchFamily="2" charset="0"/>
+                  <a:ea typeface="Roboto" pitchFamily="2" charset="0"/>
+                </a:rPr>
+                <a:t>paradise</a:t>
+              </a:r>
+              <a:endParaRPr lang="en-GB" sz="4000" dirty="0">
+                <a:solidFill>
+                  <a:schemeClr val="bg1"/>
+                </a:solidFill>
+                <a:latin typeface="Roboto" pitchFamily="2" charset="0"/>
+                <a:ea typeface="Roboto" pitchFamily="2" charset="0"/>
+              </a:endParaRPr>
+            </a:p>
+          </p:txBody>
+        </p:sp>
+      </p:grpSp>
+      <p:sp>
+        <p:nvSpPr>
+          <p:cNvPr id="25" name="Rectangle 24">
+            <a:extLst>
+              <a:ext uri="{FF2B5EF4-FFF2-40B4-BE49-F238E27FC236}">
+                <a16:creationId xmlns:a16="http://schemas.microsoft.com/office/drawing/2014/main" id="{0CC3701F-259A-4AB7-ABBA-973F2FF83D93}"/>
+              </a:ext>
+            </a:extLst>
+          </p:cNvPr>
+          <p:cNvSpPr/>
+          <p:nvPr/>
+        </p:nvSpPr>
+        <p:spPr>
+          <a:xfrm>
+            <a:off x="9002889" y="3244683"/>
+            <a:ext cx="3276287" cy="1018903"/>
+          </a:xfrm>
+          <a:prstGeom prst="rect">
+            <a:avLst/>
+          </a:prstGeom>
+          <a:noFill/>
+          <a:ln>
+            <a:noFill/>
+          </a:ln>
+        </p:spPr>
+        <p:style>
+          <a:lnRef idx="0">
+            <a:scrgbClr r="0" g="0" b="0"/>
+          </a:lnRef>
+          <a:fillRef idx="0">
+            <a:scrgbClr r="0" g="0" b="0"/>
+          </a:fillRef>
+          <a:effectRef idx="0">
+            <a:scrgbClr r="0" g="0" b="0"/>
+          </a:effectRef>
+          <a:fontRef idx="minor">
+            <a:schemeClr val="dk1"/>
+          </a:fontRef>
+        </p:style>
+        <p:txBody>
+          <a:bodyPr rtlCol="0" anchor="ctr"/>
+          <a:lstStyle/>
+          <a:p>
+            <a:pPr algn="ctr"/>
+            <a:r>
+              <a:rPr lang="fr-FR" sz="4800" b="1" dirty="0">
+                <a:solidFill>
+                  <a:schemeClr val="bg1"/>
+                </a:solidFill>
+                <a:latin typeface="Roboto" pitchFamily="2" charset="0"/>
+                <a:ea typeface="Roboto" pitchFamily="2" charset="0"/>
+              </a:rPr>
+              <a:t>Sage</a:t>
+            </a:r>
+            <a:endParaRPr lang="fr-FR" sz="4400" b="1" dirty="0">
+              <a:solidFill>
+                <a:schemeClr val="bg1"/>
+              </a:solidFill>
+              <a:latin typeface="Roboto" pitchFamily="2" charset="0"/>
+              <a:ea typeface="Roboto" pitchFamily="2" charset="0"/>
+            </a:endParaRPr>
+          </a:p>
+          <a:p>
+            <a:pPr algn="ctr"/>
+            <a:r>
+              <a:rPr lang="fr-FR" sz="2800" i="1" dirty="0" err="1">
+                <a:solidFill>
+                  <a:schemeClr val="bg1"/>
+                </a:solidFill>
+                <a:latin typeface="Roboto" pitchFamily="2" charset="0"/>
+                <a:ea typeface="Roboto" pitchFamily="2" charset="0"/>
+              </a:rPr>
+              <a:t>understanding</a:t>
+            </a:r>
+            <a:endParaRPr lang="en-GB" sz="2800" i="1" dirty="0">
+              <a:solidFill>
+                <a:schemeClr val="bg1"/>
+              </a:solidFill>
+              <a:latin typeface="Roboto" pitchFamily="2" charset="0"/>
+              <a:ea typeface="Roboto" pitchFamily="2" charset="0"/>
+            </a:endParaRPr>
+          </a:p>
+        </p:txBody>
+      </p:sp>
+      <p:sp>
+        <p:nvSpPr>
+          <p:cNvPr id="26" name="Rectangle 25">
+            <a:extLst>
+              <a:ext uri="{FF2B5EF4-FFF2-40B4-BE49-F238E27FC236}">
+                <a16:creationId xmlns:a16="http://schemas.microsoft.com/office/drawing/2014/main" id="{ACFABC20-3BAD-4CEB-B55E-23EADA33405E}"/>
+              </a:ext>
+            </a:extLst>
+          </p:cNvPr>
+          <p:cNvSpPr/>
+          <p:nvPr/>
+        </p:nvSpPr>
+        <p:spPr>
+          <a:xfrm>
+            <a:off x="10115884" y="5437283"/>
+            <a:ext cx="3276287" cy="1018903"/>
+          </a:xfrm>
+          <a:prstGeom prst="rect">
+            <a:avLst/>
+          </a:prstGeom>
+          <a:noFill/>
+          <a:ln>
+            <a:noFill/>
+          </a:ln>
+        </p:spPr>
+        <p:style>
+          <a:lnRef idx="0">
+            <a:scrgbClr r="0" g="0" b="0"/>
+          </a:lnRef>
+          <a:fillRef idx="0">
+            <a:scrgbClr r="0" g="0" b="0"/>
+          </a:fillRef>
+          <a:effectRef idx="0">
+            <a:scrgbClr r="0" g="0" b="0"/>
+          </a:effectRef>
+          <a:fontRef idx="minor">
+            <a:schemeClr val="dk1"/>
+          </a:fontRef>
+        </p:style>
+        <p:txBody>
+          <a:bodyPr rtlCol="0" anchor="ctr"/>
+          <a:lstStyle/>
+          <a:p>
+            <a:pPr algn="ctr"/>
+            <a:r>
+              <a:rPr lang="fr-FR" sz="4800" b="1" dirty="0">
+                <a:solidFill>
+                  <a:schemeClr val="bg1"/>
+                </a:solidFill>
+                <a:latin typeface="Roboto" pitchFamily="2" charset="0"/>
+                <a:ea typeface="Roboto" pitchFamily="2" charset="0"/>
+              </a:rPr>
+              <a:t>Explorer</a:t>
+            </a:r>
+            <a:endParaRPr lang="fr-FR" sz="4400" b="1" dirty="0">
+              <a:solidFill>
+                <a:schemeClr val="bg1"/>
+              </a:solidFill>
+              <a:latin typeface="Roboto" pitchFamily="2" charset="0"/>
+              <a:ea typeface="Roboto" pitchFamily="2" charset="0"/>
+            </a:endParaRPr>
+          </a:p>
+          <a:p>
+            <a:pPr algn="ctr"/>
+            <a:r>
+              <a:rPr lang="fr-FR" sz="2800" i="1" dirty="0" err="1">
+                <a:solidFill>
+                  <a:schemeClr val="bg1"/>
+                </a:solidFill>
+                <a:latin typeface="Roboto" pitchFamily="2" charset="0"/>
+                <a:ea typeface="Roboto" pitchFamily="2" charset="0"/>
+              </a:rPr>
+              <a:t>freedom</a:t>
+            </a:r>
+            <a:endParaRPr lang="en-GB" sz="2800" i="1" dirty="0">
+              <a:solidFill>
+                <a:schemeClr val="bg1"/>
+              </a:solidFill>
+              <a:latin typeface="Roboto" pitchFamily="2" charset="0"/>
+              <a:ea typeface="Roboto" pitchFamily="2" charset="0"/>
+            </a:endParaRPr>
+          </a:p>
+        </p:txBody>
+      </p:sp>
+      <p:sp>
+        <p:nvSpPr>
+          <p:cNvPr id="27" name="Rectangle 26">
+            <a:extLst>
+              <a:ext uri="{FF2B5EF4-FFF2-40B4-BE49-F238E27FC236}">
+                <a16:creationId xmlns:a16="http://schemas.microsoft.com/office/drawing/2014/main" id="{96FFF356-334D-4F90-B47C-6043ABF8383D}"/>
+              </a:ext>
+            </a:extLst>
+          </p:cNvPr>
+          <p:cNvSpPr/>
+          <p:nvPr/>
+        </p:nvSpPr>
+        <p:spPr>
+          <a:xfrm>
+            <a:off x="10114243" y="7771332"/>
+            <a:ext cx="3276287" cy="1018903"/>
+          </a:xfrm>
+          <a:prstGeom prst="rect">
+            <a:avLst/>
+          </a:prstGeom>
+          <a:noFill/>
+          <a:ln>
+            <a:noFill/>
+          </a:ln>
+        </p:spPr>
+        <p:style>
+          <a:lnRef idx="0">
+            <a:scrgbClr r="0" g="0" b="0"/>
+          </a:lnRef>
+          <a:fillRef idx="0">
+            <a:scrgbClr r="0" g="0" b="0"/>
+          </a:fillRef>
+          <a:effectRef idx="0">
+            <a:scrgbClr r="0" g="0" b="0"/>
+          </a:effectRef>
+          <a:fontRef idx="minor">
+            <a:schemeClr val="dk1"/>
+          </a:fontRef>
+        </p:style>
+        <p:txBody>
+          <a:bodyPr rtlCol="0" anchor="ctr"/>
+          <a:lstStyle/>
+          <a:p>
+            <a:pPr algn="ctr"/>
+            <a:r>
+              <a:rPr lang="fr-FR" sz="4800" b="1" dirty="0">
+                <a:solidFill>
+                  <a:schemeClr val="bg1"/>
+                </a:solidFill>
+                <a:latin typeface="Roboto" pitchFamily="2" charset="0"/>
+                <a:ea typeface="Roboto" pitchFamily="2" charset="0"/>
+              </a:rPr>
+              <a:t>Rebel</a:t>
+            </a:r>
+            <a:endParaRPr lang="fr-FR" sz="4400" b="1" dirty="0">
+              <a:solidFill>
+                <a:schemeClr val="bg1"/>
+              </a:solidFill>
+              <a:latin typeface="Roboto" pitchFamily="2" charset="0"/>
+              <a:ea typeface="Roboto" pitchFamily="2" charset="0"/>
+            </a:endParaRPr>
+          </a:p>
+          <a:p>
+            <a:pPr algn="ctr"/>
+            <a:r>
+              <a:rPr lang="fr-FR" sz="2800" i="1" dirty="0" err="1">
+                <a:solidFill>
+                  <a:schemeClr val="bg1"/>
+                </a:solidFill>
+                <a:latin typeface="Roboto" pitchFamily="2" charset="0"/>
+                <a:ea typeface="Roboto" pitchFamily="2" charset="0"/>
+              </a:rPr>
+              <a:t>liberation</a:t>
+            </a:r>
+            <a:endParaRPr lang="en-GB" sz="2800" i="1" dirty="0">
+              <a:solidFill>
+                <a:schemeClr val="bg1"/>
+              </a:solidFill>
+              <a:latin typeface="Roboto" pitchFamily="2" charset="0"/>
+              <a:ea typeface="Roboto" pitchFamily="2" charset="0"/>
+            </a:endParaRPr>
+          </a:p>
+        </p:txBody>
+      </p:sp>
+      <p:sp>
+        <p:nvSpPr>
+          <p:cNvPr id="28" name="Rectangle 27">
+            <a:extLst>
+              <a:ext uri="{FF2B5EF4-FFF2-40B4-BE49-F238E27FC236}">
+                <a16:creationId xmlns:a16="http://schemas.microsoft.com/office/drawing/2014/main" id="{7CD3FE68-5973-4819-A3E0-F72445807F8C}"/>
+              </a:ext>
+            </a:extLst>
+          </p:cNvPr>
+          <p:cNvSpPr/>
+          <p:nvPr/>
+        </p:nvSpPr>
+        <p:spPr>
+          <a:xfrm>
+            <a:off x="9002888" y="9794065"/>
+            <a:ext cx="3276287" cy="1018903"/>
+          </a:xfrm>
+          <a:prstGeom prst="rect">
+            <a:avLst/>
+          </a:prstGeom>
+          <a:noFill/>
+          <a:ln>
+            <a:noFill/>
+          </a:ln>
+        </p:spPr>
+        <p:style>
+          <a:lnRef idx="0">
+            <a:scrgbClr r="0" g="0" b="0"/>
+          </a:lnRef>
+          <a:fillRef idx="0">
+            <a:scrgbClr r="0" g="0" b="0"/>
+          </a:fillRef>
+          <a:effectRef idx="0">
+            <a:scrgbClr r="0" g="0" b="0"/>
+          </a:effectRef>
+          <a:fontRef idx="minor">
+            <a:schemeClr val="dk1"/>
+          </a:fontRef>
+        </p:style>
+        <p:txBody>
+          <a:bodyPr rtlCol="0" anchor="ctr"/>
+          <a:lstStyle/>
+          <a:p>
+            <a:pPr algn="ctr"/>
+            <a:r>
+              <a:rPr lang="fr-FR" sz="4800" b="1" dirty="0" err="1">
+                <a:solidFill>
+                  <a:schemeClr val="bg1"/>
+                </a:solidFill>
+                <a:latin typeface="Roboto" pitchFamily="2" charset="0"/>
+                <a:ea typeface="Roboto" pitchFamily="2" charset="0"/>
+              </a:rPr>
+              <a:t>Magician</a:t>
+            </a:r>
+            <a:endParaRPr lang="fr-FR" sz="4400" b="1" dirty="0">
+              <a:solidFill>
+                <a:schemeClr val="bg1"/>
+              </a:solidFill>
+              <a:latin typeface="Roboto" pitchFamily="2" charset="0"/>
+              <a:ea typeface="Roboto" pitchFamily="2" charset="0"/>
+            </a:endParaRPr>
+          </a:p>
+          <a:p>
+            <a:pPr algn="ctr"/>
+            <a:r>
+              <a:rPr lang="fr-FR" sz="2800" i="1" dirty="0">
+                <a:solidFill>
+                  <a:schemeClr val="bg1"/>
+                </a:solidFill>
+                <a:latin typeface="Roboto" pitchFamily="2" charset="0"/>
+                <a:ea typeface="Roboto" pitchFamily="2" charset="0"/>
+              </a:rPr>
+              <a:t>power</a:t>
+            </a:r>
+            <a:endParaRPr lang="en-GB" sz="2800" i="1" dirty="0">
+              <a:solidFill>
+                <a:schemeClr val="bg1"/>
+              </a:solidFill>
+              <a:latin typeface="Roboto" pitchFamily="2" charset="0"/>
+              <a:ea typeface="Roboto" pitchFamily="2" charset="0"/>
+            </a:endParaRPr>
+          </a:p>
+        </p:txBody>
+      </p:sp>
+      <p:sp>
+        <p:nvSpPr>
+          <p:cNvPr id="29" name="Rectangle 28">
+            <a:extLst>
+              <a:ext uri="{FF2B5EF4-FFF2-40B4-BE49-F238E27FC236}">
+                <a16:creationId xmlns:a16="http://schemas.microsoft.com/office/drawing/2014/main" id="{743F6C95-DE9A-4A9E-9997-9E7747C902C1}"/>
+              </a:ext>
+            </a:extLst>
+          </p:cNvPr>
+          <p:cNvSpPr/>
+          <p:nvPr/>
+        </p:nvSpPr>
+        <p:spPr>
+          <a:xfrm>
+            <a:off x="6903271" y="11191108"/>
+            <a:ext cx="3276287" cy="1018903"/>
+          </a:xfrm>
+          <a:prstGeom prst="rect">
+            <a:avLst/>
+          </a:prstGeom>
+          <a:noFill/>
+          <a:ln>
+            <a:noFill/>
+          </a:ln>
+        </p:spPr>
+        <p:style>
+          <a:lnRef idx="0">
+            <a:scrgbClr r="0" g="0" b="0"/>
+          </a:lnRef>
+          <a:fillRef idx="0">
+            <a:scrgbClr r="0" g="0" b="0"/>
+          </a:fillRef>
+          <a:effectRef idx="0">
+            <a:scrgbClr r="0" g="0" b="0"/>
+          </a:effectRef>
+          <a:fontRef idx="minor">
+            <a:schemeClr val="dk1"/>
+          </a:fontRef>
+        </p:style>
+        <p:txBody>
+          <a:bodyPr rtlCol="0" anchor="ctr"/>
+          <a:lstStyle/>
+          <a:p>
+            <a:pPr algn="ctr"/>
+            <a:r>
+              <a:rPr lang="fr-FR" sz="4800" b="1" dirty="0">
+                <a:solidFill>
+                  <a:schemeClr val="bg1"/>
+                </a:solidFill>
+                <a:latin typeface="Roboto" pitchFamily="2" charset="0"/>
+                <a:ea typeface="Roboto" pitchFamily="2" charset="0"/>
+              </a:rPr>
+              <a:t>Hero</a:t>
+            </a:r>
+            <a:endParaRPr lang="fr-FR" sz="4400" b="1" dirty="0">
+              <a:solidFill>
+                <a:schemeClr val="bg1"/>
+              </a:solidFill>
+              <a:latin typeface="Roboto" pitchFamily="2" charset="0"/>
+              <a:ea typeface="Roboto" pitchFamily="2" charset="0"/>
+            </a:endParaRPr>
+          </a:p>
+          <a:p>
+            <a:pPr algn="ctr"/>
+            <a:r>
+              <a:rPr lang="fr-FR" sz="2800" i="1" dirty="0" err="1">
+                <a:solidFill>
+                  <a:schemeClr val="bg1"/>
+                </a:solidFill>
+                <a:latin typeface="Roboto" pitchFamily="2" charset="0"/>
+                <a:ea typeface="Roboto" pitchFamily="2" charset="0"/>
+              </a:rPr>
+              <a:t>mastery</a:t>
+            </a:r>
+            <a:endParaRPr lang="en-GB" sz="2800" i="1" dirty="0">
+              <a:solidFill>
+                <a:schemeClr val="bg1"/>
+              </a:solidFill>
+              <a:latin typeface="Roboto" pitchFamily="2" charset="0"/>
+              <a:ea typeface="Roboto" pitchFamily="2" charset="0"/>
+            </a:endParaRPr>
+          </a:p>
+        </p:txBody>
+      </p:sp>
+      <p:sp>
+        <p:nvSpPr>
+          <p:cNvPr id="30" name="Rectangle 29">
+            <a:extLst>
+              <a:ext uri="{FF2B5EF4-FFF2-40B4-BE49-F238E27FC236}">
+                <a16:creationId xmlns:a16="http://schemas.microsoft.com/office/drawing/2014/main" id="{695FE87F-D178-4F15-99D0-021070DF8261}"/>
+              </a:ext>
+            </a:extLst>
+          </p:cNvPr>
+          <p:cNvSpPr/>
+          <p:nvPr/>
+        </p:nvSpPr>
+        <p:spPr>
+          <a:xfrm>
+            <a:off x="4221031" y="11191107"/>
+            <a:ext cx="3276287" cy="1018903"/>
+          </a:xfrm>
+          <a:prstGeom prst="rect">
+            <a:avLst/>
+          </a:prstGeom>
+          <a:noFill/>
+          <a:ln>
+            <a:noFill/>
+          </a:ln>
+        </p:spPr>
+        <p:style>
+          <a:lnRef idx="0">
+            <a:scrgbClr r="0" g="0" b="0"/>
+          </a:lnRef>
+          <a:fillRef idx="0">
+            <a:scrgbClr r="0" g="0" b="0"/>
+          </a:fillRef>
+          <a:effectRef idx="0">
+            <a:scrgbClr r="0" g="0" b="0"/>
+          </a:effectRef>
+          <a:fontRef idx="minor">
+            <a:schemeClr val="dk1"/>
+          </a:fontRef>
+        </p:style>
+        <p:txBody>
+          <a:bodyPr rtlCol="0" anchor="ctr"/>
+          <a:lstStyle/>
+          <a:p>
+            <a:pPr algn="ctr"/>
+            <a:r>
+              <a:rPr lang="fr-FR" sz="4800" b="1" dirty="0" err="1">
+                <a:solidFill>
+                  <a:schemeClr val="bg1"/>
+                </a:solidFill>
+                <a:latin typeface="Roboto" pitchFamily="2" charset="0"/>
+                <a:ea typeface="Roboto" pitchFamily="2" charset="0"/>
+              </a:rPr>
+              <a:t>Orphan</a:t>
+            </a:r>
+            <a:endParaRPr lang="fr-FR" sz="4400" b="1" dirty="0">
+              <a:solidFill>
+                <a:schemeClr val="bg1"/>
+              </a:solidFill>
+              <a:latin typeface="Roboto" pitchFamily="2" charset="0"/>
+              <a:ea typeface="Roboto" pitchFamily="2" charset="0"/>
+            </a:endParaRPr>
+          </a:p>
+          <a:p>
+            <a:pPr algn="ctr"/>
+            <a:r>
+              <a:rPr lang="fr-FR" sz="2800" i="1" dirty="0" err="1">
+                <a:solidFill>
+                  <a:schemeClr val="bg1"/>
+                </a:solidFill>
+                <a:latin typeface="Roboto" pitchFamily="2" charset="0"/>
+                <a:ea typeface="Roboto" pitchFamily="2" charset="0"/>
+              </a:rPr>
+              <a:t>belonging</a:t>
+            </a:r>
+            <a:endParaRPr lang="en-GB" sz="2800" i="1" dirty="0">
+              <a:solidFill>
+                <a:schemeClr val="bg1"/>
+              </a:solidFill>
+              <a:latin typeface="Roboto" pitchFamily="2" charset="0"/>
+              <a:ea typeface="Roboto" pitchFamily="2" charset="0"/>
+            </a:endParaRPr>
+          </a:p>
+        </p:txBody>
+      </p:sp>
+      <p:sp>
+        <p:nvSpPr>
+          <p:cNvPr id="31" name="Rectangle 30">
+            <a:extLst>
+              <a:ext uri="{FF2B5EF4-FFF2-40B4-BE49-F238E27FC236}">
+                <a16:creationId xmlns:a16="http://schemas.microsoft.com/office/drawing/2014/main" id="{6697E53D-7B99-4281-8815-7837FD9D3939}"/>
+              </a:ext>
+            </a:extLst>
+          </p:cNvPr>
+          <p:cNvSpPr/>
+          <p:nvPr/>
+        </p:nvSpPr>
+        <p:spPr>
+          <a:xfrm>
+            <a:off x="6903271" y="1728116"/>
+            <a:ext cx="3276287" cy="1018903"/>
+          </a:xfrm>
+          <a:prstGeom prst="rect">
+            <a:avLst/>
+          </a:prstGeom>
+          <a:noFill/>
+          <a:ln>
+            <a:noFill/>
+          </a:ln>
+        </p:spPr>
+        <p:style>
+          <a:lnRef idx="0">
+            <a:scrgbClr r="0" g="0" b="0"/>
+          </a:lnRef>
+          <a:fillRef idx="0">
+            <a:scrgbClr r="0" g="0" b="0"/>
+          </a:fillRef>
+          <a:effectRef idx="0">
+            <a:scrgbClr r="0" g="0" b="0"/>
+          </a:effectRef>
+          <a:fontRef idx="minor">
+            <a:schemeClr val="dk1"/>
+          </a:fontRef>
+        </p:style>
+        <p:txBody>
+          <a:bodyPr rtlCol="0" anchor="ctr"/>
+          <a:lstStyle/>
+          <a:p>
+            <a:pPr algn="ctr"/>
+            <a:r>
+              <a:rPr lang="fr-FR" sz="4800" b="1" dirty="0">
+                <a:solidFill>
+                  <a:schemeClr val="bg1"/>
+                </a:solidFill>
+                <a:latin typeface="Roboto" pitchFamily="2" charset="0"/>
+                <a:ea typeface="Roboto" pitchFamily="2" charset="0"/>
+              </a:rPr>
+              <a:t>Innocent</a:t>
+            </a:r>
+            <a:endParaRPr lang="fr-FR" sz="4400" b="1" dirty="0">
+              <a:solidFill>
+                <a:schemeClr val="bg1"/>
+              </a:solidFill>
+              <a:latin typeface="Roboto" pitchFamily="2" charset="0"/>
+              <a:ea typeface="Roboto" pitchFamily="2" charset="0"/>
+            </a:endParaRPr>
+          </a:p>
+          <a:p>
+            <a:pPr algn="ctr"/>
+            <a:r>
+              <a:rPr lang="fr-FR" sz="2800" i="1" dirty="0" err="1">
+                <a:solidFill>
+                  <a:schemeClr val="bg1"/>
+                </a:solidFill>
+                <a:latin typeface="Roboto" pitchFamily="2" charset="0"/>
+                <a:ea typeface="Roboto" pitchFamily="2" charset="0"/>
+              </a:rPr>
+              <a:t>safety</a:t>
+            </a:r>
+            <a:endParaRPr lang="en-GB" sz="2800" i="1" dirty="0">
+              <a:solidFill>
+                <a:schemeClr val="bg1"/>
+              </a:solidFill>
+              <a:latin typeface="Roboto" pitchFamily="2" charset="0"/>
+              <a:ea typeface="Roboto" pitchFamily="2" charset="0"/>
+            </a:endParaRPr>
+          </a:p>
+        </p:txBody>
+      </p:sp>
+      <p:sp>
+        <p:nvSpPr>
+          <p:cNvPr id="32" name="Rectangle 31">
+            <a:extLst>
+              <a:ext uri="{FF2B5EF4-FFF2-40B4-BE49-F238E27FC236}">
+                <a16:creationId xmlns:a16="http://schemas.microsoft.com/office/drawing/2014/main" id="{35313BDF-1D0D-4B06-B3D9-2F1279EC57C7}"/>
+              </a:ext>
+            </a:extLst>
+          </p:cNvPr>
+          <p:cNvSpPr/>
+          <p:nvPr/>
+        </p:nvSpPr>
+        <p:spPr>
+          <a:xfrm>
+            <a:off x="4221031" y="1728115"/>
+            <a:ext cx="3276287" cy="1018903"/>
+          </a:xfrm>
+          <a:prstGeom prst="rect">
+            <a:avLst/>
+          </a:prstGeom>
+          <a:noFill/>
+          <a:ln>
+            <a:noFill/>
+          </a:ln>
+        </p:spPr>
+        <p:style>
+          <a:lnRef idx="0">
+            <a:scrgbClr r="0" g="0" b="0"/>
+          </a:lnRef>
+          <a:fillRef idx="0">
+            <a:scrgbClr r="0" g="0" b="0"/>
+          </a:fillRef>
+          <a:effectRef idx="0">
+            <a:scrgbClr r="0" g="0" b="0"/>
+          </a:effectRef>
+          <a:fontRef idx="minor">
+            <a:schemeClr val="dk1"/>
+          </a:fontRef>
+        </p:style>
+        <p:txBody>
+          <a:bodyPr rtlCol="0" anchor="ctr"/>
+          <a:lstStyle/>
+          <a:p>
+            <a:pPr algn="ctr"/>
+            <a:r>
+              <a:rPr lang="fr-FR" sz="4800" b="1" dirty="0" err="1">
+                <a:solidFill>
+                  <a:schemeClr val="bg1"/>
+                </a:solidFill>
+                <a:latin typeface="Roboto" pitchFamily="2" charset="0"/>
+                <a:ea typeface="Roboto" pitchFamily="2" charset="0"/>
+              </a:rPr>
+              <a:t>Caregiver</a:t>
+            </a:r>
+            <a:endParaRPr lang="fr-FR" sz="4400" b="1" dirty="0">
+              <a:solidFill>
+                <a:schemeClr val="bg1"/>
+              </a:solidFill>
+              <a:latin typeface="Roboto" pitchFamily="2" charset="0"/>
+              <a:ea typeface="Roboto" pitchFamily="2" charset="0"/>
+            </a:endParaRPr>
+          </a:p>
+          <a:p>
+            <a:pPr algn="ctr"/>
+            <a:r>
+              <a:rPr lang="fr-FR" sz="2800" i="1" dirty="0">
+                <a:solidFill>
+                  <a:schemeClr val="bg1"/>
+                </a:solidFill>
+                <a:latin typeface="Roboto" pitchFamily="2" charset="0"/>
+                <a:ea typeface="Roboto" pitchFamily="2" charset="0"/>
+              </a:rPr>
+              <a:t>service</a:t>
+            </a:r>
+            <a:endParaRPr lang="en-GB" sz="2800" i="1" dirty="0">
+              <a:solidFill>
+                <a:schemeClr val="bg1"/>
+              </a:solidFill>
+              <a:latin typeface="Roboto" pitchFamily="2" charset="0"/>
+              <a:ea typeface="Roboto" pitchFamily="2" charset="0"/>
+            </a:endParaRPr>
+          </a:p>
+        </p:txBody>
+      </p:sp>
+      <p:sp>
+        <p:nvSpPr>
+          <p:cNvPr id="33" name="Rectangle 32">
+            <a:extLst>
+              <a:ext uri="{FF2B5EF4-FFF2-40B4-BE49-F238E27FC236}">
+                <a16:creationId xmlns:a16="http://schemas.microsoft.com/office/drawing/2014/main" id="{286CEE26-BC68-4E73-AE54-5350A9F4D484}"/>
+              </a:ext>
+            </a:extLst>
+          </p:cNvPr>
+          <p:cNvSpPr/>
+          <p:nvPr/>
+        </p:nvSpPr>
+        <p:spPr>
+          <a:xfrm flipH="1">
+            <a:off x="2059979" y="3244683"/>
+            <a:ext cx="3276287" cy="1018903"/>
+          </a:xfrm>
+          <a:prstGeom prst="rect">
+            <a:avLst/>
+          </a:prstGeom>
+          <a:noFill/>
+          <a:ln>
+            <a:noFill/>
+          </a:ln>
+        </p:spPr>
+        <p:style>
+          <a:lnRef idx="0">
+            <a:scrgbClr r="0" g="0" b="0"/>
+          </a:lnRef>
+          <a:fillRef idx="0">
+            <a:scrgbClr r="0" g="0" b="0"/>
+          </a:fillRef>
+          <a:effectRef idx="0">
+            <a:scrgbClr r="0" g="0" b="0"/>
+          </a:effectRef>
+          <a:fontRef idx="minor">
+            <a:schemeClr val="dk1"/>
+          </a:fontRef>
+        </p:style>
+        <p:txBody>
+          <a:bodyPr rtlCol="0" anchor="ctr"/>
+          <a:lstStyle/>
+          <a:p>
+            <a:pPr algn="ctr"/>
+            <a:r>
+              <a:rPr lang="fr-FR" sz="4800" b="1" dirty="0" err="1">
+                <a:solidFill>
+                  <a:schemeClr val="bg1"/>
+                </a:solidFill>
+                <a:latin typeface="Roboto" pitchFamily="2" charset="0"/>
+                <a:ea typeface="Roboto" pitchFamily="2" charset="0"/>
+              </a:rPr>
+              <a:t>Ruler</a:t>
+            </a:r>
+            <a:endParaRPr lang="fr-FR" sz="4400" b="1" dirty="0">
+              <a:solidFill>
+                <a:schemeClr val="bg1"/>
+              </a:solidFill>
+              <a:latin typeface="Roboto" pitchFamily="2" charset="0"/>
+              <a:ea typeface="Roboto" pitchFamily="2" charset="0"/>
+            </a:endParaRPr>
+          </a:p>
+          <a:p>
+            <a:pPr algn="ctr"/>
+            <a:r>
+              <a:rPr lang="fr-FR" sz="2800" i="1" dirty="0">
+                <a:solidFill>
+                  <a:schemeClr val="bg1"/>
+                </a:solidFill>
+                <a:latin typeface="Roboto" pitchFamily="2" charset="0"/>
+                <a:ea typeface="Roboto" pitchFamily="2" charset="0"/>
+              </a:rPr>
+              <a:t>control</a:t>
+            </a:r>
+            <a:endParaRPr lang="en-GB" sz="2800" i="1" dirty="0">
+              <a:solidFill>
+                <a:schemeClr val="bg1"/>
+              </a:solidFill>
+              <a:latin typeface="Roboto" pitchFamily="2" charset="0"/>
+              <a:ea typeface="Roboto" pitchFamily="2" charset="0"/>
+            </a:endParaRPr>
+          </a:p>
+        </p:txBody>
+      </p:sp>
+      <p:sp>
+        <p:nvSpPr>
+          <p:cNvPr id="34" name="Rectangle 33">
+            <a:extLst>
+              <a:ext uri="{FF2B5EF4-FFF2-40B4-BE49-F238E27FC236}">
+                <a16:creationId xmlns:a16="http://schemas.microsoft.com/office/drawing/2014/main" id="{0EA6D95B-7110-44FC-ADEA-9FCC993DADBB}"/>
+              </a:ext>
+            </a:extLst>
+          </p:cNvPr>
+          <p:cNvSpPr/>
+          <p:nvPr/>
+        </p:nvSpPr>
+        <p:spPr>
+          <a:xfrm flipH="1">
+            <a:off x="986173" y="5437283"/>
+            <a:ext cx="3276287" cy="1018903"/>
+          </a:xfrm>
+          <a:prstGeom prst="rect">
+            <a:avLst/>
+          </a:prstGeom>
+          <a:noFill/>
+          <a:ln>
+            <a:noFill/>
+          </a:ln>
+        </p:spPr>
+        <p:style>
+          <a:lnRef idx="0">
+            <a:scrgbClr r="0" g="0" b="0"/>
+          </a:lnRef>
+          <a:fillRef idx="0">
+            <a:scrgbClr r="0" g="0" b="0"/>
+          </a:fillRef>
+          <a:effectRef idx="0">
+            <a:scrgbClr r="0" g="0" b="0"/>
+          </a:effectRef>
+          <a:fontRef idx="minor">
+            <a:schemeClr val="dk1"/>
+          </a:fontRef>
+        </p:style>
+        <p:txBody>
+          <a:bodyPr rtlCol="0" anchor="ctr"/>
+          <a:lstStyle/>
+          <a:p>
+            <a:pPr algn="ctr"/>
+            <a:r>
+              <a:rPr lang="fr-FR" sz="4800" b="1" dirty="0">
+                <a:solidFill>
+                  <a:schemeClr val="bg1"/>
+                </a:solidFill>
+                <a:latin typeface="Roboto" pitchFamily="2" charset="0"/>
+                <a:ea typeface="Roboto" pitchFamily="2" charset="0"/>
+              </a:rPr>
+              <a:t>Creator</a:t>
+            </a:r>
+            <a:endParaRPr lang="fr-FR" sz="4400" b="1" dirty="0">
+              <a:solidFill>
+                <a:schemeClr val="bg1"/>
+              </a:solidFill>
+              <a:latin typeface="Roboto" pitchFamily="2" charset="0"/>
+              <a:ea typeface="Roboto" pitchFamily="2" charset="0"/>
+            </a:endParaRPr>
+          </a:p>
+          <a:p>
+            <a:pPr algn="ctr"/>
+            <a:r>
+              <a:rPr lang="fr-FR" sz="2800" i="1" dirty="0">
+                <a:solidFill>
+                  <a:schemeClr val="bg1"/>
+                </a:solidFill>
+                <a:latin typeface="Roboto" pitchFamily="2" charset="0"/>
+                <a:ea typeface="Roboto" pitchFamily="2" charset="0"/>
+              </a:rPr>
+              <a:t>innovation</a:t>
+            </a:r>
+            <a:endParaRPr lang="en-GB" sz="2800" i="1" dirty="0">
+              <a:solidFill>
+                <a:schemeClr val="bg1"/>
+              </a:solidFill>
+              <a:latin typeface="Roboto" pitchFamily="2" charset="0"/>
+              <a:ea typeface="Roboto" pitchFamily="2" charset="0"/>
+            </a:endParaRPr>
+          </a:p>
+        </p:txBody>
+      </p:sp>
+      <p:sp>
+        <p:nvSpPr>
+          <p:cNvPr id="35" name="Rectangle 34">
+            <a:extLst>
+              <a:ext uri="{FF2B5EF4-FFF2-40B4-BE49-F238E27FC236}">
+                <a16:creationId xmlns:a16="http://schemas.microsoft.com/office/drawing/2014/main" id="{D9B8DDD7-124A-4E2C-B00B-31F23B07CBBE}"/>
+              </a:ext>
+            </a:extLst>
+          </p:cNvPr>
+          <p:cNvSpPr/>
+          <p:nvPr/>
+        </p:nvSpPr>
+        <p:spPr>
+          <a:xfrm flipH="1">
+            <a:off x="987814" y="7771332"/>
+            <a:ext cx="3276287" cy="1018903"/>
+          </a:xfrm>
+          <a:prstGeom prst="rect">
+            <a:avLst/>
+          </a:prstGeom>
+          <a:noFill/>
+          <a:ln>
+            <a:noFill/>
+          </a:ln>
+        </p:spPr>
+        <p:style>
+          <a:lnRef idx="0">
+            <a:scrgbClr r="0" g="0" b="0"/>
+          </a:lnRef>
+          <a:fillRef idx="0">
+            <a:scrgbClr r="0" g="0" b="0"/>
+          </a:fillRef>
+          <a:effectRef idx="0">
+            <a:scrgbClr r="0" g="0" b="0"/>
+          </a:effectRef>
+          <a:fontRef idx="minor">
+            <a:schemeClr val="dk1"/>
+          </a:fontRef>
+        </p:style>
+        <p:txBody>
+          <a:bodyPr rtlCol="0" anchor="ctr"/>
+          <a:lstStyle/>
+          <a:p>
+            <a:pPr algn="ctr"/>
+            <a:r>
+              <a:rPr lang="fr-FR" sz="4800" b="1" dirty="0">
+                <a:solidFill>
+                  <a:schemeClr val="bg1"/>
+                </a:solidFill>
+                <a:latin typeface="Roboto" pitchFamily="2" charset="0"/>
+                <a:ea typeface="Roboto" pitchFamily="2" charset="0"/>
+              </a:rPr>
+              <a:t>Lover</a:t>
+            </a:r>
+            <a:endParaRPr lang="fr-FR" sz="4400" b="1" dirty="0">
+              <a:solidFill>
+                <a:schemeClr val="bg1"/>
+              </a:solidFill>
+              <a:latin typeface="Roboto" pitchFamily="2" charset="0"/>
+              <a:ea typeface="Roboto" pitchFamily="2" charset="0"/>
+            </a:endParaRPr>
+          </a:p>
+          <a:p>
+            <a:pPr algn="ctr"/>
+            <a:r>
+              <a:rPr lang="fr-FR" sz="2800" i="1" dirty="0" err="1">
+                <a:solidFill>
+                  <a:schemeClr val="bg1"/>
+                </a:solidFill>
+                <a:latin typeface="Roboto" pitchFamily="2" charset="0"/>
+                <a:ea typeface="Roboto" pitchFamily="2" charset="0"/>
+              </a:rPr>
+              <a:t>intimacy</a:t>
+            </a:r>
+            <a:endParaRPr lang="en-GB" sz="2800" i="1" dirty="0">
+              <a:solidFill>
+                <a:schemeClr val="bg1"/>
+              </a:solidFill>
+              <a:latin typeface="Roboto" pitchFamily="2" charset="0"/>
+              <a:ea typeface="Roboto" pitchFamily="2" charset="0"/>
+            </a:endParaRPr>
+          </a:p>
+        </p:txBody>
+      </p:sp>
+      <p:sp>
+        <p:nvSpPr>
+          <p:cNvPr id="36" name="Rectangle 35">
+            <a:extLst>
+              <a:ext uri="{FF2B5EF4-FFF2-40B4-BE49-F238E27FC236}">
+                <a16:creationId xmlns:a16="http://schemas.microsoft.com/office/drawing/2014/main" id="{E7F847A2-39D1-4904-A7F1-48D634DE3F5C}"/>
+              </a:ext>
+            </a:extLst>
+          </p:cNvPr>
+          <p:cNvSpPr/>
+          <p:nvPr/>
+        </p:nvSpPr>
+        <p:spPr>
+          <a:xfrm flipH="1">
+            <a:off x="2059980" y="9794065"/>
+            <a:ext cx="3276287" cy="1018903"/>
+          </a:xfrm>
+          <a:prstGeom prst="rect">
+            <a:avLst/>
+          </a:prstGeom>
+          <a:noFill/>
+          <a:ln>
+            <a:noFill/>
+          </a:ln>
+        </p:spPr>
+        <p:style>
+          <a:lnRef idx="0">
+            <a:scrgbClr r="0" g="0" b="0"/>
+          </a:lnRef>
+          <a:fillRef idx="0">
+            <a:scrgbClr r="0" g="0" b="0"/>
+          </a:fillRef>
+          <a:effectRef idx="0">
+            <a:scrgbClr r="0" g="0" b="0"/>
+          </a:effectRef>
+          <a:fontRef idx="minor">
+            <a:schemeClr val="dk1"/>
+          </a:fontRef>
+        </p:style>
+        <p:txBody>
+          <a:bodyPr rtlCol="0" anchor="ctr"/>
+          <a:lstStyle/>
+          <a:p>
+            <a:pPr algn="ctr"/>
+            <a:r>
+              <a:rPr lang="fr-FR" sz="4800" b="1" dirty="0" err="1">
+                <a:solidFill>
+                  <a:schemeClr val="bg1"/>
+                </a:solidFill>
+                <a:latin typeface="Roboto" pitchFamily="2" charset="0"/>
+                <a:ea typeface="Roboto" pitchFamily="2" charset="0"/>
+              </a:rPr>
+              <a:t>Jester</a:t>
+            </a:r>
+            <a:endParaRPr lang="fr-FR" sz="4400" b="1" dirty="0">
+              <a:solidFill>
+                <a:schemeClr val="bg1"/>
+              </a:solidFill>
+              <a:latin typeface="Roboto" pitchFamily="2" charset="0"/>
+              <a:ea typeface="Roboto" pitchFamily="2" charset="0"/>
+            </a:endParaRPr>
+          </a:p>
+          <a:p>
+            <a:pPr algn="ctr"/>
+            <a:r>
+              <a:rPr lang="fr-FR" sz="2800" i="1" dirty="0" err="1">
+                <a:solidFill>
+                  <a:schemeClr val="bg1"/>
+                </a:solidFill>
+                <a:latin typeface="Roboto" pitchFamily="2" charset="0"/>
+                <a:ea typeface="Roboto" pitchFamily="2" charset="0"/>
+              </a:rPr>
+              <a:t>enjoyment</a:t>
+            </a:r>
+            <a:endParaRPr lang="en-GB" sz="2800" i="1" dirty="0">
+              <a:solidFill>
+                <a:schemeClr val="bg1"/>
+              </a:solidFill>
+              <a:latin typeface="Roboto" pitchFamily="2" charset="0"/>
+              <a:ea typeface="Roboto" pitchFamily="2" charset="0"/>
+            </a:endParaRPr>
+          </a:p>
+        </p:txBody>
+      </p:sp>
+    </p:spTree>
+    <p:extLst>
+      <p:ext uri="{BB962C8B-B14F-4D97-AF65-F5344CB8AC3E}">
+        <p14:creationId xmlns:p14="http://schemas.microsoft.com/office/powerpoint/2010/main" val="2397404901"/>
+      </p:ext>
+    </p:extLst>
+  </p:cSld>
+  <p:clrMapOvr>
+    <a:masterClrMapping/>
+  </p:clrMapOvr>
+</p:sld>
+</file>
+
 <file path=ppt/theme/theme1.xml><?xml version="1.0" encoding="utf-8"?>
 <a:theme xmlns:a="http://schemas.openxmlformats.org/drawingml/2006/main" name="Office Theme">
   <a:themeElements>

--- a/img/figures.pptx
+++ b/img/figures.pptx
@@ -7,7 +7,9 @@
   <p:sldIdLst>
     <p:sldId id="256" r:id="rId2"/>
     <p:sldId id="257" r:id="rId3"/>
-    <p:sldId id="258" r:id="rId4"/>
+    <p:sldId id="260" r:id="rId4"/>
+    <p:sldId id="258" r:id="rId5"/>
+    <p:sldId id="259" r:id="rId6"/>
   </p:sldIdLst>
   <p:sldSz cx="14400213" cy="14400213"/>
   <p:notesSz cx="6858000" cy="9144000"/>
@@ -1819,6 +1821,4656 @@
 </cs:chartStyle>
 </file>
 
+<file path=ppt/diagrams/colors1.xml><?xml version="1.0" encoding="utf-8"?>
+<dgm:colorsDef xmlns:dgm="http://schemas.openxmlformats.org/drawingml/2006/diagram" xmlns:a="http://schemas.openxmlformats.org/drawingml/2006/main" uniqueId="urn:microsoft.com/office/officeart/2005/8/colors/accent0_3">
+  <dgm:title val=""/>
+  <dgm:desc val=""/>
+  <dgm:catLst>
+    <dgm:cat type="mainScheme" pri="10300"/>
+  </dgm:catLst>
+  <dgm:styleLbl name="node0">
+    <dgm:fillClrLst meth="repeat">
+      <a:schemeClr val="dk2"/>
+    </dgm:fillClrLst>
+    <dgm:linClrLst meth="repeat">
+      <a:schemeClr val="lt2"/>
+    </dgm:linClrLst>
+    <dgm:effectClrLst/>
+    <dgm:txLinClrLst/>
+    <dgm:txFillClrLst/>
+    <dgm:txEffectClrLst/>
+  </dgm:styleLbl>
+  <dgm:styleLbl name="alignNode1">
+    <dgm:fillClrLst meth="repeat">
+      <a:schemeClr val="dk2"/>
+    </dgm:fillClrLst>
+    <dgm:linClrLst meth="repeat">
+      <a:schemeClr val="dk2"/>
+    </dgm:linClrLst>
+    <dgm:effectClrLst/>
+    <dgm:txLinClrLst/>
+    <dgm:txFillClrLst/>
+    <dgm:txEffectClrLst/>
+  </dgm:styleLbl>
+  <dgm:styleLbl name="node1">
+    <dgm:fillClrLst meth="repeat">
+      <a:schemeClr val="dk2"/>
+    </dgm:fillClrLst>
+    <dgm:linClrLst meth="repeat">
+      <a:schemeClr val="lt2"/>
+    </dgm:linClrLst>
+    <dgm:effectClrLst/>
+    <dgm:txLinClrLst/>
+    <dgm:txFillClrLst/>
+    <dgm:txEffectClrLst/>
+  </dgm:styleLbl>
+  <dgm:styleLbl name="lnNode1">
+    <dgm:fillClrLst meth="repeat">
+      <a:schemeClr val="dk2"/>
+    </dgm:fillClrLst>
+    <dgm:linClrLst meth="repeat">
+      <a:schemeClr val="lt2"/>
+    </dgm:linClrLst>
+    <dgm:effectClrLst/>
+    <dgm:txLinClrLst/>
+    <dgm:txFillClrLst/>
+    <dgm:txEffectClrLst/>
+  </dgm:styleLbl>
+  <dgm:styleLbl name="vennNode1">
+    <dgm:fillClrLst meth="repeat">
+      <a:schemeClr val="dk2">
+        <a:alpha val="50000"/>
+      </a:schemeClr>
+    </dgm:fillClrLst>
+    <dgm:linClrLst meth="repeat">
+      <a:schemeClr val="lt2"/>
+    </dgm:linClrLst>
+    <dgm:effectClrLst/>
+    <dgm:txLinClrLst/>
+    <dgm:txFillClrLst/>
+    <dgm:txEffectClrLst/>
+  </dgm:styleLbl>
+  <dgm:styleLbl name="node2">
+    <dgm:fillClrLst meth="repeat">
+      <a:schemeClr val="dk2"/>
+    </dgm:fillClrLst>
+    <dgm:linClrLst meth="repeat">
+      <a:schemeClr val="lt2"/>
+    </dgm:linClrLst>
+    <dgm:effectClrLst/>
+    <dgm:txLinClrLst/>
+    <dgm:txFillClrLst/>
+    <dgm:txEffectClrLst/>
+  </dgm:styleLbl>
+  <dgm:styleLbl name="node3">
+    <dgm:fillClrLst meth="repeat">
+      <a:schemeClr val="dk2"/>
+    </dgm:fillClrLst>
+    <dgm:linClrLst meth="repeat">
+      <a:schemeClr val="lt2"/>
+    </dgm:linClrLst>
+    <dgm:effectClrLst/>
+    <dgm:txLinClrLst/>
+    <dgm:txFillClrLst/>
+    <dgm:txEffectClrLst/>
+  </dgm:styleLbl>
+  <dgm:styleLbl name="node4">
+    <dgm:fillClrLst meth="repeat">
+      <a:schemeClr val="dk2"/>
+    </dgm:fillClrLst>
+    <dgm:linClrLst meth="repeat">
+      <a:schemeClr val="lt2"/>
+    </dgm:linClrLst>
+    <dgm:effectClrLst/>
+    <dgm:txLinClrLst/>
+    <dgm:txFillClrLst/>
+    <dgm:txEffectClrLst/>
+  </dgm:styleLbl>
+  <dgm:styleLbl name="fgImgPlace1">
+    <dgm:fillClrLst meth="repeat">
+      <a:schemeClr val="dk2">
+        <a:tint val="50000"/>
+      </a:schemeClr>
+    </dgm:fillClrLst>
+    <dgm:linClrLst meth="repeat">
+      <a:schemeClr val="lt2"/>
+    </dgm:linClrLst>
+    <dgm:effectClrLst/>
+    <dgm:txLinClrLst/>
+    <dgm:txFillClrLst meth="repeat">
+      <a:schemeClr val="lt2"/>
+    </dgm:txFillClrLst>
+    <dgm:txEffectClrLst/>
+  </dgm:styleLbl>
+  <dgm:styleLbl name="alignImgPlace1">
+    <dgm:fillClrLst meth="repeat">
+      <a:schemeClr val="dk2">
+        <a:tint val="50000"/>
+      </a:schemeClr>
+    </dgm:fillClrLst>
+    <dgm:linClrLst meth="repeat">
+      <a:schemeClr val="dk2">
+        <a:shade val="80000"/>
+      </a:schemeClr>
+    </dgm:linClrLst>
+    <dgm:effectClrLst/>
+    <dgm:txLinClrLst/>
+    <dgm:txFillClrLst meth="repeat">
+      <a:schemeClr val="lt2"/>
+    </dgm:txFillClrLst>
+    <dgm:txEffectClrLst/>
+  </dgm:styleLbl>
+  <dgm:styleLbl name="bgImgPlace1">
+    <dgm:fillClrLst meth="repeat">
+      <a:schemeClr val="dk2">
+        <a:tint val="50000"/>
+      </a:schemeClr>
+    </dgm:fillClrLst>
+    <dgm:linClrLst meth="repeat">
+      <a:schemeClr val="dk2">
+        <a:shade val="80000"/>
+      </a:schemeClr>
+    </dgm:linClrLst>
+    <dgm:effectClrLst/>
+    <dgm:txLinClrLst/>
+    <dgm:txFillClrLst meth="repeat">
+      <a:schemeClr val="lt2"/>
+    </dgm:txFillClrLst>
+    <dgm:txEffectClrLst/>
+  </dgm:styleLbl>
+  <dgm:styleLbl name="sibTrans2D1">
+    <dgm:fillClrLst meth="repeat">
+      <a:schemeClr val="dk2">
+        <a:tint val="60000"/>
+      </a:schemeClr>
+    </dgm:fillClrLst>
+    <dgm:linClrLst meth="repeat">
+      <a:schemeClr val="dk2">
+        <a:tint val="60000"/>
+      </a:schemeClr>
+    </dgm:linClrLst>
+    <dgm:effectClrLst/>
+    <dgm:txLinClrLst/>
+    <dgm:txFillClrLst/>
+    <dgm:txEffectClrLst/>
+  </dgm:styleLbl>
+  <dgm:styleLbl name="fgSibTrans2D1">
+    <dgm:fillClrLst meth="repeat">
+      <a:schemeClr val="dk2">
+        <a:tint val="60000"/>
+      </a:schemeClr>
+    </dgm:fillClrLst>
+    <dgm:linClrLst meth="repeat">
+      <a:schemeClr val="dk2">
+        <a:tint val="60000"/>
+      </a:schemeClr>
+    </dgm:linClrLst>
+    <dgm:effectClrLst/>
+    <dgm:txLinClrLst/>
+    <dgm:txFillClrLst/>
+    <dgm:txEffectClrLst/>
+  </dgm:styleLbl>
+  <dgm:styleLbl name="bgSibTrans2D1">
+    <dgm:fillClrLst meth="repeat">
+      <a:schemeClr val="dk2">
+        <a:tint val="60000"/>
+      </a:schemeClr>
+    </dgm:fillClrLst>
+    <dgm:linClrLst meth="repeat">
+      <a:schemeClr val="dk2">
+        <a:tint val="60000"/>
+      </a:schemeClr>
+    </dgm:linClrLst>
+    <dgm:effectClrLst/>
+    <dgm:txLinClrLst/>
+    <dgm:txFillClrLst/>
+    <dgm:txEffectClrLst/>
+  </dgm:styleLbl>
+  <dgm:styleLbl name="sibTrans1D1">
+    <dgm:fillClrLst meth="repeat">
+      <a:schemeClr val="dk2"/>
+    </dgm:fillClrLst>
+    <dgm:linClrLst meth="repeat">
+      <a:schemeClr val="dk2"/>
+    </dgm:linClrLst>
+    <dgm:effectClrLst/>
+    <dgm:txLinClrLst/>
+    <dgm:txFillClrLst meth="repeat">
+      <a:schemeClr val="lt2"/>
+    </dgm:txFillClrLst>
+    <dgm:txEffectClrLst/>
+  </dgm:styleLbl>
+  <dgm:styleLbl name="callout">
+    <dgm:fillClrLst meth="repeat">
+      <a:schemeClr val="dk2"/>
+    </dgm:fillClrLst>
+    <dgm:linClrLst meth="repeat">
+      <a:schemeClr val="dk2">
+        <a:tint val="50000"/>
+      </a:schemeClr>
+    </dgm:linClrLst>
+    <dgm:effectClrLst/>
+    <dgm:txLinClrLst/>
+    <dgm:txFillClrLst meth="repeat">
+      <a:schemeClr val="lt2"/>
+    </dgm:txFillClrLst>
+    <dgm:txEffectClrLst/>
+  </dgm:styleLbl>
+  <dgm:styleLbl name="asst0">
+    <dgm:fillClrLst meth="repeat">
+      <a:schemeClr val="dk2"/>
+    </dgm:fillClrLst>
+    <dgm:linClrLst meth="repeat">
+      <a:schemeClr val="lt2"/>
+    </dgm:linClrLst>
+    <dgm:effectClrLst/>
+    <dgm:txLinClrLst/>
+    <dgm:txFillClrLst/>
+    <dgm:txEffectClrLst/>
+  </dgm:styleLbl>
+  <dgm:styleLbl name="asst1">
+    <dgm:fillClrLst meth="repeat">
+      <a:schemeClr val="dk2"/>
+    </dgm:fillClrLst>
+    <dgm:linClrLst meth="repeat">
+      <a:schemeClr val="lt2"/>
+    </dgm:linClrLst>
+    <dgm:effectClrLst/>
+    <dgm:txLinClrLst/>
+    <dgm:txFillClrLst/>
+    <dgm:txEffectClrLst/>
+  </dgm:styleLbl>
+  <dgm:styleLbl name="asst2">
+    <dgm:fillClrLst meth="repeat">
+      <a:schemeClr val="dk2"/>
+    </dgm:fillClrLst>
+    <dgm:linClrLst meth="repeat">
+      <a:schemeClr val="lt2"/>
+    </dgm:linClrLst>
+    <dgm:effectClrLst/>
+    <dgm:txLinClrLst/>
+    <dgm:txFillClrLst/>
+    <dgm:txEffectClrLst/>
+  </dgm:styleLbl>
+  <dgm:styleLbl name="asst3">
+    <dgm:fillClrLst meth="repeat">
+      <a:schemeClr val="dk2"/>
+    </dgm:fillClrLst>
+    <dgm:linClrLst meth="repeat">
+      <a:schemeClr val="lt2"/>
+    </dgm:linClrLst>
+    <dgm:effectClrLst/>
+    <dgm:txLinClrLst/>
+    <dgm:txFillClrLst/>
+    <dgm:txEffectClrLst/>
+  </dgm:styleLbl>
+  <dgm:styleLbl name="asst4">
+    <dgm:fillClrLst meth="repeat">
+      <a:schemeClr val="dk2"/>
+    </dgm:fillClrLst>
+    <dgm:linClrLst meth="repeat">
+      <a:schemeClr val="lt2"/>
+    </dgm:linClrLst>
+    <dgm:effectClrLst/>
+    <dgm:txLinClrLst/>
+    <dgm:txFillClrLst/>
+    <dgm:txEffectClrLst/>
+  </dgm:styleLbl>
+  <dgm:styleLbl name="parChTrans2D1">
+    <dgm:fillClrLst meth="repeat">
+      <a:schemeClr val="dk2">
+        <a:tint val="60000"/>
+      </a:schemeClr>
+    </dgm:fillClrLst>
+    <dgm:linClrLst meth="repeat">
+      <a:schemeClr val="dk2">
+        <a:tint val="60000"/>
+      </a:schemeClr>
+    </dgm:linClrLst>
+    <dgm:effectClrLst/>
+    <dgm:txLinClrLst/>
+    <dgm:txFillClrLst meth="repeat">
+      <a:schemeClr val="lt2"/>
+    </dgm:txFillClrLst>
+    <dgm:txEffectClrLst/>
+  </dgm:styleLbl>
+  <dgm:styleLbl name="parChTrans2D2">
+    <dgm:fillClrLst meth="repeat">
+      <a:schemeClr val="dk2"/>
+    </dgm:fillClrLst>
+    <dgm:linClrLst meth="repeat">
+      <a:schemeClr val="dk2"/>
+    </dgm:linClrLst>
+    <dgm:effectClrLst/>
+    <dgm:txLinClrLst/>
+    <dgm:txFillClrLst meth="repeat">
+      <a:schemeClr val="lt2"/>
+    </dgm:txFillClrLst>
+    <dgm:txEffectClrLst/>
+  </dgm:styleLbl>
+  <dgm:styleLbl name="parChTrans2D3">
+    <dgm:fillClrLst meth="repeat">
+      <a:schemeClr val="dk2"/>
+    </dgm:fillClrLst>
+    <dgm:linClrLst meth="repeat">
+      <a:schemeClr val="dk2"/>
+    </dgm:linClrLst>
+    <dgm:effectClrLst/>
+    <dgm:txLinClrLst/>
+    <dgm:txFillClrLst meth="repeat">
+      <a:schemeClr val="lt2"/>
+    </dgm:txFillClrLst>
+    <dgm:txEffectClrLst/>
+  </dgm:styleLbl>
+  <dgm:styleLbl name="parChTrans2D4">
+    <dgm:fillClrLst meth="repeat">
+      <a:schemeClr val="dk2"/>
+    </dgm:fillClrLst>
+    <dgm:linClrLst meth="repeat">
+      <a:schemeClr val="dk2"/>
+    </dgm:linClrLst>
+    <dgm:effectClrLst/>
+    <dgm:txLinClrLst/>
+    <dgm:txFillClrLst meth="repeat">
+      <a:schemeClr val="lt2"/>
+    </dgm:txFillClrLst>
+    <dgm:txEffectClrLst/>
+  </dgm:styleLbl>
+  <dgm:styleLbl name="parChTrans1D1">
+    <dgm:fillClrLst meth="repeat">
+      <a:schemeClr val="dk2"/>
+    </dgm:fillClrLst>
+    <dgm:linClrLst meth="repeat">
+      <a:schemeClr val="dk2">
+        <a:shade val="60000"/>
+      </a:schemeClr>
+    </dgm:linClrLst>
+    <dgm:effectClrLst/>
+    <dgm:txLinClrLst/>
+    <dgm:txFillClrLst meth="repeat">
+      <a:schemeClr val="tx1"/>
+    </dgm:txFillClrLst>
+    <dgm:txEffectClrLst/>
+  </dgm:styleLbl>
+  <dgm:styleLbl name="parChTrans1D2">
+    <dgm:fillClrLst meth="repeat">
+      <a:schemeClr val="dk2"/>
+    </dgm:fillClrLst>
+    <dgm:linClrLst meth="repeat">
+      <a:schemeClr val="dk2">
+        <a:shade val="60000"/>
+      </a:schemeClr>
+    </dgm:linClrLst>
+    <dgm:effectClrLst/>
+    <dgm:txLinClrLst/>
+    <dgm:txFillClrLst meth="repeat">
+      <a:schemeClr val="tx1"/>
+    </dgm:txFillClrLst>
+    <dgm:txEffectClrLst/>
+  </dgm:styleLbl>
+  <dgm:styleLbl name="parChTrans1D3">
+    <dgm:fillClrLst meth="repeat">
+      <a:schemeClr val="dk2"/>
+    </dgm:fillClrLst>
+    <dgm:linClrLst meth="repeat">
+      <a:schemeClr val="dk2">
+        <a:shade val="80000"/>
+      </a:schemeClr>
+    </dgm:linClrLst>
+    <dgm:effectClrLst/>
+    <dgm:txLinClrLst/>
+    <dgm:txFillClrLst meth="repeat">
+      <a:schemeClr val="tx1"/>
+    </dgm:txFillClrLst>
+    <dgm:txEffectClrLst/>
+  </dgm:styleLbl>
+  <dgm:styleLbl name="parChTrans1D4">
+    <dgm:fillClrLst meth="repeat">
+      <a:schemeClr val="dk2"/>
+    </dgm:fillClrLst>
+    <dgm:linClrLst meth="repeat">
+      <a:schemeClr val="dk2">
+        <a:shade val="80000"/>
+      </a:schemeClr>
+    </dgm:linClrLst>
+    <dgm:effectClrLst/>
+    <dgm:txLinClrLst/>
+    <dgm:txFillClrLst meth="repeat">
+      <a:schemeClr val="tx1"/>
+    </dgm:txFillClrLst>
+    <dgm:txEffectClrLst/>
+  </dgm:styleLbl>
+  <dgm:styleLbl name="fgAcc1">
+    <dgm:fillClrLst meth="repeat">
+      <a:schemeClr val="lt2">
+        <a:alpha val="90000"/>
+      </a:schemeClr>
+    </dgm:fillClrLst>
+    <dgm:linClrLst meth="repeat">
+      <a:schemeClr val="dk2"/>
+    </dgm:linClrLst>
+    <dgm:effectClrLst/>
+    <dgm:txLinClrLst/>
+    <dgm:txFillClrLst meth="repeat">
+      <a:schemeClr val="dk1"/>
+    </dgm:txFillClrLst>
+    <dgm:txEffectClrLst/>
+  </dgm:styleLbl>
+  <dgm:styleLbl name="conFgAcc1">
+    <dgm:fillClrLst meth="repeat">
+      <a:schemeClr val="lt2">
+        <a:alpha val="90000"/>
+      </a:schemeClr>
+    </dgm:fillClrLst>
+    <dgm:linClrLst meth="repeat">
+      <a:schemeClr val="dk2"/>
+    </dgm:linClrLst>
+    <dgm:effectClrLst/>
+    <dgm:txLinClrLst/>
+    <dgm:txFillClrLst meth="repeat">
+      <a:schemeClr val="dk1"/>
+    </dgm:txFillClrLst>
+    <dgm:txEffectClrLst/>
+  </dgm:styleLbl>
+  <dgm:styleLbl name="alignAcc1">
+    <dgm:fillClrLst meth="repeat">
+      <a:schemeClr val="lt2">
+        <a:alpha val="90000"/>
+      </a:schemeClr>
+    </dgm:fillClrLst>
+    <dgm:linClrLst meth="repeat">
+      <a:schemeClr val="dk2"/>
+    </dgm:linClrLst>
+    <dgm:effectClrLst/>
+    <dgm:txLinClrLst/>
+    <dgm:txFillClrLst meth="repeat">
+      <a:schemeClr val="dk1"/>
+    </dgm:txFillClrLst>
+    <dgm:txEffectClrLst/>
+  </dgm:styleLbl>
+  <dgm:styleLbl name="trAlignAcc1">
+    <dgm:fillClrLst meth="repeat">
+      <a:schemeClr val="lt2">
+        <a:alpha val="40000"/>
+      </a:schemeClr>
+    </dgm:fillClrLst>
+    <dgm:linClrLst meth="repeat">
+      <a:schemeClr val="dk2"/>
+    </dgm:linClrLst>
+    <dgm:effectClrLst/>
+    <dgm:txLinClrLst/>
+    <dgm:txFillClrLst meth="repeat">
+      <a:schemeClr val="dk1"/>
+    </dgm:txFillClrLst>
+    <dgm:txEffectClrLst/>
+  </dgm:styleLbl>
+  <dgm:styleLbl name="bgAcc1">
+    <dgm:fillClrLst meth="repeat">
+      <a:schemeClr val="lt2">
+        <a:alpha val="90000"/>
+      </a:schemeClr>
+    </dgm:fillClrLst>
+    <dgm:linClrLst meth="repeat">
+      <a:schemeClr val="dk2"/>
+    </dgm:linClrLst>
+    <dgm:effectClrLst/>
+    <dgm:txLinClrLst/>
+    <dgm:txFillClrLst meth="repeat">
+      <a:schemeClr val="dk1"/>
+    </dgm:txFillClrLst>
+    <dgm:txEffectClrLst/>
+  </dgm:styleLbl>
+  <dgm:styleLbl name="solidFgAcc1">
+    <dgm:fillClrLst meth="repeat">
+      <a:schemeClr val="lt2"/>
+    </dgm:fillClrLst>
+    <dgm:linClrLst meth="repeat">
+      <a:schemeClr val="dk2"/>
+    </dgm:linClrLst>
+    <dgm:effectClrLst/>
+    <dgm:txLinClrLst/>
+    <dgm:txFillClrLst meth="repeat">
+      <a:schemeClr val="dk1"/>
+    </dgm:txFillClrLst>
+    <dgm:txEffectClrLst/>
+  </dgm:styleLbl>
+  <dgm:styleLbl name="solidAlignAcc1">
+    <dgm:fillClrLst meth="repeat">
+      <a:schemeClr val="lt2"/>
+    </dgm:fillClrLst>
+    <dgm:linClrLst meth="repeat">
+      <a:schemeClr val="dk2"/>
+    </dgm:linClrLst>
+    <dgm:effectClrLst/>
+    <dgm:txLinClrLst/>
+    <dgm:txFillClrLst meth="repeat">
+      <a:schemeClr val="dk1"/>
+    </dgm:txFillClrLst>
+    <dgm:txEffectClrLst/>
+  </dgm:styleLbl>
+  <dgm:styleLbl name="solidBgAcc1">
+    <dgm:fillClrLst meth="repeat">
+      <a:schemeClr val="lt2"/>
+    </dgm:fillClrLst>
+    <dgm:linClrLst meth="repeat">
+      <a:schemeClr val="dk2"/>
+    </dgm:linClrLst>
+    <dgm:effectClrLst/>
+    <dgm:txLinClrLst/>
+    <dgm:txFillClrLst meth="repeat">
+      <a:schemeClr val="dk1"/>
+    </dgm:txFillClrLst>
+    <dgm:txEffectClrLst/>
+  </dgm:styleLbl>
+  <dgm:styleLbl name="fgAccFollowNode1">
+    <dgm:fillClrLst meth="repeat">
+      <a:schemeClr val="dk2">
+        <a:alpha val="90000"/>
+        <a:tint val="40000"/>
+      </a:schemeClr>
+    </dgm:fillClrLst>
+    <dgm:linClrLst meth="repeat">
+      <a:schemeClr val="dk2">
+        <a:alpha val="90000"/>
+        <a:tint val="40000"/>
+      </a:schemeClr>
+    </dgm:linClrLst>
+    <dgm:effectClrLst/>
+    <dgm:txLinClrLst/>
+    <dgm:txFillClrLst meth="repeat">
+      <a:schemeClr val="dk1"/>
+    </dgm:txFillClrLst>
+    <dgm:txEffectClrLst/>
+  </dgm:styleLbl>
+  <dgm:styleLbl name="alignAccFollowNode1">
+    <dgm:fillClrLst meth="repeat">
+      <a:schemeClr val="dk2">
+        <a:alpha val="90000"/>
+        <a:tint val="40000"/>
+      </a:schemeClr>
+    </dgm:fillClrLst>
+    <dgm:linClrLst meth="repeat">
+      <a:schemeClr val="dk2">
+        <a:alpha val="90000"/>
+        <a:tint val="40000"/>
+      </a:schemeClr>
+    </dgm:linClrLst>
+    <dgm:effectClrLst/>
+    <dgm:txLinClrLst/>
+    <dgm:txFillClrLst meth="repeat">
+      <a:schemeClr val="dk1"/>
+    </dgm:txFillClrLst>
+    <dgm:txEffectClrLst/>
+  </dgm:styleLbl>
+  <dgm:styleLbl name="bgAccFollowNode1">
+    <dgm:fillClrLst meth="repeat">
+      <a:schemeClr val="dk2">
+        <a:alpha val="90000"/>
+        <a:tint val="40000"/>
+      </a:schemeClr>
+    </dgm:fillClrLst>
+    <dgm:linClrLst meth="repeat">
+      <a:schemeClr val="dk2">
+        <a:alpha val="90000"/>
+        <a:tint val="40000"/>
+      </a:schemeClr>
+    </dgm:linClrLst>
+    <dgm:effectClrLst/>
+    <dgm:txLinClrLst/>
+    <dgm:txFillClrLst meth="repeat">
+      <a:schemeClr val="dk1"/>
+    </dgm:txFillClrLst>
+    <dgm:txEffectClrLst/>
+  </dgm:styleLbl>
+  <dgm:styleLbl name="fgAcc0">
+    <dgm:fillClrLst meth="repeat">
+      <a:schemeClr val="lt2">
+        <a:alpha val="90000"/>
+      </a:schemeClr>
+    </dgm:fillClrLst>
+    <dgm:linClrLst meth="repeat">
+      <a:schemeClr val="dk2"/>
+    </dgm:linClrLst>
+    <dgm:effectClrLst/>
+    <dgm:txLinClrLst/>
+    <dgm:txFillClrLst meth="repeat">
+      <a:schemeClr val="dk1"/>
+    </dgm:txFillClrLst>
+    <dgm:txEffectClrLst/>
+  </dgm:styleLbl>
+  <dgm:styleLbl name="fgAcc2">
+    <dgm:fillClrLst meth="repeat">
+      <a:schemeClr val="lt2">
+        <a:alpha val="90000"/>
+      </a:schemeClr>
+    </dgm:fillClrLst>
+    <dgm:linClrLst meth="repeat">
+      <a:schemeClr val="dk2"/>
+    </dgm:linClrLst>
+    <dgm:effectClrLst/>
+    <dgm:txLinClrLst/>
+    <dgm:txFillClrLst meth="repeat">
+      <a:schemeClr val="dk1"/>
+    </dgm:txFillClrLst>
+    <dgm:txEffectClrLst/>
+  </dgm:styleLbl>
+  <dgm:styleLbl name="fgAcc3">
+    <dgm:fillClrLst meth="repeat">
+      <a:schemeClr val="lt2">
+        <a:alpha val="90000"/>
+      </a:schemeClr>
+    </dgm:fillClrLst>
+    <dgm:linClrLst meth="repeat">
+      <a:schemeClr val="dk2"/>
+    </dgm:linClrLst>
+    <dgm:effectClrLst/>
+    <dgm:txLinClrLst/>
+    <dgm:txFillClrLst meth="repeat">
+      <a:schemeClr val="dk1"/>
+    </dgm:txFillClrLst>
+    <dgm:txEffectClrLst/>
+  </dgm:styleLbl>
+  <dgm:styleLbl name="fgAcc4">
+    <dgm:fillClrLst meth="repeat">
+      <a:schemeClr val="lt2">
+        <a:alpha val="90000"/>
+      </a:schemeClr>
+    </dgm:fillClrLst>
+    <dgm:linClrLst meth="repeat">
+      <a:schemeClr val="dk2"/>
+    </dgm:linClrLst>
+    <dgm:effectClrLst/>
+    <dgm:txLinClrLst/>
+    <dgm:txFillClrLst meth="repeat">
+      <a:schemeClr val="dk1"/>
+    </dgm:txFillClrLst>
+    <dgm:txEffectClrLst/>
+  </dgm:styleLbl>
+  <dgm:styleLbl name="bgShp">
+    <dgm:fillClrLst meth="repeat">
+      <a:schemeClr val="dk2">
+        <a:tint val="40000"/>
+      </a:schemeClr>
+    </dgm:fillClrLst>
+    <dgm:linClrLst meth="repeat">
+      <a:schemeClr val="dk2"/>
+    </dgm:linClrLst>
+    <dgm:effectClrLst/>
+    <dgm:txLinClrLst/>
+    <dgm:txFillClrLst meth="repeat">
+      <a:schemeClr val="dk1"/>
+    </dgm:txFillClrLst>
+    <dgm:txEffectClrLst/>
+  </dgm:styleLbl>
+  <dgm:styleLbl name="dkBgShp">
+    <dgm:fillClrLst meth="repeat">
+      <a:schemeClr val="dk2">
+        <a:shade val="80000"/>
+      </a:schemeClr>
+    </dgm:fillClrLst>
+    <dgm:linClrLst meth="repeat">
+      <a:schemeClr val="dk2"/>
+    </dgm:linClrLst>
+    <dgm:effectClrLst/>
+    <dgm:txLinClrLst/>
+    <dgm:txFillClrLst meth="repeat">
+      <a:schemeClr val="lt1"/>
+    </dgm:txFillClrLst>
+    <dgm:txEffectClrLst/>
+  </dgm:styleLbl>
+  <dgm:styleLbl name="trBgShp">
+    <dgm:fillClrLst meth="repeat">
+      <a:schemeClr val="dk2">
+        <a:tint val="50000"/>
+        <a:alpha val="40000"/>
+      </a:schemeClr>
+    </dgm:fillClrLst>
+    <dgm:linClrLst meth="repeat">
+      <a:schemeClr val="dk2"/>
+    </dgm:linClrLst>
+    <dgm:effectClrLst/>
+    <dgm:txLinClrLst/>
+    <dgm:txFillClrLst meth="repeat">
+      <a:schemeClr val="lt1"/>
+    </dgm:txFillClrLst>
+    <dgm:txEffectClrLst/>
+  </dgm:styleLbl>
+  <dgm:styleLbl name="fgShp">
+    <dgm:fillClrLst meth="repeat">
+      <a:schemeClr val="dk2">
+        <a:tint val="60000"/>
+      </a:schemeClr>
+    </dgm:fillClrLst>
+    <dgm:linClrLst meth="repeat">
+      <a:schemeClr val="lt2"/>
+    </dgm:linClrLst>
+    <dgm:effectClrLst/>
+    <dgm:txLinClrLst/>
+    <dgm:txFillClrLst meth="repeat">
+      <a:schemeClr val="dk1"/>
+    </dgm:txFillClrLst>
+    <dgm:txEffectClrLst/>
+  </dgm:styleLbl>
+  <dgm:styleLbl name="revTx">
+    <dgm:fillClrLst meth="repeat">
+      <a:schemeClr val="lt2">
+        <a:alpha val="0"/>
+      </a:schemeClr>
+    </dgm:fillClrLst>
+    <dgm:linClrLst meth="repeat">
+      <a:schemeClr val="dk1">
+        <a:alpha val="0"/>
+      </a:schemeClr>
+    </dgm:linClrLst>
+    <dgm:effectClrLst/>
+    <dgm:txLinClrLst/>
+    <dgm:txFillClrLst meth="repeat">
+      <a:schemeClr val="tx1"/>
+    </dgm:txFillClrLst>
+    <dgm:txEffectClrLst/>
+  </dgm:styleLbl>
+</dgm:colorsDef>
+</file>
+
+<file path=ppt/diagrams/data1.xml><?xml version="1.0" encoding="utf-8"?>
+<dgm:dataModel xmlns:dgm="http://schemas.openxmlformats.org/drawingml/2006/diagram" xmlns:a="http://schemas.openxmlformats.org/drawingml/2006/main">
+  <dgm:ptLst>
+    <dgm:pt modelId="{BD3A271C-AB5F-45C0-85C5-0E4AFC8F21D3}" type="doc">
+      <dgm:prSet loTypeId="urn:microsoft.com/office/officeart/2005/8/layout/cycle3" loCatId="cycle" qsTypeId="urn:microsoft.com/office/officeart/2005/8/quickstyle/simple1" qsCatId="simple" csTypeId="urn:microsoft.com/office/officeart/2005/8/colors/accent0_3" csCatId="mainScheme" phldr="1"/>
+      <dgm:spPr/>
+      <dgm:t>
+        <a:bodyPr/>
+        <a:lstStyle/>
+        <a:p>
+          <a:endParaRPr lang="en-GB"/>
+        </a:p>
+      </dgm:t>
+    </dgm:pt>
+    <dgm:pt modelId="{A718E03F-41FE-4D83-B40D-311D25F83A52}">
+      <dgm:prSet phldrT="[Text]"/>
+      <dgm:spPr>
+        <a:solidFill>
+          <a:srgbClr val="B4650E"/>
+        </a:solidFill>
+        <a:ln>
+          <a:noFill/>
+        </a:ln>
+      </dgm:spPr>
+      <dgm:t>
+        <a:bodyPr/>
+        <a:lstStyle/>
+        <a:p>
+          <a:r>
+            <a:rPr lang="fr-FR" b="1" i="0" dirty="0"/>
+            <a:t>1. </a:t>
+          </a:r>
+          <a:r>
+            <a:rPr lang="fr-FR" b="1" dirty="0"/>
+            <a:t>C</a:t>
+          </a:r>
+          <a:r>
+            <a:rPr lang="en-GB" b="1" i="0" dirty="0"/>
+            <a:t>all to adventure</a:t>
+          </a:r>
+          <a:endParaRPr lang="en-GB" b="1" dirty="0"/>
+        </a:p>
+      </dgm:t>
+    </dgm:pt>
+    <dgm:pt modelId="{FA6E0D7D-565A-40C0-A741-3B8CFC1F7F22}" type="parTrans" cxnId="{87ABEC23-2444-469B-AC7A-CCBF6A1837EC}">
+      <dgm:prSet/>
+      <dgm:spPr/>
+      <dgm:t>
+        <a:bodyPr/>
+        <a:lstStyle/>
+        <a:p>
+          <a:endParaRPr lang="en-GB"/>
+        </a:p>
+      </dgm:t>
+    </dgm:pt>
+    <dgm:pt modelId="{A9CAAC4A-00B0-4140-9C91-E5EA48910B57}" type="sibTrans" cxnId="{87ABEC23-2444-469B-AC7A-CCBF6A1837EC}">
+      <dgm:prSet/>
+      <dgm:spPr/>
+      <dgm:t>
+        <a:bodyPr/>
+        <a:lstStyle/>
+        <a:p>
+          <a:endParaRPr lang="en-GB"/>
+        </a:p>
+      </dgm:t>
+    </dgm:pt>
+    <dgm:pt modelId="{4AF005C1-71E0-400E-B14E-843FE9A5BE21}">
+      <dgm:prSet phldrT="[Text]"/>
+      <dgm:spPr>
+        <a:solidFill>
+          <a:srgbClr val="FF9800"/>
+        </a:solidFill>
+        <a:ln>
+          <a:noFill/>
+        </a:ln>
+      </dgm:spPr>
+      <dgm:t>
+        <a:bodyPr/>
+        <a:lstStyle/>
+        <a:p>
+          <a:r>
+            <a:rPr lang="fr-FR" b="1" dirty="0"/>
+            <a:t>2. </a:t>
+          </a:r>
+          <a:r>
+            <a:rPr lang="en-GB" b="1" i="0" dirty="0"/>
+            <a:t>Refusal of the call</a:t>
+          </a:r>
+          <a:endParaRPr lang="en-GB" b="1" dirty="0"/>
+        </a:p>
+      </dgm:t>
+    </dgm:pt>
+    <dgm:pt modelId="{9E92F31F-E30E-48F9-B7FB-0975C7A886DC}" type="parTrans" cxnId="{8D0EAA95-5B31-4DFF-AABF-78E5840C490D}">
+      <dgm:prSet/>
+      <dgm:spPr/>
+      <dgm:t>
+        <a:bodyPr/>
+        <a:lstStyle/>
+        <a:p>
+          <a:endParaRPr lang="en-GB"/>
+        </a:p>
+      </dgm:t>
+    </dgm:pt>
+    <dgm:pt modelId="{FA6C7257-12C8-447B-B80F-DF990AB123AD}" type="sibTrans" cxnId="{8D0EAA95-5B31-4DFF-AABF-78E5840C490D}">
+      <dgm:prSet/>
+      <dgm:spPr/>
+      <dgm:t>
+        <a:bodyPr/>
+        <a:lstStyle/>
+        <a:p>
+          <a:endParaRPr lang="en-GB"/>
+        </a:p>
+      </dgm:t>
+    </dgm:pt>
+    <dgm:pt modelId="{934A78C5-0B4F-4C14-A2AB-8B9D33039A0A}">
+      <dgm:prSet phldrT="[Text]"/>
+      <dgm:spPr>
+        <a:solidFill>
+          <a:srgbClr val="009688"/>
+        </a:solidFill>
+        <a:ln>
+          <a:noFill/>
+        </a:ln>
+      </dgm:spPr>
+      <dgm:t>
+        <a:bodyPr/>
+        <a:lstStyle/>
+        <a:p>
+          <a:r>
+            <a:rPr lang="fr-FR" b="1" dirty="0"/>
+            <a:t>12. </a:t>
+          </a:r>
+          <a:r>
+            <a:rPr lang="en-GB" b="1" i="0" dirty="0"/>
+            <a:t>Refusal of the return</a:t>
+          </a:r>
+          <a:endParaRPr lang="en-GB" b="1" dirty="0"/>
+        </a:p>
+      </dgm:t>
+    </dgm:pt>
+    <dgm:pt modelId="{BC6952D6-C7D2-4C32-86D6-1380C5235183}" type="parTrans" cxnId="{A5C571F0-26EA-4DFB-A165-8D357A9CA9BC}">
+      <dgm:prSet/>
+      <dgm:spPr/>
+      <dgm:t>
+        <a:bodyPr/>
+        <a:lstStyle/>
+        <a:p>
+          <a:endParaRPr lang="en-GB"/>
+        </a:p>
+      </dgm:t>
+    </dgm:pt>
+    <dgm:pt modelId="{100B992B-2B39-4CD9-B93D-005F20C0A3D1}" type="sibTrans" cxnId="{A5C571F0-26EA-4DFB-A165-8D357A9CA9BC}">
+      <dgm:prSet/>
+      <dgm:spPr/>
+      <dgm:t>
+        <a:bodyPr/>
+        <a:lstStyle/>
+        <a:p>
+          <a:endParaRPr lang="en-GB"/>
+        </a:p>
+      </dgm:t>
+    </dgm:pt>
+    <dgm:pt modelId="{66CC4857-4E2C-4D61-9FA4-E4C10EA01BE0}">
+      <dgm:prSet phldrT="[Text]"/>
+      <dgm:spPr>
+        <a:solidFill>
+          <a:srgbClr val="4CAF50"/>
+        </a:solidFill>
+        <a:ln>
+          <a:noFill/>
+        </a:ln>
+      </dgm:spPr>
+      <dgm:t>
+        <a:bodyPr/>
+        <a:lstStyle/>
+        <a:p>
+          <a:r>
+            <a:rPr lang="fr-FR" b="1" dirty="0"/>
+            <a:t>13. </a:t>
+          </a:r>
+          <a:r>
+            <a:rPr lang="en-GB" b="1" i="0" dirty="0"/>
+            <a:t>The magic flight</a:t>
+          </a:r>
+          <a:endParaRPr lang="en-GB" b="1" dirty="0"/>
+        </a:p>
+      </dgm:t>
+    </dgm:pt>
+    <dgm:pt modelId="{7AF19B2D-237C-4A0D-96CA-2ED5341545DF}" type="parTrans" cxnId="{E85C0BF3-C945-4D49-B5C9-577FD1476C4F}">
+      <dgm:prSet/>
+      <dgm:spPr/>
+      <dgm:t>
+        <a:bodyPr/>
+        <a:lstStyle/>
+        <a:p>
+          <a:endParaRPr lang="en-GB"/>
+        </a:p>
+      </dgm:t>
+    </dgm:pt>
+    <dgm:pt modelId="{9D64EB50-8DDF-43CE-BFFD-D360FC8E0B8C}" type="sibTrans" cxnId="{E85C0BF3-C945-4D49-B5C9-577FD1476C4F}">
+      <dgm:prSet/>
+      <dgm:spPr/>
+      <dgm:t>
+        <a:bodyPr/>
+        <a:lstStyle/>
+        <a:p>
+          <a:endParaRPr lang="en-GB"/>
+        </a:p>
+      </dgm:t>
+    </dgm:pt>
+    <dgm:pt modelId="{D43CD14C-4BCC-4207-8A01-7B7BFB163502}">
+      <dgm:prSet phldrT="[Text]"/>
+      <dgm:spPr>
+        <a:solidFill>
+          <a:srgbClr val="8BC34A"/>
+        </a:solidFill>
+        <a:ln>
+          <a:noFill/>
+        </a:ln>
+      </dgm:spPr>
+      <dgm:t>
+        <a:bodyPr/>
+        <a:lstStyle/>
+        <a:p>
+          <a:r>
+            <a:rPr lang="fr-FR" b="1" dirty="0"/>
+            <a:t>14. </a:t>
+          </a:r>
+          <a:r>
+            <a:rPr lang="en-GB" b="1" i="0" dirty="0"/>
+            <a:t>Rescue from without</a:t>
+          </a:r>
+          <a:endParaRPr lang="en-GB" b="1" dirty="0"/>
+        </a:p>
+      </dgm:t>
+    </dgm:pt>
+    <dgm:pt modelId="{5573601C-5DE4-45DF-B7C6-2B95F07F0D2E}" type="parTrans" cxnId="{445542F9-1B1D-481C-8E0A-2CD9AF6E852F}">
+      <dgm:prSet/>
+      <dgm:spPr/>
+      <dgm:t>
+        <a:bodyPr/>
+        <a:lstStyle/>
+        <a:p>
+          <a:endParaRPr lang="en-GB"/>
+        </a:p>
+      </dgm:t>
+    </dgm:pt>
+    <dgm:pt modelId="{034A4EC1-11F7-44DC-91C0-98BADCACF587}" type="sibTrans" cxnId="{445542F9-1B1D-481C-8E0A-2CD9AF6E852F}">
+      <dgm:prSet/>
+      <dgm:spPr/>
+      <dgm:t>
+        <a:bodyPr/>
+        <a:lstStyle/>
+        <a:p>
+          <a:endParaRPr lang="en-GB"/>
+        </a:p>
+      </dgm:t>
+    </dgm:pt>
+    <dgm:pt modelId="{5121612D-3D49-4E45-8543-8AE8616A4AF6}">
+      <dgm:prSet/>
+      <dgm:spPr>
+        <a:solidFill>
+          <a:srgbClr val="FF5722"/>
+        </a:solidFill>
+        <a:ln>
+          <a:noFill/>
+        </a:ln>
+      </dgm:spPr>
+      <dgm:t>
+        <a:bodyPr/>
+        <a:lstStyle/>
+        <a:p>
+          <a:r>
+            <a:rPr lang="fr-FR" b="1" dirty="0"/>
+            <a:t>3. </a:t>
+          </a:r>
+          <a:r>
+            <a:rPr lang="en-GB" b="1" i="0" dirty="0"/>
+            <a:t>Supernatural aid</a:t>
+          </a:r>
+          <a:endParaRPr lang="en-GB" b="1" dirty="0"/>
+        </a:p>
+      </dgm:t>
+    </dgm:pt>
+    <dgm:pt modelId="{6BEA8F56-9641-4610-8E50-E468678CF27E}" type="parTrans" cxnId="{DEFCB4F1-0EF6-4BA5-845D-28E5B28E607A}">
+      <dgm:prSet/>
+      <dgm:spPr/>
+      <dgm:t>
+        <a:bodyPr/>
+        <a:lstStyle/>
+        <a:p>
+          <a:endParaRPr lang="en-GB"/>
+        </a:p>
+      </dgm:t>
+    </dgm:pt>
+    <dgm:pt modelId="{92359ACF-B27D-4CCD-8542-141AD11752F1}" type="sibTrans" cxnId="{DEFCB4F1-0EF6-4BA5-845D-28E5B28E607A}">
+      <dgm:prSet/>
+      <dgm:spPr/>
+      <dgm:t>
+        <a:bodyPr/>
+        <a:lstStyle/>
+        <a:p>
+          <a:endParaRPr lang="en-GB"/>
+        </a:p>
+      </dgm:t>
+    </dgm:pt>
+    <dgm:pt modelId="{91778895-C9A3-4AE1-8616-5111649844F5}">
+      <dgm:prSet/>
+      <dgm:spPr>
+        <a:solidFill>
+          <a:srgbClr val="F44336"/>
+        </a:solidFill>
+        <a:ln>
+          <a:noFill/>
+        </a:ln>
+      </dgm:spPr>
+      <dgm:t>
+        <a:bodyPr/>
+        <a:lstStyle/>
+        <a:p>
+          <a:r>
+            <a:rPr lang="fr-FR" b="1" dirty="0"/>
+            <a:t>4. </a:t>
+          </a:r>
+          <a:r>
+            <a:rPr lang="en-GB" b="1" i="0" dirty="0"/>
+            <a:t>Crossing the threshold</a:t>
+          </a:r>
+          <a:endParaRPr lang="en-GB" b="1" dirty="0"/>
+        </a:p>
+      </dgm:t>
+    </dgm:pt>
+    <dgm:pt modelId="{2E8F1509-F42A-4C5C-A521-A7BE363FA4A2}" type="parTrans" cxnId="{D1F8161C-DD5A-4939-BF9E-63B91E1C12D4}">
+      <dgm:prSet/>
+      <dgm:spPr/>
+      <dgm:t>
+        <a:bodyPr/>
+        <a:lstStyle/>
+        <a:p>
+          <a:endParaRPr lang="en-GB"/>
+        </a:p>
+      </dgm:t>
+    </dgm:pt>
+    <dgm:pt modelId="{4E4360D7-C3EF-4C5B-8BB7-1803A5CB162F}" type="sibTrans" cxnId="{D1F8161C-DD5A-4939-BF9E-63B91E1C12D4}">
+      <dgm:prSet/>
+      <dgm:spPr/>
+      <dgm:t>
+        <a:bodyPr/>
+        <a:lstStyle/>
+        <a:p>
+          <a:endParaRPr lang="en-GB"/>
+        </a:p>
+      </dgm:t>
+    </dgm:pt>
+    <dgm:pt modelId="{CDE73D96-4062-45D1-B69B-0F23F8F12519}">
+      <dgm:prSet/>
+      <dgm:spPr>
+        <a:solidFill>
+          <a:srgbClr val="E91E63"/>
+        </a:solidFill>
+        <a:ln>
+          <a:noFill/>
+        </a:ln>
+      </dgm:spPr>
+      <dgm:t>
+        <a:bodyPr/>
+        <a:lstStyle/>
+        <a:p>
+          <a:r>
+            <a:rPr lang="fr-FR" b="1" dirty="0"/>
+            <a:t>5. </a:t>
+          </a:r>
+          <a:r>
+            <a:rPr lang="en-GB" b="1" i="0" dirty="0"/>
+            <a:t>Belly of the whale</a:t>
+          </a:r>
+          <a:endParaRPr lang="en-GB" b="1" dirty="0"/>
+        </a:p>
+      </dgm:t>
+    </dgm:pt>
+    <dgm:pt modelId="{AA6F5A1E-0560-494D-BB4E-D8120964D6D3}" type="parTrans" cxnId="{FF99331C-5FDD-4DD7-935F-FEC54BB34088}">
+      <dgm:prSet/>
+      <dgm:spPr/>
+      <dgm:t>
+        <a:bodyPr/>
+        <a:lstStyle/>
+        <a:p>
+          <a:endParaRPr lang="en-GB"/>
+        </a:p>
+      </dgm:t>
+    </dgm:pt>
+    <dgm:pt modelId="{59BA1A9A-BF56-4543-9F84-82F5C9159691}" type="sibTrans" cxnId="{FF99331C-5FDD-4DD7-935F-FEC54BB34088}">
+      <dgm:prSet/>
+      <dgm:spPr/>
+      <dgm:t>
+        <a:bodyPr/>
+        <a:lstStyle/>
+        <a:p>
+          <a:endParaRPr lang="en-GB"/>
+        </a:p>
+      </dgm:t>
+    </dgm:pt>
+    <dgm:pt modelId="{5BFCDD88-DD30-4D6A-BE28-F2EDC4C53C86}">
+      <dgm:prSet/>
+      <dgm:spPr>
+        <a:solidFill>
+          <a:srgbClr val="00BCD4"/>
+        </a:solidFill>
+        <a:ln>
+          <a:noFill/>
+        </a:ln>
+      </dgm:spPr>
+      <dgm:t>
+        <a:bodyPr/>
+        <a:lstStyle/>
+        <a:p>
+          <a:r>
+            <a:rPr lang="fr-FR" b="1" dirty="0"/>
+            <a:t>6. </a:t>
+          </a:r>
+          <a:r>
+            <a:rPr lang="en-GB" b="1" i="0" dirty="0"/>
+            <a:t>The road of trials</a:t>
+          </a:r>
+          <a:endParaRPr lang="en-GB" b="1" dirty="0"/>
+        </a:p>
+      </dgm:t>
+    </dgm:pt>
+    <dgm:pt modelId="{3E280F45-D51B-4C2F-929E-A22DB3272231}" type="parTrans" cxnId="{601B206B-17DD-4E63-A1EA-971C94A849F2}">
+      <dgm:prSet/>
+      <dgm:spPr/>
+      <dgm:t>
+        <a:bodyPr/>
+        <a:lstStyle/>
+        <a:p>
+          <a:endParaRPr lang="en-GB"/>
+        </a:p>
+      </dgm:t>
+    </dgm:pt>
+    <dgm:pt modelId="{FABE3629-6C8B-4258-AE8A-301DD514245A}" type="sibTrans" cxnId="{601B206B-17DD-4E63-A1EA-971C94A849F2}">
+      <dgm:prSet/>
+      <dgm:spPr/>
+      <dgm:t>
+        <a:bodyPr/>
+        <a:lstStyle/>
+        <a:p>
+          <a:endParaRPr lang="en-GB"/>
+        </a:p>
+      </dgm:t>
+    </dgm:pt>
+    <dgm:pt modelId="{62B1EFC7-68D4-4D29-B960-C77E325C6A19}">
+      <dgm:prSet/>
+      <dgm:spPr>
+        <a:solidFill>
+          <a:srgbClr val="03A9F4"/>
+        </a:solidFill>
+        <a:ln>
+          <a:noFill/>
+        </a:ln>
+      </dgm:spPr>
+      <dgm:t>
+        <a:bodyPr/>
+        <a:lstStyle/>
+        <a:p>
+          <a:r>
+            <a:rPr lang="fr-FR" b="1" dirty="0"/>
+            <a:t>7. </a:t>
+          </a:r>
+          <a:r>
+            <a:rPr lang="en-GB" b="1" i="0" dirty="0"/>
+            <a:t>The meeting with the goddess</a:t>
+          </a:r>
+          <a:endParaRPr lang="en-GB" b="1" dirty="0"/>
+        </a:p>
+      </dgm:t>
+    </dgm:pt>
+    <dgm:pt modelId="{21575D82-315D-4F50-96DF-F926403E5EE6}" type="parTrans" cxnId="{C2139037-A700-48DE-B0F4-E3C1C802B4A4}">
+      <dgm:prSet/>
+      <dgm:spPr/>
+      <dgm:t>
+        <a:bodyPr/>
+        <a:lstStyle/>
+        <a:p>
+          <a:endParaRPr lang="en-GB"/>
+        </a:p>
+      </dgm:t>
+    </dgm:pt>
+    <dgm:pt modelId="{78AC5292-7160-4673-9B82-F65B31076502}" type="sibTrans" cxnId="{C2139037-A700-48DE-B0F4-E3C1C802B4A4}">
+      <dgm:prSet/>
+      <dgm:spPr/>
+      <dgm:t>
+        <a:bodyPr/>
+        <a:lstStyle/>
+        <a:p>
+          <a:endParaRPr lang="en-GB"/>
+        </a:p>
+      </dgm:t>
+    </dgm:pt>
+    <dgm:pt modelId="{24582C24-CADA-4327-9B71-CA2031DE3FD2}">
+      <dgm:prSet/>
+      <dgm:spPr>
+        <a:solidFill>
+          <a:srgbClr val="2196F3"/>
+        </a:solidFill>
+        <a:ln>
+          <a:noFill/>
+        </a:ln>
+      </dgm:spPr>
+      <dgm:t>
+        <a:bodyPr/>
+        <a:lstStyle/>
+        <a:p>
+          <a:r>
+            <a:rPr lang="fr-FR" b="1" dirty="0"/>
+            <a:t>8. </a:t>
+          </a:r>
+          <a:r>
+            <a:rPr lang="en-GB" b="1" i="0" dirty="0"/>
+            <a:t>Woman as temptress</a:t>
+          </a:r>
+          <a:endParaRPr lang="en-GB" b="1" dirty="0"/>
+        </a:p>
+      </dgm:t>
+    </dgm:pt>
+    <dgm:pt modelId="{870B61AB-DF57-4E4C-AA7D-B56C8297F2FF}" type="parTrans" cxnId="{6A056D6D-A626-44B2-B7C7-67B2B8E05767}">
+      <dgm:prSet/>
+      <dgm:spPr/>
+      <dgm:t>
+        <a:bodyPr/>
+        <a:lstStyle/>
+        <a:p>
+          <a:endParaRPr lang="en-GB"/>
+        </a:p>
+      </dgm:t>
+    </dgm:pt>
+    <dgm:pt modelId="{22FB23D3-5309-4EA7-A201-44F6D5B2072F}" type="sibTrans" cxnId="{6A056D6D-A626-44B2-B7C7-67B2B8E05767}">
+      <dgm:prSet/>
+      <dgm:spPr/>
+      <dgm:t>
+        <a:bodyPr/>
+        <a:lstStyle/>
+        <a:p>
+          <a:endParaRPr lang="en-GB"/>
+        </a:p>
+      </dgm:t>
+    </dgm:pt>
+    <dgm:pt modelId="{5CF69D70-98DB-4109-9216-47209FB5257C}">
+      <dgm:prSet/>
+      <dgm:spPr>
+        <a:solidFill>
+          <a:srgbClr val="3F51B5"/>
+        </a:solidFill>
+        <a:ln>
+          <a:noFill/>
+        </a:ln>
+      </dgm:spPr>
+      <dgm:t>
+        <a:bodyPr/>
+        <a:lstStyle/>
+        <a:p>
+          <a:r>
+            <a:rPr lang="fr-FR" b="1" dirty="0"/>
+            <a:t>9. </a:t>
+          </a:r>
+          <a:r>
+            <a:rPr lang="en-GB" b="1" i="0" dirty="0"/>
+            <a:t>Atonement with the father</a:t>
+          </a:r>
+          <a:endParaRPr lang="en-GB" b="1" dirty="0"/>
+        </a:p>
+      </dgm:t>
+    </dgm:pt>
+    <dgm:pt modelId="{B1FCF673-F918-4626-BE01-DBF252AAD178}" type="parTrans" cxnId="{FEDC7C85-DA48-4BD0-965C-07F5AD00E35C}">
+      <dgm:prSet/>
+      <dgm:spPr/>
+      <dgm:t>
+        <a:bodyPr/>
+        <a:lstStyle/>
+        <a:p>
+          <a:endParaRPr lang="en-GB"/>
+        </a:p>
+      </dgm:t>
+    </dgm:pt>
+    <dgm:pt modelId="{E1E4968A-D4AF-479E-8C83-9F17069FC7AC}" type="sibTrans" cxnId="{FEDC7C85-DA48-4BD0-965C-07F5AD00E35C}">
+      <dgm:prSet/>
+      <dgm:spPr/>
+      <dgm:t>
+        <a:bodyPr/>
+        <a:lstStyle/>
+        <a:p>
+          <a:endParaRPr lang="en-GB"/>
+        </a:p>
+      </dgm:t>
+    </dgm:pt>
+    <dgm:pt modelId="{AD4C5F56-3A6E-40E3-B18D-36CB0631983D}">
+      <dgm:prSet/>
+      <dgm:spPr>
+        <a:solidFill>
+          <a:srgbClr val="673AB7"/>
+        </a:solidFill>
+        <a:ln>
+          <a:noFill/>
+        </a:ln>
+      </dgm:spPr>
+      <dgm:t>
+        <a:bodyPr/>
+        <a:lstStyle/>
+        <a:p>
+          <a:r>
+            <a:rPr lang="fr-FR" b="1" dirty="0"/>
+            <a:t>10. </a:t>
+          </a:r>
+          <a:r>
+            <a:rPr lang="en-GB" b="1" i="0" dirty="0"/>
+            <a:t>Apotheosis</a:t>
+          </a:r>
+          <a:endParaRPr lang="en-GB" b="1" dirty="0"/>
+        </a:p>
+      </dgm:t>
+    </dgm:pt>
+    <dgm:pt modelId="{18803139-0B6C-448A-B57A-081C0664DBD8}" type="parTrans" cxnId="{4DCB6779-471B-4D1A-963D-1D6A6570B711}">
+      <dgm:prSet/>
+      <dgm:spPr/>
+      <dgm:t>
+        <a:bodyPr/>
+        <a:lstStyle/>
+        <a:p>
+          <a:endParaRPr lang="en-GB"/>
+        </a:p>
+      </dgm:t>
+    </dgm:pt>
+    <dgm:pt modelId="{F5C7BC8A-16FD-4D2A-9E05-F4FFCA8E3EAC}" type="sibTrans" cxnId="{4DCB6779-471B-4D1A-963D-1D6A6570B711}">
+      <dgm:prSet/>
+      <dgm:spPr/>
+      <dgm:t>
+        <a:bodyPr/>
+        <a:lstStyle/>
+        <a:p>
+          <a:endParaRPr lang="en-GB"/>
+        </a:p>
+      </dgm:t>
+    </dgm:pt>
+    <dgm:pt modelId="{28052D1E-48E0-42D2-9451-16A054F9FBDF}">
+      <dgm:prSet/>
+      <dgm:spPr>
+        <a:solidFill>
+          <a:srgbClr val="9C27B0"/>
+        </a:solidFill>
+        <a:ln>
+          <a:noFill/>
+        </a:ln>
+      </dgm:spPr>
+      <dgm:t>
+        <a:bodyPr/>
+        <a:lstStyle/>
+        <a:p>
+          <a:r>
+            <a:rPr lang="fr-FR" b="1" dirty="0"/>
+            <a:t>11. </a:t>
+          </a:r>
+          <a:r>
+            <a:rPr lang="en-GB" b="1" i="0" dirty="0"/>
+            <a:t>The boon</a:t>
+          </a:r>
+          <a:endParaRPr lang="en-GB" b="1" dirty="0"/>
+        </a:p>
+      </dgm:t>
+    </dgm:pt>
+    <dgm:pt modelId="{EC815E11-17C3-47AD-935B-A636377D517B}" type="parTrans" cxnId="{CD5A7E23-597A-451C-94E1-988F8C3F4907}">
+      <dgm:prSet/>
+      <dgm:spPr/>
+      <dgm:t>
+        <a:bodyPr/>
+        <a:lstStyle/>
+        <a:p>
+          <a:endParaRPr lang="en-GB"/>
+        </a:p>
+      </dgm:t>
+    </dgm:pt>
+    <dgm:pt modelId="{6DD0E191-E275-4964-91C7-D45857C8C382}" type="sibTrans" cxnId="{CD5A7E23-597A-451C-94E1-988F8C3F4907}">
+      <dgm:prSet/>
+      <dgm:spPr/>
+      <dgm:t>
+        <a:bodyPr/>
+        <a:lstStyle/>
+        <a:p>
+          <a:endParaRPr lang="en-GB"/>
+        </a:p>
+      </dgm:t>
+    </dgm:pt>
+    <dgm:pt modelId="{D5BD51DA-1B3D-49F5-BAA2-AD0112E69D49}">
+      <dgm:prSet phldrT="[Text]"/>
+      <dgm:spPr>
+        <a:solidFill>
+          <a:srgbClr val="CDDC39"/>
+        </a:solidFill>
+        <a:ln>
+          <a:noFill/>
+        </a:ln>
+      </dgm:spPr>
+      <dgm:t>
+        <a:bodyPr/>
+        <a:lstStyle/>
+        <a:p>
+          <a:r>
+            <a:rPr lang="fr-FR" b="1" dirty="0"/>
+            <a:t>15. </a:t>
+          </a:r>
+          <a:r>
+            <a:rPr lang="en-GB" b="1" i="0" dirty="0"/>
+            <a:t>The crossing of the return threshold</a:t>
+          </a:r>
+          <a:endParaRPr lang="en-GB" b="1" dirty="0"/>
+        </a:p>
+      </dgm:t>
+    </dgm:pt>
+    <dgm:pt modelId="{67921DFF-5C95-4D67-A241-2DD3F115F360}" type="parTrans" cxnId="{99AF11F7-0C4E-4C70-AF11-CC3F62DDF668}">
+      <dgm:prSet/>
+      <dgm:spPr/>
+      <dgm:t>
+        <a:bodyPr/>
+        <a:lstStyle/>
+        <a:p>
+          <a:endParaRPr lang="en-GB"/>
+        </a:p>
+      </dgm:t>
+    </dgm:pt>
+    <dgm:pt modelId="{8294D95D-C8E2-4286-B966-B5911E5F1C36}" type="sibTrans" cxnId="{99AF11F7-0C4E-4C70-AF11-CC3F62DDF668}">
+      <dgm:prSet/>
+      <dgm:spPr/>
+      <dgm:t>
+        <a:bodyPr/>
+        <a:lstStyle/>
+        <a:p>
+          <a:endParaRPr lang="en-GB"/>
+        </a:p>
+      </dgm:t>
+    </dgm:pt>
+    <dgm:pt modelId="{858DC8F6-9F59-494E-9786-F14C1E324E10}">
+      <dgm:prSet phldrT="[Text]"/>
+      <dgm:spPr>
+        <a:solidFill>
+          <a:srgbClr val="FDD835"/>
+        </a:solidFill>
+        <a:ln>
+          <a:noFill/>
+        </a:ln>
+      </dgm:spPr>
+      <dgm:t>
+        <a:bodyPr/>
+        <a:lstStyle/>
+        <a:p>
+          <a:r>
+            <a:rPr lang="fr-FR" b="1" dirty="0"/>
+            <a:t>16. </a:t>
+          </a:r>
+          <a:r>
+            <a:rPr lang="en-GB" b="1" i="0" dirty="0"/>
+            <a:t>Master of two worlds</a:t>
+          </a:r>
+          <a:endParaRPr lang="en-GB" b="1" dirty="0"/>
+        </a:p>
+      </dgm:t>
+    </dgm:pt>
+    <dgm:pt modelId="{DF15C060-4AE6-4EBF-AA81-022882936BFC}" type="parTrans" cxnId="{29DA7619-A871-4E16-86A5-30D1A2764545}">
+      <dgm:prSet/>
+      <dgm:spPr/>
+      <dgm:t>
+        <a:bodyPr/>
+        <a:lstStyle/>
+        <a:p>
+          <a:endParaRPr lang="en-GB"/>
+        </a:p>
+      </dgm:t>
+    </dgm:pt>
+    <dgm:pt modelId="{408A5788-6FB1-4883-A776-997856CFBAC0}" type="sibTrans" cxnId="{29DA7619-A871-4E16-86A5-30D1A2764545}">
+      <dgm:prSet/>
+      <dgm:spPr/>
+      <dgm:t>
+        <a:bodyPr/>
+        <a:lstStyle/>
+        <a:p>
+          <a:endParaRPr lang="en-GB"/>
+        </a:p>
+      </dgm:t>
+    </dgm:pt>
+    <dgm:pt modelId="{328A316F-4688-4299-9D48-87D0D726ACD1}">
+      <dgm:prSet phldrT="[Text]"/>
+      <dgm:spPr>
+        <a:solidFill>
+          <a:srgbClr val="FFC107"/>
+        </a:solidFill>
+        <a:ln>
+          <a:noFill/>
+        </a:ln>
+      </dgm:spPr>
+      <dgm:t>
+        <a:bodyPr/>
+        <a:lstStyle/>
+        <a:p>
+          <a:r>
+            <a:rPr lang="fr-FR" b="1" dirty="0"/>
+            <a:t>17. </a:t>
+          </a:r>
+          <a:r>
+            <a:rPr lang="en-GB" b="1" i="0" dirty="0"/>
+            <a:t>Freedom to live</a:t>
+          </a:r>
+          <a:endParaRPr lang="en-GB" b="1" dirty="0"/>
+        </a:p>
+      </dgm:t>
+    </dgm:pt>
+    <dgm:pt modelId="{C69C59B3-5274-4140-B967-979BCE32C148}" type="parTrans" cxnId="{A64AF334-94B7-4D1D-A3D7-31CD770F09F6}">
+      <dgm:prSet/>
+      <dgm:spPr/>
+      <dgm:t>
+        <a:bodyPr/>
+        <a:lstStyle/>
+        <a:p>
+          <a:endParaRPr lang="en-GB"/>
+        </a:p>
+      </dgm:t>
+    </dgm:pt>
+    <dgm:pt modelId="{F0927ADA-7543-42D3-9D5D-A7BF718B7C5B}" type="sibTrans" cxnId="{A64AF334-94B7-4D1D-A3D7-31CD770F09F6}">
+      <dgm:prSet/>
+      <dgm:spPr/>
+      <dgm:t>
+        <a:bodyPr/>
+        <a:lstStyle/>
+        <a:p>
+          <a:endParaRPr lang="en-GB"/>
+        </a:p>
+      </dgm:t>
+    </dgm:pt>
+    <dgm:pt modelId="{1655A197-ABBE-4064-82E5-A1A5388DCA73}">
+      <dgm:prSet phldrT="[Text]"/>
+      <dgm:spPr>
+        <a:solidFill>
+          <a:srgbClr val="795548"/>
+        </a:solidFill>
+        <a:ln>
+          <a:noFill/>
+        </a:ln>
+      </dgm:spPr>
+      <dgm:t>
+        <a:bodyPr/>
+        <a:lstStyle/>
+        <a:p>
+          <a:r>
+            <a:rPr lang="fr-FR" b="1" i="0" dirty="0"/>
+            <a:t>0.</a:t>
+          </a:r>
+          <a:r>
+            <a:rPr lang="fr-FR" b="1" i="1" dirty="0"/>
+            <a:t> </a:t>
+          </a:r>
+          <a:r>
+            <a:rPr lang="fr-FR" b="1" i="0" dirty="0" err="1"/>
+            <a:t>Stability</a:t>
+          </a:r>
+          <a:endParaRPr lang="en-GB" b="1" i="1" dirty="0"/>
+        </a:p>
+      </dgm:t>
+    </dgm:pt>
+    <dgm:pt modelId="{0BFE71A2-C306-48AA-84B7-0667A327FCA9}" type="parTrans" cxnId="{43078F0E-00AD-4E26-83F2-E8A1F0C64ED4}">
+      <dgm:prSet/>
+      <dgm:spPr/>
+      <dgm:t>
+        <a:bodyPr/>
+        <a:lstStyle/>
+        <a:p>
+          <a:endParaRPr lang="en-GB"/>
+        </a:p>
+      </dgm:t>
+    </dgm:pt>
+    <dgm:pt modelId="{68D58384-4631-4D2D-B744-C1473E0B6C9C}" type="sibTrans" cxnId="{43078F0E-00AD-4E26-83F2-E8A1F0C64ED4}">
+      <dgm:prSet/>
+      <dgm:spPr/>
+      <dgm:t>
+        <a:bodyPr/>
+        <a:lstStyle/>
+        <a:p>
+          <a:endParaRPr lang="en-GB"/>
+        </a:p>
+      </dgm:t>
+    </dgm:pt>
+    <dgm:pt modelId="{66D5CB06-8DCE-4E0E-B74E-A3F3501D4C93}" type="pres">
+      <dgm:prSet presAssocID="{BD3A271C-AB5F-45C0-85C5-0E4AFC8F21D3}" presName="Name0" presStyleCnt="0">
+        <dgm:presLayoutVars>
+          <dgm:dir/>
+          <dgm:resizeHandles val="exact"/>
+        </dgm:presLayoutVars>
+      </dgm:prSet>
+      <dgm:spPr/>
+    </dgm:pt>
+    <dgm:pt modelId="{5F8EB124-322C-4234-827E-4BEC879B439E}" type="pres">
+      <dgm:prSet presAssocID="{BD3A271C-AB5F-45C0-85C5-0E4AFC8F21D3}" presName="cycle" presStyleCnt="0"/>
+      <dgm:spPr/>
+    </dgm:pt>
+    <dgm:pt modelId="{EC8F9248-7F29-43A2-8591-3F0A94AFC6C0}" type="pres">
+      <dgm:prSet presAssocID="{1655A197-ABBE-4064-82E5-A1A5388DCA73}" presName="nodeFirstNode" presStyleLbl="node1" presStyleIdx="0" presStyleCnt="18">
+        <dgm:presLayoutVars>
+          <dgm:bulletEnabled val="1"/>
+        </dgm:presLayoutVars>
+      </dgm:prSet>
+      <dgm:spPr/>
+    </dgm:pt>
+    <dgm:pt modelId="{8A9121C9-A39D-4788-8017-9DEAC231DC09}" type="pres">
+      <dgm:prSet presAssocID="{68D58384-4631-4D2D-B744-C1473E0B6C9C}" presName="sibTransFirstNode" presStyleLbl="bgShp" presStyleIdx="0" presStyleCnt="1"/>
+      <dgm:spPr/>
+    </dgm:pt>
+    <dgm:pt modelId="{083D3C0D-4FB2-4D4D-806D-0A7E6777664A}" type="pres">
+      <dgm:prSet presAssocID="{A718E03F-41FE-4D83-B40D-311D25F83A52}" presName="nodeFollowingNodes" presStyleLbl="node1" presStyleIdx="1" presStyleCnt="18">
+        <dgm:presLayoutVars>
+          <dgm:bulletEnabled val="1"/>
+        </dgm:presLayoutVars>
+      </dgm:prSet>
+      <dgm:spPr/>
+    </dgm:pt>
+    <dgm:pt modelId="{3616CE11-4F03-4352-ABE7-9612808C8025}" type="pres">
+      <dgm:prSet presAssocID="{4AF005C1-71E0-400E-B14E-843FE9A5BE21}" presName="nodeFollowingNodes" presStyleLbl="node1" presStyleIdx="2" presStyleCnt="18">
+        <dgm:presLayoutVars>
+          <dgm:bulletEnabled val="1"/>
+        </dgm:presLayoutVars>
+      </dgm:prSet>
+      <dgm:spPr/>
+    </dgm:pt>
+    <dgm:pt modelId="{AEE931AC-51C5-417B-B039-238BFD072C56}" type="pres">
+      <dgm:prSet presAssocID="{5121612D-3D49-4E45-8543-8AE8616A4AF6}" presName="nodeFollowingNodes" presStyleLbl="node1" presStyleIdx="3" presStyleCnt="18">
+        <dgm:presLayoutVars>
+          <dgm:bulletEnabled val="1"/>
+        </dgm:presLayoutVars>
+      </dgm:prSet>
+      <dgm:spPr/>
+    </dgm:pt>
+    <dgm:pt modelId="{3263BF4A-C5C6-4E5A-99A7-708B9B1462B5}" type="pres">
+      <dgm:prSet presAssocID="{91778895-C9A3-4AE1-8616-5111649844F5}" presName="nodeFollowingNodes" presStyleLbl="node1" presStyleIdx="4" presStyleCnt="18">
+        <dgm:presLayoutVars>
+          <dgm:bulletEnabled val="1"/>
+        </dgm:presLayoutVars>
+      </dgm:prSet>
+      <dgm:spPr/>
+    </dgm:pt>
+    <dgm:pt modelId="{767000A5-80CE-499B-ACC8-FE62AF5FBFA9}" type="pres">
+      <dgm:prSet presAssocID="{CDE73D96-4062-45D1-B69B-0F23F8F12519}" presName="nodeFollowingNodes" presStyleLbl="node1" presStyleIdx="5" presStyleCnt="18">
+        <dgm:presLayoutVars>
+          <dgm:bulletEnabled val="1"/>
+        </dgm:presLayoutVars>
+      </dgm:prSet>
+      <dgm:spPr/>
+    </dgm:pt>
+    <dgm:pt modelId="{4D639225-29CA-40D2-9F93-FA73CC8266DF}" type="pres">
+      <dgm:prSet presAssocID="{5BFCDD88-DD30-4D6A-BE28-F2EDC4C53C86}" presName="nodeFollowingNodes" presStyleLbl="node1" presStyleIdx="6" presStyleCnt="18">
+        <dgm:presLayoutVars>
+          <dgm:bulletEnabled val="1"/>
+        </dgm:presLayoutVars>
+      </dgm:prSet>
+      <dgm:spPr/>
+    </dgm:pt>
+    <dgm:pt modelId="{7A40511C-6666-4B90-AFDE-B982F1C0FA05}" type="pres">
+      <dgm:prSet presAssocID="{62B1EFC7-68D4-4D29-B960-C77E325C6A19}" presName="nodeFollowingNodes" presStyleLbl="node1" presStyleIdx="7" presStyleCnt="18">
+        <dgm:presLayoutVars>
+          <dgm:bulletEnabled val="1"/>
+        </dgm:presLayoutVars>
+      </dgm:prSet>
+      <dgm:spPr/>
+    </dgm:pt>
+    <dgm:pt modelId="{B96DE1E5-BF3D-4B72-A1F8-673E8FE82B15}" type="pres">
+      <dgm:prSet presAssocID="{24582C24-CADA-4327-9B71-CA2031DE3FD2}" presName="nodeFollowingNodes" presStyleLbl="node1" presStyleIdx="8" presStyleCnt="18">
+        <dgm:presLayoutVars>
+          <dgm:bulletEnabled val="1"/>
+        </dgm:presLayoutVars>
+      </dgm:prSet>
+      <dgm:spPr/>
+    </dgm:pt>
+    <dgm:pt modelId="{76811D9C-3226-40B6-9AA3-B1A7397CF959}" type="pres">
+      <dgm:prSet presAssocID="{5CF69D70-98DB-4109-9216-47209FB5257C}" presName="nodeFollowingNodes" presStyleLbl="node1" presStyleIdx="9" presStyleCnt="18">
+        <dgm:presLayoutVars>
+          <dgm:bulletEnabled val="1"/>
+        </dgm:presLayoutVars>
+      </dgm:prSet>
+      <dgm:spPr/>
+    </dgm:pt>
+    <dgm:pt modelId="{FDCC69F8-2114-4D5D-97C6-636687925D1F}" type="pres">
+      <dgm:prSet presAssocID="{AD4C5F56-3A6E-40E3-B18D-36CB0631983D}" presName="nodeFollowingNodes" presStyleLbl="node1" presStyleIdx="10" presStyleCnt="18">
+        <dgm:presLayoutVars>
+          <dgm:bulletEnabled val="1"/>
+        </dgm:presLayoutVars>
+      </dgm:prSet>
+      <dgm:spPr/>
+    </dgm:pt>
+    <dgm:pt modelId="{BFD4D046-0A32-4D26-A7DD-282426E92AA9}" type="pres">
+      <dgm:prSet presAssocID="{28052D1E-48E0-42D2-9451-16A054F9FBDF}" presName="nodeFollowingNodes" presStyleLbl="node1" presStyleIdx="11" presStyleCnt="18">
+        <dgm:presLayoutVars>
+          <dgm:bulletEnabled val="1"/>
+        </dgm:presLayoutVars>
+      </dgm:prSet>
+      <dgm:spPr/>
+    </dgm:pt>
+    <dgm:pt modelId="{4ECF5AB2-B8CF-4803-885F-62826BF74B26}" type="pres">
+      <dgm:prSet presAssocID="{934A78C5-0B4F-4C14-A2AB-8B9D33039A0A}" presName="nodeFollowingNodes" presStyleLbl="node1" presStyleIdx="12" presStyleCnt="18">
+        <dgm:presLayoutVars>
+          <dgm:bulletEnabled val="1"/>
+        </dgm:presLayoutVars>
+      </dgm:prSet>
+      <dgm:spPr/>
+    </dgm:pt>
+    <dgm:pt modelId="{F0D9EE6E-97B2-48DE-B4A9-6A76093F1278}" type="pres">
+      <dgm:prSet presAssocID="{66CC4857-4E2C-4D61-9FA4-E4C10EA01BE0}" presName="nodeFollowingNodes" presStyleLbl="node1" presStyleIdx="13" presStyleCnt="18">
+        <dgm:presLayoutVars>
+          <dgm:bulletEnabled val="1"/>
+        </dgm:presLayoutVars>
+      </dgm:prSet>
+      <dgm:spPr/>
+    </dgm:pt>
+    <dgm:pt modelId="{A31D35D3-E15F-4C1A-97DA-8737EC04BD49}" type="pres">
+      <dgm:prSet presAssocID="{D43CD14C-4BCC-4207-8A01-7B7BFB163502}" presName="nodeFollowingNodes" presStyleLbl="node1" presStyleIdx="14" presStyleCnt="18">
+        <dgm:presLayoutVars>
+          <dgm:bulletEnabled val="1"/>
+        </dgm:presLayoutVars>
+      </dgm:prSet>
+      <dgm:spPr/>
+    </dgm:pt>
+    <dgm:pt modelId="{4F80CD65-4948-49E4-A2FB-5265E9873307}" type="pres">
+      <dgm:prSet presAssocID="{D5BD51DA-1B3D-49F5-BAA2-AD0112E69D49}" presName="nodeFollowingNodes" presStyleLbl="node1" presStyleIdx="15" presStyleCnt="18">
+        <dgm:presLayoutVars>
+          <dgm:bulletEnabled val="1"/>
+        </dgm:presLayoutVars>
+      </dgm:prSet>
+      <dgm:spPr/>
+    </dgm:pt>
+    <dgm:pt modelId="{6181C285-9110-48C9-B94E-3E1011A95114}" type="pres">
+      <dgm:prSet presAssocID="{858DC8F6-9F59-494E-9786-F14C1E324E10}" presName="nodeFollowingNodes" presStyleLbl="node1" presStyleIdx="16" presStyleCnt="18">
+        <dgm:presLayoutVars>
+          <dgm:bulletEnabled val="1"/>
+        </dgm:presLayoutVars>
+      </dgm:prSet>
+      <dgm:spPr/>
+    </dgm:pt>
+    <dgm:pt modelId="{FDB6E216-AD3F-4B79-BF2D-34962DD068FD}" type="pres">
+      <dgm:prSet presAssocID="{328A316F-4688-4299-9D48-87D0D726ACD1}" presName="nodeFollowingNodes" presStyleLbl="node1" presStyleIdx="17" presStyleCnt="18">
+        <dgm:presLayoutVars>
+          <dgm:bulletEnabled val="1"/>
+        </dgm:presLayoutVars>
+      </dgm:prSet>
+      <dgm:spPr/>
+    </dgm:pt>
+  </dgm:ptLst>
+  <dgm:cxnLst>
+    <dgm:cxn modelId="{BA3DB301-686A-4637-A441-2C12098ABFF0}" type="presOf" srcId="{D43CD14C-4BCC-4207-8A01-7B7BFB163502}" destId="{A31D35D3-E15F-4C1A-97DA-8737EC04BD49}" srcOrd="0" destOrd="0" presId="urn:microsoft.com/office/officeart/2005/8/layout/cycle3"/>
+    <dgm:cxn modelId="{2615E409-B404-4B31-BC76-B66140C103E0}" type="presOf" srcId="{91778895-C9A3-4AE1-8616-5111649844F5}" destId="{3263BF4A-C5C6-4E5A-99A7-708B9B1462B5}" srcOrd="0" destOrd="0" presId="urn:microsoft.com/office/officeart/2005/8/layout/cycle3"/>
+    <dgm:cxn modelId="{D78F430E-E241-4510-B934-E6FFC829A13E}" type="presOf" srcId="{28052D1E-48E0-42D2-9451-16A054F9FBDF}" destId="{BFD4D046-0A32-4D26-A7DD-282426E92AA9}" srcOrd="0" destOrd="0" presId="urn:microsoft.com/office/officeart/2005/8/layout/cycle3"/>
+    <dgm:cxn modelId="{43078F0E-00AD-4E26-83F2-E8A1F0C64ED4}" srcId="{BD3A271C-AB5F-45C0-85C5-0E4AFC8F21D3}" destId="{1655A197-ABBE-4064-82E5-A1A5388DCA73}" srcOrd="0" destOrd="0" parTransId="{0BFE71A2-C306-48AA-84B7-0667A327FCA9}" sibTransId="{68D58384-4631-4D2D-B744-C1473E0B6C9C}"/>
+    <dgm:cxn modelId="{58E63111-83F5-4B68-8911-B79334FDD79F}" type="presOf" srcId="{858DC8F6-9F59-494E-9786-F14C1E324E10}" destId="{6181C285-9110-48C9-B94E-3E1011A95114}" srcOrd="0" destOrd="0" presId="urn:microsoft.com/office/officeart/2005/8/layout/cycle3"/>
+    <dgm:cxn modelId="{4749E517-BDCC-461D-B04E-5D1E20371556}" type="presOf" srcId="{328A316F-4688-4299-9D48-87D0D726ACD1}" destId="{FDB6E216-AD3F-4B79-BF2D-34962DD068FD}" srcOrd="0" destOrd="0" presId="urn:microsoft.com/office/officeart/2005/8/layout/cycle3"/>
+    <dgm:cxn modelId="{29DA7619-A871-4E16-86A5-30D1A2764545}" srcId="{BD3A271C-AB5F-45C0-85C5-0E4AFC8F21D3}" destId="{858DC8F6-9F59-494E-9786-F14C1E324E10}" srcOrd="16" destOrd="0" parTransId="{DF15C060-4AE6-4EBF-AA81-022882936BFC}" sibTransId="{408A5788-6FB1-4883-A776-997856CFBAC0}"/>
+    <dgm:cxn modelId="{D1F8161C-DD5A-4939-BF9E-63B91E1C12D4}" srcId="{BD3A271C-AB5F-45C0-85C5-0E4AFC8F21D3}" destId="{91778895-C9A3-4AE1-8616-5111649844F5}" srcOrd="4" destOrd="0" parTransId="{2E8F1509-F42A-4C5C-A521-A7BE363FA4A2}" sibTransId="{4E4360D7-C3EF-4C5B-8BB7-1803A5CB162F}"/>
+    <dgm:cxn modelId="{FF99331C-5FDD-4DD7-935F-FEC54BB34088}" srcId="{BD3A271C-AB5F-45C0-85C5-0E4AFC8F21D3}" destId="{CDE73D96-4062-45D1-B69B-0F23F8F12519}" srcOrd="5" destOrd="0" parTransId="{AA6F5A1E-0560-494D-BB4E-D8120964D6D3}" sibTransId="{59BA1A9A-BF56-4543-9F84-82F5C9159691}"/>
+    <dgm:cxn modelId="{CD5A7E23-597A-451C-94E1-988F8C3F4907}" srcId="{BD3A271C-AB5F-45C0-85C5-0E4AFC8F21D3}" destId="{28052D1E-48E0-42D2-9451-16A054F9FBDF}" srcOrd="11" destOrd="0" parTransId="{EC815E11-17C3-47AD-935B-A636377D517B}" sibTransId="{6DD0E191-E275-4964-91C7-D45857C8C382}"/>
+    <dgm:cxn modelId="{87ABEC23-2444-469B-AC7A-CCBF6A1837EC}" srcId="{BD3A271C-AB5F-45C0-85C5-0E4AFC8F21D3}" destId="{A718E03F-41FE-4D83-B40D-311D25F83A52}" srcOrd="1" destOrd="0" parTransId="{FA6E0D7D-565A-40C0-A741-3B8CFC1F7F22}" sibTransId="{A9CAAC4A-00B0-4140-9C91-E5EA48910B57}"/>
+    <dgm:cxn modelId="{0F74CF2B-3C46-4557-B5FB-0BDEB1AF2F2A}" type="presOf" srcId="{68D58384-4631-4D2D-B744-C1473E0B6C9C}" destId="{8A9121C9-A39D-4788-8017-9DEAC231DC09}" srcOrd="0" destOrd="0" presId="urn:microsoft.com/office/officeart/2005/8/layout/cycle3"/>
+    <dgm:cxn modelId="{A64AF334-94B7-4D1D-A3D7-31CD770F09F6}" srcId="{BD3A271C-AB5F-45C0-85C5-0E4AFC8F21D3}" destId="{328A316F-4688-4299-9D48-87D0D726ACD1}" srcOrd="17" destOrd="0" parTransId="{C69C59B3-5274-4140-B967-979BCE32C148}" sibTransId="{F0927ADA-7543-42D3-9D5D-A7BF718B7C5B}"/>
+    <dgm:cxn modelId="{C2139037-A700-48DE-B0F4-E3C1C802B4A4}" srcId="{BD3A271C-AB5F-45C0-85C5-0E4AFC8F21D3}" destId="{62B1EFC7-68D4-4D29-B960-C77E325C6A19}" srcOrd="7" destOrd="0" parTransId="{21575D82-315D-4F50-96DF-F926403E5EE6}" sibTransId="{78AC5292-7160-4673-9B82-F65B31076502}"/>
+    <dgm:cxn modelId="{2E13C33D-F2ED-4F18-B082-D2E999DDE18C}" type="presOf" srcId="{62B1EFC7-68D4-4D29-B960-C77E325C6A19}" destId="{7A40511C-6666-4B90-AFDE-B982F1C0FA05}" srcOrd="0" destOrd="0" presId="urn:microsoft.com/office/officeart/2005/8/layout/cycle3"/>
+    <dgm:cxn modelId="{0381F942-6537-4B95-AA5B-031F40E63F65}" type="presOf" srcId="{4AF005C1-71E0-400E-B14E-843FE9A5BE21}" destId="{3616CE11-4F03-4352-ABE7-9612808C8025}" srcOrd="0" destOrd="0" presId="urn:microsoft.com/office/officeart/2005/8/layout/cycle3"/>
+    <dgm:cxn modelId="{35404A65-039D-43AE-BD6C-8EB51E348617}" type="presOf" srcId="{24582C24-CADA-4327-9B71-CA2031DE3FD2}" destId="{B96DE1E5-BF3D-4B72-A1F8-673E8FE82B15}" srcOrd="0" destOrd="0" presId="urn:microsoft.com/office/officeart/2005/8/layout/cycle3"/>
+    <dgm:cxn modelId="{601B206B-17DD-4E63-A1EA-971C94A849F2}" srcId="{BD3A271C-AB5F-45C0-85C5-0E4AFC8F21D3}" destId="{5BFCDD88-DD30-4D6A-BE28-F2EDC4C53C86}" srcOrd="6" destOrd="0" parTransId="{3E280F45-D51B-4C2F-929E-A22DB3272231}" sibTransId="{FABE3629-6C8B-4258-AE8A-301DD514245A}"/>
+    <dgm:cxn modelId="{B25B794B-9245-4668-80A6-3AF74939B5CE}" type="presOf" srcId="{1655A197-ABBE-4064-82E5-A1A5388DCA73}" destId="{EC8F9248-7F29-43A2-8591-3F0A94AFC6C0}" srcOrd="0" destOrd="0" presId="urn:microsoft.com/office/officeart/2005/8/layout/cycle3"/>
+    <dgm:cxn modelId="{6A056D6D-A626-44B2-B7C7-67B2B8E05767}" srcId="{BD3A271C-AB5F-45C0-85C5-0E4AFC8F21D3}" destId="{24582C24-CADA-4327-9B71-CA2031DE3FD2}" srcOrd="8" destOrd="0" parTransId="{870B61AB-DF57-4E4C-AA7D-B56C8297F2FF}" sibTransId="{22FB23D3-5309-4EA7-A201-44F6D5B2072F}"/>
+    <dgm:cxn modelId="{0BE0DB72-6858-4215-8482-AD07A25CFE80}" type="presOf" srcId="{A718E03F-41FE-4D83-B40D-311D25F83A52}" destId="{083D3C0D-4FB2-4D4D-806D-0A7E6777664A}" srcOrd="0" destOrd="0" presId="urn:microsoft.com/office/officeart/2005/8/layout/cycle3"/>
+    <dgm:cxn modelId="{63850156-0CF9-4B5E-88CA-AE21554C62A9}" type="presOf" srcId="{5CF69D70-98DB-4109-9216-47209FB5257C}" destId="{76811D9C-3226-40B6-9AA3-B1A7397CF959}" srcOrd="0" destOrd="0" presId="urn:microsoft.com/office/officeart/2005/8/layout/cycle3"/>
+    <dgm:cxn modelId="{4DCB6779-471B-4D1A-963D-1D6A6570B711}" srcId="{BD3A271C-AB5F-45C0-85C5-0E4AFC8F21D3}" destId="{AD4C5F56-3A6E-40E3-B18D-36CB0631983D}" srcOrd="10" destOrd="0" parTransId="{18803139-0B6C-448A-B57A-081C0664DBD8}" sibTransId="{F5C7BC8A-16FD-4D2A-9E05-F4FFCA8E3EAC}"/>
+    <dgm:cxn modelId="{D08F8C84-CA82-483B-A0F9-5F3C82C26D83}" type="presOf" srcId="{5121612D-3D49-4E45-8543-8AE8616A4AF6}" destId="{AEE931AC-51C5-417B-B039-238BFD072C56}" srcOrd="0" destOrd="0" presId="urn:microsoft.com/office/officeart/2005/8/layout/cycle3"/>
+    <dgm:cxn modelId="{FEDC7C85-DA48-4BD0-965C-07F5AD00E35C}" srcId="{BD3A271C-AB5F-45C0-85C5-0E4AFC8F21D3}" destId="{5CF69D70-98DB-4109-9216-47209FB5257C}" srcOrd="9" destOrd="0" parTransId="{B1FCF673-F918-4626-BE01-DBF252AAD178}" sibTransId="{E1E4968A-D4AF-479E-8C83-9F17069FC7AC}"/>
+    <dgm:cxn modelId="{72758A87-6FD5-4B1C-9687-EF857A141B05}" type="presOf" srcId="{934A78C5-0B4F-4C14-A2AB-8B9D33039A0A}" destId="{4ECF5AB2-B8CF-4803-885F-62826BF74B26}" srcOrd="0" destOrd="0" presId="urn:microsoft.com/office/officeart/2005/8/layout/cycle3"/>
+    <dgm:cxn modelId="{8D0EAA95-5B31-4DFF-AABF-78E5840C490D}" srcId="{BD3A271C-AB5F-45C0-85C5-0E4AFC8F21D3}" destId="{4AF005C1-71E0-400E-B14E-843FE9A5BE21}" srcOrd="2" destOrd="0" parTransId="{9E92F31F-E30E-48F9-B7FB-0975C7A886DC}" sibTransId="{FA6C7257-12C8-447B-B80F-DF990AB123AD}"/>
+    <dgm:cxn modelId="{54923CBF-BFE8-4CB6-8378-09FC5805016E}" type="presOf" srcId="{AD4C5F56-3A6E-40E3-B18D-36CB0631983D}" destId="{FDCC69F8-2114-4D5D-97C6-636687925D1F}" srcOrd="0" destOrd="0" presId="urn:microsoft.com/office/officeart/2005/8/layout/cycle3"/>
+    <dgm:cxn modelId="{582FB9DC-B35C-4B8B-A687-2D4292A52A7D}" type="presOf" srcId="{BD3A271C-AB5F-45C0-85C5-0E4AFC8F21D3}" destId="{66D5CB06-8DCE-4E0E-B74E-A3F3501D4C93}" srcOrd="0" destOrd="0" presId="urn:microsoft.com/office/officeart/2005/8/layout/cycle3"/>
+    <dgm:cxn modelId="{F075A6E0-3F88-43CD-AFEA-3D9BD3B6C94A}" type="presOf" srcId="{66CC4857-4E2C-4D61-9FA4-E4C10EA01BE0}" destId="{F0D9EE6E-97B2-48DE-B4A9-6A76093F1278}" srcOrd="0" destOrd="0" presId="urn:microsoft.com/office/officeart/2005/8/layout/cycle3"/>
+    <dgm:cxn modelId="{048C51EC-7FD5-4970-96FF-965255348EDB}" type="presOf" srcId="{CDE73D96-4062-45D1-B69B-0F23F8F12519}" destId="{767000A5-80CE-499B-ACC8-FE62AF5FBFA9}" srcOrd="0" destOrd="0" presId="urn:microsoft.com/office/officeart/2005/8/layout/cycle3"/>
+    <dgm:cxn modelId="{A5C571F0-26EA-4DFB-A165-8D357A9CA9BC}" srcId="{BD3A271C-AB5F-45C0-85C5-0E4AFC8F21D3}" destId="{934A78C5-0B4F-4C14-A2AB-8B9D33039A0A}" srcOrd="12" destOrd="0" parTransId="{BC6952D6-C7D2-4C32-86D6-1380C5235183}" sibTransId="{100B992B-2B39-4CD9-B93D-005F20C0A3D1}"/>
+    <dgm:cxn modelId="{DEFCB4F1-0EF6-4BA5-845D-28E5B28E607A}" srcId="{BD3A271C-AB5F-45C0-85C5-0E4AFC8F21D3}" destId="{5121612D-3D49-4E45-8543-8AE8616A4AF6}" srcOrd="3" destOrd="0" parTransId="{6BEA8F56-9641-4610-8E50-E468678CF27E}" sibTransId="{92359ACF-B27D-4CCD-8542-141AD11752F1}"/>
+    <dgm:cxn modelId="{E85C0BF3-C945-4D49-B5C9-577FD1476C4F}" srcId="{BD3A271C-AB5F-45C0-85C5-0E4AFC8F21D3}" destId="{66CC4857-4E2C-4D61-9FA4-E4C10EA01BE0}" srcOrd="13" destOrd="0" parTransId="{7AF19B2D-237C-4A0D-96CA-2ED5341545DF}" sibTransId="{9D64EB50-8DDF-43CE-BFFD-D360FC8E0B8C}"/>
+    <dgm:cxn modelId="{99AF11F7-0C4E-4C70-AF11-CC3F62DDF668}" srcId="{BD3A271C-AB5F-45C0-85C5-0E4AFC8F21D3}" destId="{D5BD51DA-1B3D-49F5-BAA2-AD0112E69D49}" srcOrd="15" destOrd="0" parTransId="{67921DFF-5C95-4D67-A241-2DD3F115F360}" sibTransId="{8294D95D-C8E2-4286-B966-B5911E5F1C36}"/>
+    <dgm:cxn modelId="{327164F8-FB51-4B51-91E5-DBB95E4B7891}" type="presOf" srcId="{5BFCDD88-DD30-4D6A-BE28-F2EDC4C53C86}" destId="{4D639225-29CA-40D2-9F93-FA73CC8266DF}" srcOrd="0" destOrd="0" presId="urn:microsoft.com/office/officeart/2005/8/layout/cycle3"/>
+    <dgm:cxn modelId="{445542F9-1B1D-481C-8E0A-2CD9AF6E852F}" srcId="{BD3A271C-AB5F-45C0-85C5-0E4AFC8F21D3}" destId="{D43CD14C-4BCC-4207-8A01-7B7BFB163502}" srcOrd="14" destOrd="0" parTransId="{5573601C-5DE4-45DF-B7C6-2B95F07F0D2E}" sibTransId="{034A4EC1-11F7-44DC-91C0-98BADCACF587}"/>
+    <dgm:cxn modelId="{14E31EFE-065B-4970-9DDE-4F8379252CAE}" type="presOf" srcId="{D5BD51DA-1B3D-49F5-BAA2-AD0112E69D49}" destId="{4F80CD65-4948-49E4-A2FB-5265E9873307}" srcOrd="0" destOrd="0" presId="urn:microsoft.com/office/officeart/2005/8/layout/cycle3"/>
+    <dgm:cxn modelId="{46BE7F81-43B6-4E8F-987E-D21F042EE0AE}" type="presParOf" srcId="{66D5CB06-8DCE-4E0E-B74E-A3F3501D4C93}" destId="{5F8EB124-322C-4234-827E-4BEC879B439E}" srcOrd="0" destOrd="0" presId="urn:microsoft.com/office/officeart/2005/8/layout/cycle3"/>
+    <dgm:cxn modelId="{96B0F7AA-58ED-44DE-935E-4ED8D5256CDC}" type="presParOf" srcId="{5F8EB124-322C-4234-827E-4BEC879B439E}" destId="{EC8F9248-7F29-43A2-8591-3F0A94AFC6C0}" srcOrd="0" destOrd="0" presId="urn:microsoft.com/office/officeart/2005/8/layout/cycle3"/>
+    <dgm:cxn modelId="{EDC75B8B-4FD0-4B3C-A5B5-9A3A7379F235}" type="presParOf" srcId="{5F8EB124-322C-4234-827E-4BEC879B439E}" destId="{8A9121C9-A39D-4788-8017-9DEAC231DC09}" srcOrd="1" destOrd="0" presId="urn:microsoft.com/office/officeart/2005/8/layout/cycle3"/>
+    <dgm:cxn modelId="{8DC3A910-E571-4F29-A9F3-05A59D301512}" type="presParOf" srcId="{5F8EB124-322C-4234-827E-4BEC879B439E}" destId="{083D3C0D-4FB2-4D4D-806D-0A7E6777664A}" srcOrd="2" destOrd="0" presId="urn:microsoft.com/office/officeart/2005/8/layout/cycle3"/>
+    <dgm:cxn modelId="{26E96969-D350-40DE-84C8-A4636F7F43FB}" type="presParOf" srcId="{5F8EB124-322C-4234-827E-4BEC879B439E}" destId="{3616CE11-4F03-4352-ABE7-9612808C8025}" srcOrd="3" destOrd="0" presId="urn:microsoft.com/office/officeart/2005/8/layout/cycle3"/>
+    <dgm:cxn modelId="{67646D88-F617-463A-AC5D-D063D6E298BD}" type="presParOf" srcId="{5F8EB124-322C-4234-827E-4BEC879B439E}" destId="{AEE931AC-51C5-417B-B039-238BFD072C56}" srcOrd="4" destOrd="0" presId="urn:microsoft.com/office/officeart/2005/8/layout/cycle3"/>
+    <dgm:cxn modelId="{2AF7E463-E806-4A5B-A8AF-E4CC2DD49F35}" type="presParOf" srcId="{5F8EB124-322C-4234-827E-4BEC879B439E}" destId="{3263BF4A-C5C6-4E5A-99A7-708B9B1462B5}" srcOrd="5" destOrd="0" presId="urn:microsoft.com/office/officeart/2005/8/layout/cycle3"/>
+    <dgm:cxn modelId="{23C3991D-3ECC-412F-853D-DDF107847FA7}" type="presParOf" srcId="{5F8EB124-322C-4234-827E-4BEC879B439E}" destId="{767000A5-80CE-499B-ACC8-FE62AF5FBFA9}" srcOrd="6" destOrd="0" presId="urn:microsoft.com/office/officeart/2005/8/layout/cycle3"/>
+    <dgm:cxn modelId="{07F26F93-3D6F-4099-9B1C-F447CB67FDF8}" type="presParOf" srcId="{5F8EB124-322C-4234-827E-4BEC879B439E}" destId="{4D639225-29CA-40D2-9F93-FA73CC8266DF}" srcOrd="7" destOrd="0" presId="urn:microsoft.com/office/officeart/2005/8/layout/cycle3"/>
+    <dgm:cxn modelId="{1EE3630C-BE28-4D26-A086-082716FAC996}" type="presParOf" srcId="{5F8EB124-322C-4234-827E-4BEC879B439E}" destId="{7A40511C-6666-4B90-AFDE-B982F1C0FA05}" srcOrd="8" destOrd="0" presId="urn:microsoft.com/office/officeart/2005/8/layout/cycle3"/>
+    <dgm:cxn modelId="{2FB6F188-B54A-4180-B628-044C26F9FB8E}" type="presParOf" srcId="{5F8EB124-322C-4234-827E-4BEC879B439E}" destId="{B96DE1E5-BF3D-4B72-A1F8-673E8FE82B15}" srcOrd="9" destOrd="0" presId="urn:microsoft.com/office/officeart/2005/8/layout/cycle3"/>
+    <dgm:cxn modelId="{52E87917-836C-4A4D-87BB-901C613CF935}" type="presParOf" srcId="{5F8EB124-322C-4234-827E-4BEC879B439E}" destId="{76811D9C-3226-40B6-9AA3-B1A7397CF959}" srcOrd="10" destOrd="0" presId="urn:microsoft.com/office/officeart/2005/8/layout/cycle3"/>
+    <dgm:cxn modelId="{7F351054-E90C-4B6E-ACCC-84F12EC344A0}" type="presParOf" srcId="{5F8EB124-322C-4234-827E-4BEC879B439E}" destId="{FDCC69F8-2114-4D5D-97C6-636687925D1F}" srcOrd="11" destOrd="0" presId="urn:microsoft.com/office/officeart/2005/8/layout/cycle3"/>
+    <dgm:cxn modelId="{F9467F6E-3228-48B5-9FF8-8F2F4D07ED42}" type="presParOf" srcId="{5F8EB124-322C-4234-827E-4BEC879B439E}" destId="{BFD4D046-0A32-4D26-A7DD-282426E92AA9}" srcOrd="12" destOrd="0" presId="urn:microsoft.com/office/officeart/2005/8/layout/cycle3"/>
+    <dgm:cxn modelId="{3345D469-A164-44B3-8706-B9C216900173}" type="presParOf" srcId="{5F8EB124-322C-4234-827E-4BEC879B439E}" destId="{4ECF5AB2-B8CF-4803-885F-62826BF74B26}" srcOrd="13" destOrd="0" presId="urn:microsoft.com/office/officeart/2005/8/layout/cycle3"/>
+    <dgm:cxn modelId="{9D8FD4D8-4368-437E-A56E-1B43CDAD1639}" type="presParOf" srcId="{5F8EB124-322C-4234-827E-4BEC879B439E}" destId="{F0D9EE6E-97B2-48DE-B4A9-6A76093F1278}" srcOrd="14" destOrd="0" presId="urn:microsoft.com/office/officeart/2005/8/layout/cycle3"/>
+    <dgm:cxn modelId="{19541B55-BDB5-4D4A-A3E3-87A0EAD1AAB3}" type="presParOf" srcId="{5F8EB124-322C-4234-827E-4BEC879B439E}" destId="{A31D35D3-E15F-4C1A-97DA-8737EC04BD49}" srcOrd="15" destOrd="0" presId="urn:microsoft.com/office/officeart/2005/8/layout/cycle3"/>
+    <dgm:cxn modelId="{90CE0026-E63E-477E-B69F-5A1BD84985CB}" type="presParOf" srcId="{5F8EB124-322C-4234-827E-4BEC879B439E}" destId="{4F80CD65-4948-49E4-A2FB-5265E9873307}" srcOrd="16" destOrd="0" presId="urn:microsoft.com/office/officeart/2005/8/layout/cycle3"/>
+    <dgm:cxn modelId="{E332D3E6-0010-4A64-B24B-AFE3BB1F9C33}" type="presParOf" srcId="{5F8EB124-322C-4234-827E-4BEC879B439E}" destId="{6181C285-9110-48C9-B94E-3E1011A95114}" srcOrd="17" destOrd="0" presId="urn:microsoft.com/office/officeart/2005/8/layout/cycle3"/>
+    <dgm:cxn modelId="{48C7B089-DE09-4ED2-BD4B-B32855B2C4A8}" type="presParOf" srcId="{5F8EB124-322C-4234-827E-4BEC879B439E}" destId="{FDB6E216-AD3F-4B79-BF2D-34962DD068FD}" srcOrd="18" destOrd="0" presId="urn:microsoft.com/office/officeart/2005/8/layout/cycle3"/>
+  </dgm:cxnLst>
+  <dgm:bg/>
+  <dgm:whole/>
+  <dgm:extLst>
+    <a:ext uri="http://schemas.microsoft.com/office/drawing/2008/diagram">
+      <dsp:dataModelExt xmlns:dsp="http://schemas.microsoft.com/office/drawing/2008/diagram" relId="rId6" minVer="http://schemas.openxmlformats.org/drawingml/2006/diagram"/>
+    </a:ext>
+  </dgm:extLst>
+</dgm:dataModel>
+</file>
+
+<file path=ppt/diagrams/drawing1.xml><?xml version="1.0" encoding="utf-8"?>
+<dsp:drawing xmlns:dgm="http://schemas.openxmlformats.org/drawingml/2006/diagram" xmlns:dsp="http://schemas.microsoft.com/office/drawing/2008/diagram" xmlns:a="http://schemas.openxmlformats.org/drawingml/2006/main">
+  <dsp:spTree>
+    <dsp:nvGrpSpPr>
+      <dsp:cNvPr id="0" name=""/>
+      <dsp:cNvGrpSpPr/>
+    </dsp:nvGrpSpPr>
+    <dsp:grpSpPr/>
+    <dsp:sp modelId="{8A9121C9-A39D-4788-8017-9DEAC231DC09}">
+      <dsp:nvSpPr>
+        <dsp:cNvPr id="0" name=""/>
+        <dsp:cNvSpPr/>
+      </dsp:nvSpPr>
+      <dsp:spPr>
+        <a:xfrm>
+          <a:off x="-140641" y="27790"/>
+          <a:ext cx="14681495" cy="14681495"/>
+        </a:xfrm>
+        <a:prstGeom prst="circularArrow">
+          <a:avLst>
+            <a:gd name="adj1" fmla="val 5544"/>
+            <a:gd name="adj2" fmla="val 330680"/>
+            <a:gd name="adj3" fmla="val 15268776"/>
+            <a:gd name="adj4" fmla="val 16528613"/>
+            <a:gd name="adj5" fmla="val 5757"/>
+          </a:avLst>
+        </a:prstGeom>
+        <a:solidFill>
+          <a:schemeClr val="dk2">
+            <a:tint val="40000"/>
+            <a:hueOff val="0"/>
+            <a:satOff val="0"/>
+            <a:lumOff val="0"/>
+            <a:alphaOff val="0"/>
+          </a:schemeClr>
+        </a:solidFill>
+        <a:ln>
+          <a:noFill/>
+        </a:ln>
+        <a:effectLst/>
+      </dsp:spPr>
+      <dsp:style>
+        <a:lnRef idx="0">
+          <a:scrgbClr r="0" g="0" b="0"/>
+        </a:lnRef>
+        <a:fillRef idx="1">
+          <a:scrgbClr r="0" g="0" b="0"/>
+        </a:fillRef>
+        <a:effectRef idx="0">
+          <a:scrgbClr r="0" g="0" b="0"/>
+        </a:effectRef>
+        <a:fontRef idx="minor"/>
+      </dsp:style>
+    </dsp:sp>
+    <dsp:sp modelId="{EC8F9248-7F29-43A2-8591-3F0A94AFC6C0}">
+      <dsp:nvSpPr>
+        <dsp:cNvPr id="0" name=""/>
+        <dsp:cNvSpPr/>
+      </dsp:nvSpPr>
+      <dsp:spPr>
+        <a:xfrm>
+          <a:off x="6170013" y="424293"/>
+          <a:ext cx="2060186" cy="1030093"/>
+        </a:xfrm>
+        <a:prstGeom prst="roundRect">
+          <a:avLst/>
+        </a:prstGeom>
+        <a:solidFill>
+          <a:srgbClr val="795548"/>
+        </a:solidFill>
+        <a:ln w="12700" cap="flat" cmpd="sng" algn="ctr">
+          <a:noFill/>
+          <a:prstDash val="solid"/>
+          <a:miter lim="800000"/>
+        </a:ln>
+        <a:effectLst/>
+      </dsp:spPr>
+      <dsp:style>
+        <a:lnRef idx="2">
+          <a:scrgbClr r="0" g="0" b="0"/>
+        </a:lnRef>
+        <a:fillRef idx="1">
+          <a:scrgbClr r="0" g="0" b="0"/>
+        </a:fillRef>
+        <a:effectRef idx="0">
+          <a:scrgbClr r="0" g="0" b="0"/>
+        </a:effectRef>
+        <a:fontRef idx="minor">
+          <a:schemeClr val="lt1"/>
+        </a:fontRef>
+      </dsp:style>
+      <dsp:txBody>
+        <a:bodyPr spcFirstLastPara="0" vert="horz" wrap="square" lIns="68580" tIns="68580" rIns="68580" bIns="68580" numCol="1" spcCol="1270" anchor="ctr" anchorCtr="0">
+          <a:noAutofit/>
+        </a:bodyPr>
+        <a:lstStyle/>
+        <a:p>
+          <a:pPr marL="0" lvl="0" indent="0" algn="ctr" defTabSz="800100">
+            <a:lnSpc>
+              <a:spcPct val="90000"/>
+            </a:lnSpc>
+            <a:spcBef>
+              <a:spcPct val="0"/>
+            </a:spcBef>
+            <a:spcAft>
+              <a:spcPct val="35000"/>
+            </a:spcAft>
+            <a:buNone/>
+          </a:pPr>
+          <a:r>
+            <a:rPr lang="fr-FR" sz="1800" b="1" i="0" kern="1200" dirty="0"/>
+            <a:t>0.</a:t>
+          </a:r>
+          <a:r>
+            <a:rPr lang="fr-FR" sz="1800" b="1" i="1" kern="1200" dirty="0"/>
+            <a:t> </a:t>
+          </a:r>
+          <a:r>
+            <a:rPr lang="fr-FR" sz="1800" b="1" i="0" kern="1200" dirty="0" err="1"/>
+            <a:t>Stability</a:t>
+          </a:r>
+          <a:endParaRPr lang="en-GB" sz="1800" b="1" i="1" kern="1200" dirty="0"/>
+        </a:p>
+      </dsp:txBody>
+      <dsp:txXfrm>
+        <a:off x="6220298" y="474578"/>
+        <a:ext cx="1959616" cy="929523"/>
+      </dsp:txXfrm>
+    </dsp:sp>
+    <dsp:sp modelId="{083D3C0D-4FB2-4D4D-806D-0A7E6777664A}">
+      <dsp:nvSpPr>
+        <dsp:cNvPr id="0" name=""/>
+        <dsp:cNvSpPr/>
+      </dsp:nvSpPr>
+      <dsp:spPr>
+        <a:xfrm>
+          <a:off x="8311321" y="801863"/>
+          <a:ext cx="2060186" cy="1030093"/>
+        </a:xfrm>
+        <a:prstGeom prst="roundRect">
+          <a:avLst/>
+        </a:prstGeom>
+        <a:solidFill>
+          <a:srgbClr val="B4650E"/>
+        </a:solidFill>
+        <a:ln w="12700" cap="flat" cmpd="sng" algn="ctr">
+          <a:noFill/>
+          <a:prstDash val="solid"/>
+          <a:miter lim="800000"/>
+        </a:ln>
+        <a:effectLst/>
+      </dsp:spPr>
+      <dsp:style>
+        <a:lnRef idx="2">
+          <a:scrgbClr r="0" g="0" b="0"/>
+        </a:lnRef>
+        <a:fillRef idx="1">
+          <a:scrgbClr r="0" g="0" b="0"/>
+        </a:fillRef>
+        <a:effectRef idx="0">
+          <a:scrgbClr r="0" g="0" b="0"/>
+        </a:effectRef>
+        <a:fontRef idx="minor">
+          <a:schemeClr val="lt1"/>
+        </a:fontRef>
+      </dsp:style>
+      <dsp:txBody>
+        <a:bodyPr spcFirstLastPara="0" vert="horz" wrap="square" lIns="68580" tIns="68580" rIns="68580" bIns="68580" numCol="1" spcCol="1270" anchor="ctr" anchorCtr="0">
+          <a:noAutofit/>
+        </a:bodyPr>
+        <a:lstStyle/>
+        <a:p>
+          <a:pPr marL="0" lvl="0" indent="0" algn="ctr" defTabSz="800100">
+            <a:lnSpc>
+              <a:spcPct val="90000"/>
+            </a:lnSpc>
+            <a:spcBef>
+              <a:spcPct val="0"/>
+            </a:spcBef>
+            <a:spcAft>
+              <a:spcPct val="35000"/>
+            </a:spcAft>
+            <a:buNone/>
+          </a:pPr>
+          <a:r>
+            <a:rPr lang="fr-FR" sz="1800" b="1" i="0" kern="1200" dirty="0"/>
+            <a:t>1. </a:t>
+          </a:r>
+          <a:r>
+            <a:rPr lang="fr-FR" sz="1800" b="1" kern="1200" dirty="0"/>
+            <a:t>C</a:t>
+          </a:r>
+          <a:r>
+            <a:rPr lang="en-GB" sz="1800" b="1" i="0" kern="1200" dirty="0"/>
+            <a:t>all to adventure</a:t>
+          </a:r>
+          <a:endParaRPr lang="en-GB" sz="1800" b="1" kern="1200" dirty="0"/>
+        </a:p>
+      </dsp:txBody>
+      <dsp:txXfrm>
+        <a:off x="8361606" y="852148"/>
+        <a:ext cx="1959616" cy="929523"/>
+      </dsp:txXfrm>
+    </dsp:sp>
+    <dsp:sp modelId="{3616CE11-4F03-4352-ABE7-9612808C8025}">
+      <dsp:nvSpPr>
+        <dsp:cNvPr id="0" name=""/>
+        <dsp:cNvSpPr/>
+      </dsp:nvSpPr>
+      <dsp:spPr>
+        <a:xfrm>
+          <a:off x="10194355" y="1889034"/>
+          <a:ext cx="2060186" cy="1030093"/>
+        </a:xfrm>
+        <a:prstGeom prst="roundRect">
+          <a:avLst/>
+        </a:prstGeom>
+        <a:solidFill>
+          <a:srgbClr val="FF9800"/>
+        </a:solidFill>
+        <a:ln w="12700" cap="flat" cmpd="sng" algn="ctr">
+          <a:noFill/>
+          <a:prstDash val="solid"/>
+          <a:miter lim="800000"/>
+        </a:ln>
+        <a:effectLst/>
+      </dsp:spPr>
+      <dsp:style>
+        <a:lnRef idx="2">
+          <a:scrgbClr r="0" g="0" b="0"/>
+        </a:lnRef>
+        <a:fillRef idx="1">
+          <a:scrgbClr r="0" g="0" b="0"/>
+        </a:fillRef>
+        <a:effectRef idx="0">
+          <a:scrgbClr r="0" g="0" b="0"/>
+        </a:effectRef>
+        <a:fontRef idx="minor">
+          <a:schemeClr val="lt1"/>
+        </a:fontRef>
+      </dsp:style>
+      <dsp:txBody>
+        <a:bodyPr spcFirstLastPara="0" vert="horz" wrap="square" lIns="68580" tIns="68580" rIns="68580" bIns="68580" numCol="1" spcCol="1270" anchor="ctr" anchorCtr="0">
+          <a:noAutofit/>
+        </a:bodyPr>
+        <a:lstStyle/>
+        <a:p>
+          <a:pPr marL="0" lvl="0" indent="0" algn="ctr" defTabSz="800100">
+            <a:lnSpc>
+              <a:spcPct val="90000"/>
+            </a:lnSpc>
+            <a:spcBef>
+              <a:spcPct val="0"/>
+            </a:spcBef>
+            <a:spcAft>
+              <a:spcPct val="35000"/>
+            </a:spcAft>
+            <a:buNone/>
+          </a:pPr>
+          <a:r>
+            <a:rPr lang="fr-FR" sz="1800" b="1" kern="1200" dirty="0"/>
+            <a:t>2. </a:t>
+          </a:r>
+          <a:r>
+            <a:rPr lang="en-GB" sz="1800" b="1" i="0" kern="1200" dirty="0"/>
+            <a:t>Refusal of the call</a:t>
+          </a:r>
+          <a:endParaRPr lang="en-GB" sz="1800" b="1" kern="1200" dirty="0"/>
+        </a:p>
+      </dsp:txBody>
+      <dsp:txXfrm>
+        <a:off x="10244640" y="1939319"/>
+        <a:ext cx="1959616" cy="929523"/>
+      </dsp:txXfrm>
+    </dsp:sp>
+    <dsp:sp modelId="{AEE931AC-51C5-417B-B039-238BFD072C56}">
+      <dsp:nvSpPr>
+        <dsp:cNvPr id="0" name=""/>
+        <dsp:cNvSpPr/>
+      </dsp:nvSpPr>
+      <dsp:spPr>
+        <a:xfrm>
+          <a:off x="11591995" y="3554676"/>
+          <a:ext cx="2060186" cy="1030093"/>
+        </a:xfrm>
+        <a:prstGeom prst="roundRect">
+          <a:avLst/>
+        </a:prstGeom>
+        <a:solidFill>
+          <a:srgbClr val="FF5722"/>
+        </a:solidFill>
+        <a:ln w="12700" cap="flat" cmpd="sng" algn="ctr">
+          <a:noFill/>
+          <a:prstDash val="solid"/>
+          <a:miter lim="800000"/>
+        </a:ln>
+        <a:effectLst/>
+      </dsp:spPr>
+      <dsp:style>
+        <a:lnRef idx="2">
+          <a:scrgbClr r="0" g="0" b="0"/>
+        </a:lnRef>
+        <a:fillRef idx="1">
+          <a:scrgbClr r="0" g="0" b="0"/>
+        </a:fillRef>
+        <a:effectRef idx="0">
+          <a:scrgbClr r="0" g="0" b="0"/>
+        </a:effectRef>
+        <a:fontRef idx="minor">
+          <a:schemeClr val="lt1"/>
+        </a:fontRef>
+      </dsp:style>
+      <dsp:txBody>
+        <a:bodyPr spcFirstLastPara="0" vert="horz" wrap="square" lIns="68580" tIns="68580" rIns="68580" bIns="68580" numCol="1" spcCol="1270" anchor="ctr" anchorCtr="0">
+          <a:noAutofit/>
+        </a:bodyPr>
+        <a:lstStyle/>
+        <a:p>
+          <a:pPr marL="0" lvl="0" indent="0" algn="ctr" defTabSz="800100">
+            <a:lnSpc>
+              <a:spcPct val="90000"/>
+            </a:lnSpc>
+            <a:spcBef>
+              <a:spcPct val="0"/>
+            </a:spcBef>
+            <a:spcAft>
+              <a:spcPct val="35000"/>
+            </a:spcAft>
+            <a:buNone/>
+          </a:pPr>
+          <a:r>
+            <a:rPr lang="fr-FR" sz="1800" b="1" kern="1200" dirty="0"/>
+            <a:t>3. </a:t>
+          </a:r>
+          <a:r>
+            <a:rPr lang="en-GB" sz="1800" b="1" i="0" kern="1200" dirty="0"/>
+            <a:t>Supernatural aid</a:t>
+          </a:r>
+          <a:endParaRPr lang="en-GB" sz="1800" b="1" kern="1200" dirty="0"/>
+        </a:p>
+      </dsp:txBody>
+      <dsp:txXfrm>
+        <a:off x="11642280" y="3604961"/>
+        <a:ext cx="1959616" cy="929523"/>
+      </dsp:txXfrm>
+    </dsp:sp>
+    <dsp:sp modelId="{3263BF4A-C5C6-4E5A-99A7-708B9B1462B5}">
+      <dsp:nvSpPr>
+        <dsp:cNvPr id="0" name=""/>
+        <dsp:cNvSpPr/>
+      </dsp:nvSpPr>
+      <dsp:spPr>
+        <a:xfrm>
+          <a:off x="12335663" y="5597888"/>
+          <a:ext cx="2060186" cy="1030093"/>
+        </a:xfrm>
+        <a:prstGeom prst="roundRect">
+          <a:avLst/>
+        </a:prstGeom>
+        <a:solidFill>
+          <a:srgbClr val="F44336"/>
+        </a:solidFill>
+        <a:ln w="12700" cap="flat" cmpd="sng" algn="ctr">
+          <a:noFill/>
+          <a:prstDash val="solid"/>
+          <a:miter lim="800000"/>
+        </a:ln>
+        <a:effectLst/>
+      </dsp:spPr>
+      <dsp:style>
+        <a:lnRef idx="2">
+          <a:scrgbClr r="0" g="0" b="0"/>
+        </a:lnRef>
+        <a:fillRef idx="1">
+          <a:scrgbClr r="0" g="0" b="0"/>
+        </a:fillRef>
+        <a:effectRef idx="0">
+          <a:scrgbClr r="0" g="0" b="0"/>
+        </a:effectRef>
+        <a:fontRef idx="minor">
+          <a:schemeClr val="lt1"/>
+        </a:fontRef>
+      </dsp:style>
+      <dsp:txBody>
+        <a:bodyPr spcFirstLastPara="0" vert="horz" wrap="square" lIns="68580" tIns="68580" rIns="68580" bIns="68580" numCol="1" spcCol="1270" anchor="ctr" anchorCtr="0">
+          <a:noAutofit/>
+        </a:bodyPr>
+        <a:lstStyle/>
+        <a:p>
+          <a:pPr marL="0" lvl="0" indent="0" algn="ctr" defTabSz="800100">
+            <a:lnSpc>
+              <a:spcPct val="90000"/>
+            </a:lnSpc>
+            <a:spcBef>
+              <a:spcPct val="0"/>
+            </a:spcBef>
+            <a:spcAft>
+              <a:spcPct val="35000"/>
+            </a:spcAft>
+            <a:buNone/>
+          </a:pPr>
+          <a:r>
+            <a:rPr lang="fr-FR" sz="1800" b="1" kern="1200" dirty="0"/>
+            <a:t>4. </a:t>
+          </a:r>
+          <a:r>
+            <a:rPr lang="en-GB" sz="1800" b="1" i="0" kern="1200" dirty="0"/>
+            <a:t>Crossing the threshold</a:t>
+          </a:r>
+          <a:endParaRPr lang="en-GB" sz="1800" b="1" kern="1200" dirty="0"/>
+        </a:p>
+      </dsp:txBody>
+      <dsp:txXfrm>
+        <a:off x="12385948" y="5648173"/>
+        <a:ext cx="1959616" cy="929523"/>
+      </dsp:txXfrm>
+    </dsp:sp>
+    <dsp:sp modelId="{767000A5-80CE-499B-ACC8-FE62AF5FBFA9}">
+      <dsp:nvSpPr>
+        <dsp:cNvPr id="0" name=""/>
+        <dsp:cNvSpPr/>
+      </dsp:nvSpPr>
+      <dsp:spPr>
+        <a:xfrm>
+          <a:off x="12335663" y="7772229"/>
+          <a:ext cx="2060186" cy="1030093"/>
+        </a:xfrm>
+        <a:prstGeom prst="roundRect">
+          <a:avLst/>
+        </a:prstGeom>
+        <a:solidFill>
+          <a:srgbClr val="E91E63"/>
+        </a:solidFill>
+        <a:ln w="12700" cap="flat" cmpd="sng" algn="ctr">
+          <a:noFill/>
+          <a:prstDash val="solid"/>
+          <a:miter lim="800000"/>
+        </a:ln>
+        <a:effectLst/>
+      </dsp:spPr>
+      <dsp:style>
+        <a:lnRef idx="2">
+          <a:scrgbClr r="0" g="0" b="0"/>
+        </a:lnRef>
+        <a:fillRef idx="1">
+          <a:scrgbClr r="0" g="0" b="0"/>
+        </a:fillRef>
+        <a:effectRef idx="0">
+          <a:scrgbClr r="0" g="0" b="0"/>
+        </a:effectRef>
+        <a:fontRef idx="minor">
+          <a:schemeClr val="lt1"/>
+        </a:fontRef>
+      </dsp:style>
+      <dsp:txBody>
+        <a:bodyPr spcFirstLastPara="0" vert="horz" wrap="square" lIns="68580" tIns="68580" rIns="68580" bIns="68580" numCol="1" spcCol="1270" anchor="ctr" anchorCtr="0">
+          <a:noAutofit/>
+        </a:bodyPr>
+        <a:lstStyle/>
+        <a:p>
+          <a:pPr marL="0" lvl="0" indent="0" algn="ctr" defTabSz="800100">
+            <a:lnSpc>
+              <a:spcPct val="90000"/>
+            </a:lnSpc>
+            <a:spcBef>
+              <a:spcPct val="0"/>
+            </a:spcBef>
+            <a:spcAft>
+              <a:spcPct val="35000"/>
+            </a:spcAft>
+            <a:buNone/>
+          </a:pPr>
+          <a:r>
+            <a:rPr lang="fr-FR" sz="1800" b="1" kern="1200" dirty="0"/>
+            <a:t>5. </a:t>
+          </a:r>
+          <a:r>
+            <a:rPr lang="en-GB" sz="1800" b="1" i="0" kern="1200" dirty="0"/>
+            <a:t>Belly of the whale</a:t>
+          </a:r>
+          <a:endParaRPr lang="en-GB" sz="1800" b="1" kern="1200" dirty="0"/>
+        </a:p>
+      </dsp:txBody>
+      <dsp:txXfrm>
+        <a:off x="12385948" y="7822514"/>
+        <a:ext cx="1959616" cy="929523"/>
+      </dsp:txXfrm>
+    </dsp:sp>
+    <dsp:sp modelId="{4D639225-29CA-40D2-9F93-FA73CC8266DF}">
+      <dsp:nvSpPr>
+        <dsp:cNvPr id="0" name=""/>
+        <dsp:cNvSpPr/>
+      </dsp:nvSpPr>
+      <dsp:spPr>
+        <a:xfrm>
+          <a:off x="11591995" y="9815442"/>
+          <a:ext cx="2060186" cy="1030093"/>
+        </a:xfrm>
+        <a:prstGeom prst="roundRect">
+          <a:avLst/>
+        </a:prstGeom>
+        <a:solidFill>
+          <a:srgbClr val="00BCD4"/>
+        </a:solidFill>
+        <a:ln w="12700" cap="flat" cmpd="sng" algn="ctr">
+          <a:noFill/>
+          <a:prstDash val="solid"/>
+          <a:miter lim="800000"/>
+        </a:ln>
+        <a:effectLst/>
+      </dsp:spPr>
+      <dsp:style>
+        <a:lnRef idx="2">
+          <a:scrgbClr r="0" g="0" b="0"/>
+        </a:lnRef>
+        <a:fillRef idx="1">
+          <a:scrgbClr r="0" g="0" b="0"/>
+        </a:fillRef>
+        <a:effectRef idx="0">
+          <a:scrgbClr r="0" g="0" b="0"/>
+        </a:effectRef>
+        <a:fontRef idx="minor">
+          <a:schemeClr val="lt1"/>
+        </a:fontRef>
+      </dsp:style>
+      <dsp:txBody>
+        <a:bodyPr spcFirstLastPara="0" vert="horz" wrap="square" lIns="68580" tIns="68580" rIns="68580" bIns="68580" numCol="1" spcCol="1270" anchor="ctr" anchorCtr="0">
+          <a:noAutofit/>
+        </a:bodyPr>
+        <a:lstStyle/>
+        <a:p>
+          <a:pPr marL="0" lvl="0" indent="0" algn="ctr" defTabSz="800100">
+            <a:lnSpc>
+              <a:spcPct val="90000"/>
+            </a:lnSpc>
+            <a:spcBef>
+              <a:spcPct val="0"/>
+            </a:spcBef>
+            <a:spcAft>
+              <a:spcPct val="35000"/>
+            </a:spcAft>
+            <a:buNone/>
+          </a:pPr>
+          <a:r>
+            <a:rPr lang="fr-FR" sz="1800" b="1" kern="1200" dirty="0"/>
+            <a:t>6. </a:t>
+          </a:r>
+          <a:r>
+            <a:rPr lang="en-GB" sz="1800" b="1" i="0" kern="1200" dirty="0"/>
+            <a:t>The road of trials</a:t>
+          </a:r>
+          <a:endParaRPr lang="en-GB" sz="1800" b="1" kern="1200" dirty="0"/>
+        </a:p>
+      </dsp:txBody>
+      <dsp:txXfrm>
+        <a:off x="11642280" y="9865727"/>
+        <a:ext cx="1959616" cy="929523"/>
+      </dsp:txXfrm>
+    </dsp:sp>
+    <dsp:sp modelId="{7A40511C-6666-4B90-AFDE-B982F1C0FA05}">
+      <dsp:nvSpPr>
+        <dsp:cNvPr id="0" name=""/>
+        <dsp:cNvSpPr/>
+      </dsp:nvSpPr>
+      <dsp:spPr>
+        <a:xfrm>
+          <a:off x="10194355" y="11481084"/>
+          <a:ext cx="2060186" cy="1030093"/>
+        </a:xfrm>
+        <a:prstGeom prst="roundRect">
+          <a:avLst/>
+        </a:prstGeom>
+        <a:solidFill>
+          <a:srgbClr val="03A9F4"/>
+        </a:solidFill>
+        <a:ln w="12700" cap="flat" cmpd="sng" algn="ctr">
+          <a:noFill/>
+          <a:prstDash val="solid"/>
+          <a:miter lim="800000"/>
+        </a:ln>
+        <a:effectLst/>
+      </dsp:spPr>
+      <dsp:style>
+        <a:lnRef idx="2">
+          <a:scrgbClr r="0" g="0" b="0"/>
+        </a:lnRef>
+        <a:fillRef idx="1">
+          <a:scrgbClr r="0" g="0" b="0"/>
+        </a:fillRef>
+        <a:effectRef idx="0">
+          <a:scrgbClr r="0" g="0" b="0"/>
+        </a:effectRef>
+        <a:fontRef idx="minor">
+          <a:schemeClr val="lt1"/>
+        </a:fontRef>
+      </dsp:style>
+      <dsp:txBody>
+        <a:bodyPr spcFirstLastPara="0" vert="horz" wrap="square" lIns="68580" tIns="68580" rIns="68580" bIns="68580" numCol="1" spcCol="1270" anchor="ctr" anchorCtr="0">
+          <a:noAutofit/>
+        </a:bodyPr>
+        <a:lstStyle/>
+        <a:p>
+          <a:pPr marL="0" lvl="0" indent="0" algn="ctr" defTabSz="800100">
+            <a:lnSpc>
+              <a:spcPct val="90000"/>
+            </a:lnSpc>
+            <a:spcBef>
+              <a:spcPct val="0"/>
+            </a:spcBef>
+            <a:spcAft>
+              <a:spcPct val="35000"/>
+            </a:spcAft>
+            <a:buNone/>
+          </a:pPr>
+          <a:r>
+            <a:rPr lang="fr-FR" sz="1800" b="1" kern="1200" dirty="0"/>
+            <a:t>7. </a:t>
+          </a:r>
+          <a:r>
+            <a:rPr lang="en-GB" sz="1800" b="1" i="0" kern="1200" dirty="0"/>
+            <a:t>The meeting with the goddess</a:t>
+          </a:r>
+          <a:endParaRPr lang="en-GB" sz="1800" b="1" kern="1200" dirty="0"/>
+        </a:p>
+      </dsp:txBody>
+      <dsp:txXfrm>
+        <a:off x="10244640" y="11531369"/>
+        <a:ext cx="1959616" cy="929523"/>
+      </dsp:txXfrm>
+    </dsp:sp>
+    <dsp:sp modelId="{B96DE1E5-BF3D-4B72-A1F8-673E8FE82B15}">
+      <dsp:nvSpPr>
+        <dsp:cNvPr id="0" name=""/>
+        <dsp:cNvSpPr/>
+      </dsp:nvSpPr>
+      <dsp:spPr>
+        <a:xfrm>
+          <a:off x="8311321" y="12568254"/>
+          <a:ext cx="2060186" cy="1030093"/>
+        </a:xfrm>
+        <a:prstGeom prst="roundRect">
+          <a:avLst/>
+        </a:prstGeom>
+        <a:solidFill>
+          <a:srgbClr val="2196F3"/>
+        </a:solidFill>
+        <a:ln w="12700" cap="flat" cmpd="sng" algn="ctr">
+          <a:noFill/>
+          <a:prstDash val="solid"/>
+          <a:miter lim="800000"/>
+        </a:ln>
+        <a:effectLst/>
+      </dsp:spPr>
+      <dsp:style>
+        <a:lnRef idx="2">
+          <a:scrgbClr r="0" g="0" b="0"/>
+        </a:lnRef>
+        <a:fillRef idx="1">
+          <a:scrgbClr r="0" g="0" b="0"/>
+        </a:fillRef>
+        <a:effectRef idx="0">
+          <a:scrgbClr r="0" g="0" b="0"/>
+        </a:effectRef>
+        <a:fontRef idx="minor">
+          <a:schemeClr val="lt1"/>
+        </a:fontRef>
+      </dsp:style>
+      <dsp:txBody>
+        <a:bodyPr spcFirstLastPara="0" vert="horz" wrap="square" lIns="68580" tIns="68580" rIns="68580" bIns="68580" numCol="1" spcCol="1270" anchor="ctr" anchorCtr="0">
+          <a:noAutofit/>
+        </a:bodyPr>
+        <a:lstStyle/>
+        <a:p>
+          <a:pPr marL="0" lvl="0" indent="0" algn="ctr" defTabSz="800100">
+            <a:lnSpc>
+              <a:spcPct val="90000"/>
+            </a:lnSpc>
+            <a:spcBef>
+              <a:spcPct val="0"/>
+            </a:spcBef>
+            <a:spcAft>
+              <a:spcPct val="35000"/>
+            </a:spcAft>
+            <a:buNone/>
+          </a:pPr>
+          <a:r>
+            <a:rPr lang="fr-FR" sz="1800" b="1" kern="1200" dirty="0"/>
+            <a:t>8. </a:t>
+          </a:r>
+          <a:r>
+            <a:rPr lang="en-GB" sz="1800" b="1" i="0" kern="1200" dirty="0"/>
+            <a:t>Woman as temptress</a:t>
+          </a:r>
+          <a:endParaRPr lang="en-GB" sz="1800" b="1" kern="1200" dirty="0"/>
+        </a:p>
+      </dsp:txBody>
+      <dsp:txXfrm>
+        <a:off x="8361606" y="12618539"/>
+        <a:ext cx="1959616" cy="929523"/>
+      </dsp:txXfrm>
+    </dsp:sp>
+    <dsp:sp modelId="{76811D9C-3226-40B6-9AA3-B1A7397CF959}">
+      <dsp:nvSpPr>
+        <dsp:cNvPr id="0" name=""/>
+        <dsp:cNvSpPr/>
+      </dsp:nvSpPr>
+      <dsp:spPr>
+        <a:xfrm>
+          <a:off x="6170013" y="12945825"/>
+          <a:ext cx="2060186" cy="1030093"/>
+        </a:xfrm>
+        <a:prstGeom prst="roundRect">
+          <a:avLst/>
+        </a:prstGeom>
+        <a:solidFill>
+          <a:srgbClr val="3F51B5"/>
+        </a:solidFill>
+        <a:ln w="12700" cap="flat" cmpd="sng" algn="ctr">
+          <a:noFill/>
+          <a:prstDash val="solid"/>
+          <a:miter lim="800000"/>
+        </a:ln>
+        <a:effectLst/>
+      </dsp:spPr>
+      <dsp:style>
+        <a:lnRef idx="2">
+          <a:scrgbClr r="0" g="0" b="0"/>
+        </a:lnRef>
+        <a:fillRef idx="1">
+          <a:scrgbClr r="0" g="0" b="0"/>
+        </a:fillRef>
+        <a:effectRef idx="0">
+          <a:scrgbClr r="0" g="0" b="0"/>
+        </a:effectRef>
+        <a:fontRef idx="minor">
+          <a:schemeClr val="lt1"/>
+        </a:fontRef>
+      </dsp:style>
+      <dsp:txBody>
+        <a:bodyPr spcFirstLastPara="0" vert="horz" wrap="square" lIns="68580" tIns="68580" rIns="68580" bIns="68580" numCol="1" spcCol="1270" anchor="ctr" anchorCtr="0">
+          <a:noAutofit/>
+        </a:bodyPr>
+        <a:lstStyle/>
+        <a:p>
+          <a:pPr marL="0" lvl="0" indent="0" algn="ctr" defTabSz="800100">
+            <a:lnSpc>
+              <a:spcPct val="90000"/>
+            </a:lnSpc>
+            <a:spcBef>
+              <a:spcPct val="0"/>
+            </a:spcBef>
+            <a:spcAft>
+              <a:spcPct val="35000"/>
+            </a:spcAft>
+            <a:buNone/>
+          </a:pPr>
+          <a:r>
+            <a:rPr lang="fr-FR" sz="1800" b="1" kern="1200" dirty="0"/>
+            <a:t>9. </a:t>
+          </a:r>
+          <a:r>
+            <a:rPr lang="en-GB" sz="1800" b="1" i="0" kern="1200" dirty="0"/>
+            <a:t>Atonement with the father</a:t>
+          </a:r>
+          <a:endParaRPr lang="en-GB" sz="1800" b="1" kern="1200" dirty="0"/>
+        </a:p>
+      </dsp:txBody>
+      <dsp:txXfrm>
+        <a:off x="6220298" y="12996110"/>
+        <a:ext cx="1959616" cy="929523"/>
+      </dsp:txXfrm>
+    </dsp:sp>
+    <dsp:sp modelId="{FDCC69F8-2114-4D5D-97C6-636687925D1F}">
+      <dsp:nvSpPr>
+        <dsp:cNvPr id="0" name=""/>
+        <dsp:cNvSpPr/>
+      </dsp:nvSpPr>
+      <dsp:spPr>
+        <a:xfrm>
+          <a:off x="4028705" y="12568254"/>
+          <a:ext cx="2060186" cy="1030093"/>
+        </a:xfrm>
+        <a:prstGeom prst="roundRect">
+          <a:avLst/>
+        </a:prstGeom>
+        <a:solidFill>
+          <a:srgbClr val="673AB7"/>
+        </a:solidFill>
+        <a:ln w="12700" cap="flat" cmpd="sng" algn="ctr">
+          <a:noFill/>
+          <a:prstDash val="solid"/>
+          <a:miter lim="800000"/>
+        </a:ln>
+        <a:effectLst/>
+      </dsp:spPr>
+      <dsp:style>
+        <a:lnRef idx="2">
+          <a:scrgbClr r="0" g="0" b="0"/>
+        </a:lnRef>
+        <a:fillRef idx="1">
+          <a:scrgbClr r="0" g="0" b="0"/>
+        </a:fillRef>
+        <a:effectRef idx="0">
+          <a:scrgbClr r="0" g="0" b="0"/>
+        </a:effectRef>
+        <a:fontRef idx="minor">
+          <a:schemeClr val="lt1"/>
+        </a:fontRef>
+      </dsp:style>
+      <dsp:txBody>
+        <a:bodyPr spcFirstLastPara="0" vert="horz" wrap="square" lIns="68580" tIns="68580" rIns="68580" bIns="68580" numCol="1" spcCol="1270" anchor="ctr" anchorCtr="0">
+          <a:noAutofit/>
+        </a:bodyPr>
+        <a:lstStyle/>
+        <a:p>
+          <a:pPr marL="0" lvl="0" indent="0" algn="ctr" defTabSz="800100">
+            <a:lnSpc>
+              <a:spcPct val="90000"/>
+            </a:lnSpc>
+            <a:spcBef>
+              <a:spcPct val="0"/>
+            </a:spcBef>
+            <a:spcAft>
+              <a:spcPct val="35000"/>
+            </a:spcAft>
+            <a:buNone/>
+          </a:pPr>
+          <a:r>
+            <a:rPr lang="fr-FR" sz="1800" b="1" kern="1200" dirty="0"/>
+            <a:t>10. </a:t>
+          </a:r>
+          <a:r>
+            <a:rPr lang="en-GB" sz="1800" b="1" i="0" kern="1200" dirty="0"/>
+            <a:t>Apotheosis</a:t>
+          </a:r>
+          <a:endParaRPr lang="en-GB" sz="1800" b="1" kern="1200" dirty="0"/>
+        </a:p>
+      </dsp:txBody>
+      <dsp:txXfrm>
+        <a:off x="4078990" y="12618539"/>
+        <a:ext cx="1959616" cy="929523"/>
+      </dsp:txXfrm>
+    </dsp:sp>
+    <dsp:sp modelId="{BFD4D046-0A32-4D26-A7DD-282426E92AA9}">
+      <dsp:nvSpPr>
+        <dsp:cNvPr id="0" name=""/>
+        <dsp:cNvSpPr/>
+      </dsp:nvSpPr>
+      <dsp:spPr>
+        <a:xfrm>
+          <a:off x="2145670" y="11481084"/>
+          <a:ext cx="2060186" cy="1030093"/>
+        </a:xfrm>
+        <a:prstGeom prst="roundRect">
+          <a:avLst/>
+        </a:prstGeom>
+        <a:solidFill>
+          <a:srgbClr val="9C27B0"/>
+        </a:solidFill>
+        <a:ln w="12700" cap="flat" cmpd="sng" algn="ctr">
+          <a:noFill/>
+          <a:prstDash val="solid"/>
+          <a:miter lim="800000"/>
+        </a:ln>
+        <a:effectLst/>
+      </dsp:spPr>
+      <dsp:style>
+        <a:lnRef idx="2">
+          <a:scrgbClr r="0" g="0" b="0"/>
+        </a:lnRef>
+        <a:fillRef idx="1">
+          <a:scrgbClr r="0" g="0" b="0"/>
+        </a:fillRef>
+        <a:effectRef idx="0">
+          <a:scrgbClr r="0" g="0" b="0"/>
+        </a:effectRef>
+        <a:fontRef idx="minor">
+          <a:schemeClr val="lt1"/>
+        </a:fontRef>
+      </dsp:style>
+      <dsp:txBody>
+        <a:bodyPr spcFirstLastPara="0" vert="horz" wrap="square" lIns="68580" tIns="68580" rIns="68580" bIns="68580" numCol="1" spcCol="1270" anchor="ctr" anchorCtr="0">
+          <a:noAutofit/>
+        </a:bodyPr>
+        <a:lstStyle/>
+        <a:p>
+          <a:pPr marL="0" lvl="0" indent="0" algn="ctr" defTabSz="800100">
+            <a:lnSpc>
+              <a:spcPct val="90000"/>
+            </a:lnSpc>
+            <a:spcBef>
+              <a:spcPct val="0"/>
+            </a:spcBef>
+            <a:spcAft>
+              <a:spcPct val="35000"/>
+            </a:spcAft>
+            <a:buNone/>
+          </a:pPr>
+          <a:r>
+            <a:rPr lang="fr-FR" sz="1800" b="1" kern="1200" dirty="0"/>
+            <a:t>11. </a:t>
+          </a:r>
+          <a:r>
+            <a:rPr lang="en-GB" sz="1800" b="1" i="0" kern="1200" dirty="0"/>
+            <a:t>The boon</a:t>
+          </a:r>
+          <a:endParaRPr lang="en-GB" sz="1800" b="1" kern="1200" dirty="0"/>
+        </a:p>
+      </dsp:txBody>
+      <dsp:txXfrm>
+        <a:off x="2195955" y="11531369"/>
+        <a:ext cx="1959616" cy="929523"/>
+      </dsp:txXfrm>
+    </dsp:sp>
+    <dsp:sp modelId="{4ECF5AB2-B8CF-4803-885F-62826BF74B26}">
+      <dsp:nvSpPr>
+        <dsp:cNvPr id="0" name=""/>
+        <dsp:cNvSpPr/>
+      </dsp:nvSpPr>
+      <dsp:spPr>
+        <a:xfrm>
+          <a:off x="748030" y="9815442"/>
+          <a:ext cx="2060186" cy="1030093"/>
+        </a:xfrm>
+        <a:prstGeom prst="roundRect">
+          <a:avLst/>
+        </a:prstGeom>
+        <a:solidFill>
+          <a:srgbClr val="009688"/>
+        </a:solidFill>
+        <a:ln w="12700" cap="flat" cmpd="sng" algn="ctr">
+          <a:noFill/>
+          <a:prstDash val="solid"/>
+          <a:miter lim="800000"/>
+        </a:ln>
+        <a:effectLst/>
+      </dsp:spPr>
+      <dsp:style>
+        <a:lnRef idx="2">
+          <a:scrgbClr r="0" g="0" b="0"/>
+        </a:lnRef>
+        <a:fillRef idx="1">
+          <a:scrgbClr r="0" g="0" b="0"/>
+        </a:fillRef>
+        <a:effectRef idx="0">
+          <a:scrgbClr r="0" g="0" b="0"/>
+        </a:effectRef>
+        <a:fontRef idx="minor">
+          <a:schemeClr val="lt1"/>
+        </a:fontRef>
+      </dsp:style>
+      <dsp:txBody>
+        <a:bodyPr spcFirstLastPara="0" vert="horz" wrap="square" lIns="68580" tIns="68580" rIns="68580" bIns="68580" numCol="1" spcCol="1270" anchor="ctr" anchorCtr="0">
+          <a:noAutofit/>
+        </a:bodyPr>
+        <a:lstStyle/>
+        <a:p>
+          <a:pPr marL="0" lvl="0" indent="0" algn="ctr" defTabSz="800100">
+            <a:lnSpc>
+              <a:spcPct val="90000"/>
+            </a:lnSpc>
+            <a:spcBef>
+              <a:spcPct val="0"/>
+            </a:spcBef>
+            <a:spcAft>
+              <a:spcPct val="35000"/>
+            </a:spcAft>
+            <a:buNone/>
+          </a:pPr>
+          <a:r>
+            <a:rPr lang="fr-FR" sz="1800" b="1" kern="1200" dirty="0"/>
+            <a:t>12. </a:t>
+          </a:r>
+          <a:r>
+            <a:rPr lang="en-GB" sz="1800" b="1" i="0" kern="1200" dirty="0"/>
+            <a:t>Refusal of the return</a:t>
+          </a:r>
+          <a:endParaRPr lang="en-GB" sz="1800" b="1" kern="1200" dirty="0"/>
+        </a:p>
+      </dsp:txBody>
+      <dsp:txXfrm>
+        <a:off x="798315" y="9865727"/>
+        <a:ext cx="1959616" cy="929523"/>
+      </dsp:txXfrm>
+    </dsp:sp>
+    <dsp:sp modelId="{F0D9EE6E-97B2-48DE-B4A9-6A76093F1278}">
+      <dsp:nvSpPr>
+        <dsp:cNvPr id="0" name=""/>
+        <dsp:cNvSpPr/>
+      </dsp:nvSpPr>
+      <dsp:spPr>
+        <a:xfrm>
+          <a:off x="4362" y="7772229"/>
+          <a:ext cx="2060186" cy="1030093"/>
+        </a:xfrm>
+        <a:prstGeom prst="roundRect">
+          <a:avLst/>
+        </a:prstGeom>
+        <a:solidFill>
+          <a:srgbClr val="4CAF50"/>
+        </a:solidFill>
+        <a:ln w="12700" cap="flat" cmpd="sng" algn="ctr">
+          <a:noFill/>
+          <a:prstDash val="solid"/>
+          <a:miter lim="800000"/>
+        </a:ln>
+        <a:effectLst/>
+      </dsp:spPr>
+      <dsp:style>
+        <a:lnRef idx="2">
+          <a:scrgbClr r="0" g="0" b="0"/>
+        </a:lnRef>
+        <a:fillRef idx="1">
+          <a:scrgbClr r="0" g="0" b="0"/>
+        </a:fillRef>
+        <a:effectRef idx="0">
+          <a:scrgbClr r="0" g="0" b="0"/>
+        </a:effectRef>
+        <a:fontRef idx="minor">
+          <a:schemeClr val="lt1"/>
+        </a:fontRef>
+      </dsp:style>
+      <dsp:txBody>
+        <a:bodyPr spcFirstLastPara="0" vert="horz" wrap="square" lIns="68580" tIns="68580" rIns="68580" bIns="68580" numCol="1" spcCol="1270" anchor="ctr" anchorCtr="0">
+          <a:noAutofit/>
+        </a:bodyPr>
+        <a:lstStyle/>
+        <a:p>
+          <a:pPr marL="0" lvl="0" indent="0" algn="ctr" defTabSz="800100">
+            <a:lnSpc>
+              <a:spcPct val="90000"/>
+            </a:lnSpc>
+            <a:spcBef>
+              <a:spcPct val="0"/>
+            </a:spcBef>
+            <a:spcAft>
+              <a:spcPct val="35000"/>
+            </a:spcAft>
+            <a:buNone/>
+          </a:pPr>
+          <a:r>
+            <a:rPr lang="fr-FR" sz="1800" b="1" kern="1200" dirty="0"/>
+            <a:t>13. </a:t>
+          </a:r>
+          <a:r>
+            <a:rPr lang="en-GB" sz="1800" b="1" i="0" kern="1200" dirty="0"/>
+            <a:t>The magic flight</a:t>
+          </a:r>
+          <a:endParaRPr lang="en-GB" sz="1800" b="1" kern="1200" dirty="0"/>
+        </a:p>
+      </dsp:txBody>
+      <dsp:txXfrm>
+        <a:off x="54647" y="7822514"/>
+        <a:ext cx="1959616" cy="929523"/>
+      </dsp:txXfrm>
+    </dsp:sp>
+    <dsp:sp modelId="{A31D35D3-E15F-4C1A-97DA-8737EC04BD49}">
+      <dsp:nvSpPr>
+        <dsp:cNvPr id="0" name=""/>
+        <dsp:cNvSpPr/>
+      </dsp:nvSpPr>
+      <dsp:spPr>
+        <a:xfrm>
+          <a:off x="4362" y="5597888"/>
+          <a:ext cx="2060186" cy="1030093"/>
+        </a:xfrm>
+        <a:prstGeom prst="roundRect">
+          <a:avLst/>
+        </a:prstGeom>
+        <a:solidFill>
+          <a:srgbClr val="8BC34A"/>
+        </a:solidFill>
+        <a:ln w="12700" cap="flat" cmpd="sng" algn="ctr">
+          <a:noFill/>
+          <a:prstDash val="solid"/>
+          <a:miter lim="800000"/>
+        </a:ln>
+        <a:effectLst/>
+      </dsp:spPr>
+      <dsp:style>
+        <a:lnRef idx="2">
+          <a:scrgbClr r="0" g="0" b="0"/>
+        </a:lnRef>
+        <a:fillRef idx="1">
+          <a:scrgbClr r="0" g="0" b="0"/>
+        </a:fillRef>
+        <a:effectRef idx="0">
+          <a:scrgbClr r="0" g="0" b="0"/>
+        </a:effectRef>
+        <a:fontRef idx="minor">
+          <a:schemeClr val="lt1"/>
+        </a:fontRef>
+      </dsp:style>
+      <dsp:txBody>
+        <a:bodyPr spcFirstLastPara="0" vert="horz" wrap="square" lIns="68580" tIns="68580" rIns="68580" bIns="68580" numCol="1" spcCol="1270" anchor="ctr" anchorCtr="0">
+          <a:noAutofit/>
+        </a:bodyPr>
+        <a:lstStyle/>
+        <a:p>
+          <a:pPr marL="0" lvl="0" indent="0" algn="ctr" defTabSz="800100">
+            <a:lnSpc>
+              <a:spcPct val="90000"/>
+            </a:lnSpc>
+            <a:spcBef>
+              <a:spcPct val="0"/>
+            </a:spcBef>
+            <a:spcAft>
+              <a:spcPct val="35000"/>
+            </a:spcAft>
+            <a:buNone/>
+          </a:pPr>
+          <a:r>
+            <a:rPr lang="fr-FR" sz="1800" b="1" kern="1200" dirty="0"/>
+            <a:t>14. </a:t>
+          </a:r>
+          <a:r>
+            <a:rPr lang="en-GB" sz="1800" b="1" i="0" kern="1200" dirty="0"/>
+            <a:t>Rescue from without</a:t>
+          </a:r>
+          <a:endParaRPr lang="en-GB" sz="1800" b="1" kern="1200" dirty="0"/>
+        </a:p>
+      </dsp:txBody>
+      <dsp:txXfrm>
+        <a:off x="54647" y="5648173"/>
+        <a:ext cx="1959616" cy="929523"/>
+      </dsp:txXfrm>
+    </dsp:sp>
+    <dsp:sp modelId="{4F80CD65-4948-49E4-A2FB-5265E9873307}">
+      <dsp:nvSpPr>
+        <dsp:cNvPr id="0" name=""/>
+        <dsp:cNvSpPr/>
+      </dsp:nvSpPr>
+      <dsp:spPr>
+        <a:xfrm>
+          <a:off x="748030" y="3554676"/>
+          <a:ext cx="2060186" cy="1030093"/>
+        </a:xfrm>
+        <a:prstGeom prst="roundRect">
+          <a:avLst/>
+        </a:prstGeom>
+        <a:solidFill>
+          <a:srgbClr val="CDDC39"/>
+        </a:solidFill>
+        <a:ln w="12700" cap="flat" cmpd="sng" algn="ctr">
+          <a:noFill/>
+          <a:prstDash val="solid"/>
+          <a:miter lim="800000"/>
+        </a:ln>
+        <a:effectLst/>
+      </dsp:spPr>
+      <dsp:style>
+        <a:lnRef idx="2">
+          <a:scrgbClr r="0" g="0" b="0"/>
+        </a:lnRef>
+        <a:fillRef idx="1">
+          <a:scrgbClr r="0" g="0" b="0"/>
+        </a:fillRef>
+        <a:effectRef idx="0">
+          <a:scrgbClr r="0" g="0" b="0"/>
+        </a:effectRef>
+        <a:fontRef idx="minor">
+          <a:schemeClr val="lt1"/>
+        </a:fontRef>
+      </dsp:style>
+      <dsp:txBody>
+        <a:bodyPr spcFirstLastPara="0" vert="horz" wrap="square" lIns="68580" tIns="68580" rIns="68580" bIns="68580" numCol="1" spcCol="1270" anchor="ctr" anchorCtr="0">
+          <a:noAutofit/>
+        </a:bodyPr>
+        <a:lstStyle/>
+        <a:p>
+          <a:pPr marL="0" lvl="0" indent="0" algn="ctr" defTabSz="800100">
+            <a:lnSpc>
+              <a:spcPct val="90000"/>
+            </a:lnSpc>
+            <a:spcBef>
+              <a:spcPct val="0"/>
+            </a:spcBef>
+            <a:spcAft>
+              <a:spcPct val="35000"/>
+            </a:spcAft>
+            <a:buNone/>
+          </a:pPr>
+          <a:r>
+            <a:rPr lang="fr-FR" sz="1800" b="1" kern="1200" dirty="0"/>
+            <a:t>15. </a:t>
+          </a:r>
+          <a:r>
+            <a:rPr lang="en-GB" sz="1800" b="1" i="0" kern="1200" dirty="0"/>
+            <a:t>The crossing of the return threshold</a:t>
+          </a:r>
+          <a:endParaRPr lang="en-GB" sz="1800" b="1" kern="1200" dirty="0"/>
+        </a:p>
+      </dsp:txBody>
+      <dsp:txXfrm>
+        <a:off x="798315" y="3604961"/>
+        <a:ext cx="1959616" cy="929523"/>
+      </dsp:txXfrm>
+    </dsp:sp>
+    <dsp:sp modelId="{6181C285-9110-48C9-B94E-3E1011A95114}">
+      <dsp:nvSpPr>
+        <dsp:cNvPr id="0" name=""/>
+        <dsp:cNvSpPr/>
+      </dsp:nvSpPr>
+      <dsp:spPr>
+        <a:xfrm>
+          <a:off x="2145670" y="1889034"/>
+          <a:ext cx="2060186" cy="1030093"/>
+        </a:xfrm>
+        <a:prstGeom prst="roundRect">
+          <a:avLst/>
+        </a:prstGeom>
+        <a:solidFill>
+          <a:srgbClr val="FDD835"/>
+        </a:solidFill>
+        <a:ln w="12700" cap="flat" cmpd="sng" algn="ctr">
+          <a:noFill/>
+          <a:prstDash val="solid"/>
+          <a:miter lim="800000"/>
+        </a:ln>
+        <a:effectLst/>
+      </dsp:spPr>
+      <dsp:style>
+        <a:lnRef idx="2">
+          <a:scrgbClr r="0" g="0" b="0"/>
+        </a:lnRef>
+        <a:fillRef idx="1">
+          <a:scrgbClr r="0" g="0" b="0"/>
+        </a:fillRef>
+        <a:effectRef idx="0">
+          <a:scrgbClr r="0" g="0" b="0"/>
+        </a:effectRef>
+        <a:fontRef idx="minor">
+          <a:schemeClr val="lt1"/>
+        </a:fontRef>
+      </dsp:style>
+      <dsp:txBody>
+        <a:bodyPr spcFirstLastPara="0" vert="horz" wrap="square" lIns="68580" tIns="68580" rIns="68580" bIns="68580" numCol="1" spcCol="1270" anchor="ctr" anchorCtr="0">
+          <a:noAutofit/>
+        </a:bodyPr>
+        <a:lstStyle/>
+        <a:p>
+          <a:pPr marL="0" lvl="0" indent="0" algn="ctr" defTabSz="800100">
+            <a:lnSpc>
+              <a:spcPct val="90000"/>
+            </a:lnSpc>
+            <a:spcBef>
+              <a:spcPct val="0"/>
+            </a:spcBef>
+            <a:spcAft>
+              <a:spcPct val="35000"/>
+            </a:spcAft>
+            <a:buNone/>
+          </a:pPr>
+          <a:r>
+            <a:rPr lang="fr-FR" sz="1800" b="1" kern="1200" dirty="0"/>
+            <a:t>16. </a:t>
+          </a:r>
+          <a:r>
+            <a:rPr lang="en-GB" sz="1800" b="1" i="0" kern="1200" dirty="0"/>
+            <a:t>Master of two worlds</a:t>
+          </a:r>
+          <a:endParaRPr lang="en-GB" sz="1800" b="1" kern="1200" dirty="0"/>
+        </a:p>
+      </dsp:txBody>
+      <dsp:txXfrm>
+        <a:off x="2195955" y="1939319"/>
+        <a:ext cx="1959616" cy="929523"/>
+      </dsp:txXfrm>
+    </dsp:sp>
+    <dsp:sp modelId="{FDB6E216-AD3F-4B79-BF2D-34962DD068FD}">
+      <dsp:nvSpPr>
+        <dsp:cNvPr id="0" name=""/>
+        <dsp:cNvSpPr/>
+      </dsp:nvSpPr>
+      <dsp:spPr>
+        <a:xfrm>
+          <a:off x="4028705" y="801863"/>
+          <a:ext cx="2060186" cy="1030093"/>
+        </a:xfrm>
+        <a:prstGeom prst="roundRect">
+          <a:avLst/>
+        </a:prstGeom>
+        <a:solidFill>
+          <a:srgbClr val="FFC107"/>
+        </a:solidFill>
+        <a:ln w="12700" cap="flat" cmpd="sng" algn="ctr">
+          <a:noFill/>
+          <a:prstDash val="solid"/>
+          <a:miter lim="800000"/>
+        </a:ln>
+        <a:effectLst/>
+      </dsp:spPr>
+      <dsp:style>
+        <a:lnRef idx="2">
+          <a:scrgbClr r="0" g="0" b="0"/>
+        </a:lnRef>
+        <a:fillRef idx="1">
+          <a:scrgbClr r="0" g="0" b="0"/>
+        </a:fillRef>
+        <a:effectRef idx="0">
+          <a:scrgbClr r="0" g="0" b="0"/>
+        </a:effectRef>
+        <a:fontRef idx="minor">
+          <a:schemeClr val="lt1"/>
+        </a:fontRef>
+      </dsp:style>
+      <dsp:txBody>
+        <a:bodyPr spcFirstLastPara="0" vert="horz" wrap="square" lIns="68580" tIns="68580" rIns="68580" bIns="68580" numCol="1" spcCol="1270" anchor="ctr" anchorCtr="0">
+          <a:noAutofit/>
+        </a:bodyPr>
+        <a:lstStyle/>
+        <a:p>
+          <a:pPr marL="0" lvl="0" indent="0" algn="ctr" defTabSz="800100">
+            <a:lnSpc>
+              <a:spcPct val="90000"/>
+            </a:lnSpc>
+            <a:spcBef>
+              <a:spcPct val="0"/>
+            </a:spcBef>
+            <a:spcAft>
+              <a:spcPct val="35000"/>
+            </a:spcAft>
+            <a:buNone/>
+          </a:pPr>
+          <a:r>
+            <a:rPr lang="fr-FR" sz="1800" b="1" kern="1200" dirty="0"/>
+            <a:t>17. </a:t>
+          </a:r>
+          <a:r>
+            <a:rPr lang="en-GB" sz="1800" b="1" i="0" kern="1200" dirty="0"/>
+            <a:t>Freedom to live</a:t>
+          </a:r>
+          <a:endParaRPr lang="en-GB" sz="1800" b="1" kern="1200" dirty="0"/>
+        </a:p>
+      </dsp:txBody>
+      <dsp:txXfrm>
+        <a:off x="4078990" y="852148"/>
+        <a:ext cx="1959616" cy="929523"/>
+      </dsp:txXfrm>
+    </dsp:sp>
+  </dsp:spTree>
+</dsp:drawing>
+</file>
+
+<file path=ppt/diagrams/layout1.xml><?xml version="1.0" encoding="utf-8"?>
+<dgm:layoutDef xmlns:dgm="http://schemas.openxmlformats.org/drawingml/2006/diagram" xmlns:a="http://schemas.openxmlformats.org/drawingml/2006/main" uniqueId="urn:microsoft.com/office/officeart/2005/8/layout/cycle3">
+  <dgm:title val=""/>
+  <dgm:desc val=""/>
+  <dgm:catLst>
+    <dgm:cat type="cycle" pri="5000"/>
+  </dgm:catLst>
+  <dgm:sampData>
+    <dgm:dataModel>
+      <dgm:ptLst>
+        <dgm:pt modelId="0" type="doc"/>
+        <dgm:pt modelId="1">
+          <dgm:prSet phldr="1"/>
+        </dgm:pt>
+        <dgm:pt modelId="2">
+          <dgm:prSet phldr="1"/>
+        </dgm:pt>
+        <dgm:pt modelId="3">
+          <dgm:prSet phldr="1"/>
+        </dgm:pt>
+        <dgm:pt modelId="4">
+          <dgm:prSet phldr="1"/>
+        </dgm:pt>
+        <dgm:pt modelId="5">
+          <dgm:prSet phldr="1"/>
+        </dgm:pt>
+      </dgm:ptLst>
+      <dgm:cxnLst>
+        <dgm:cxn modelId="6" srcId="0" destId="1" srcOrd="0" destOrd="0"/>
+        <dgm:cxn modelId="7" srcId="0" destId="2" srcOrd="1" destOrd="0"/>
+        <dgm:cxn modelId="8" srcId="0" destId="3" srcOrd="2" destOrd="0"/>
+        <dgm:cxn modelId="9" srcId="0" destId="4" srcOrd="3" destOrd="0"/>
+        <dgm:cxn modelId="10" srcId="0" destId="5" srcOrd="4" destOrd="0"/>
+      </dgm:cxnLst>
+      <dgm:bg/>
+      <dgm:whole/>
+    </dgm:dataModel>
+  </dgm:sampData>
+  <dgm:styleData>
+    <dgm:dataModel>
+      <dgm:ptLst>
+        <dgm:pt modelId="0" type="doc"/>
+        <dgm:pt modelId="1"/>
+        <dgm:pt modelId="2"/>
+        <dgm:pt modelId="3"/>
+      </dgm:ptLst>
+      <dgm:cxnLst>
+        <dgm:cxn modelId="4" srcId="0" destId="1" srcOrd="0" destOrd="0"/>
+        <dgm:cxn modelId="5" srcId="0" destId="2" srcOrd="1" destOrd="0"/>
+        <dgm:cxn modelId="6" srcId="0" destId="3" srcOrd="2" destOrd="0"/>
+      </dgm:cxnLst>
+      <dgm:bg/>
+      <dgm:whole/>
+    </dgm:dataModel>
+  </dgm:styleData>
+  <dgm:clrData>
+    <dgm:dataModel>
+      <dgm:ptLst>
+        <dgm:pt modelId="0" type="doc"/>
+        <dgm:pt modelId="1"/>
+        <dgm:pt modelId="2"/>
+        <dgm:pt modelId="3"/>
+        <dgm:pt modelId="4"/>
+        <dgm:pt modelId="5"/>
+        <dgm:pt modelId="6"/>
+      </dgm:ptLst>
+      <dgm:cxnLst>
+        <dgm:cxn modelId="7" srcId="0" destId="1" srcOrd="0" destOrd="0"/>
+        <dgm:cxn modelId="8" srcId="0" destId="2" srcOrd="1" destOrd="0"/>
+        <dgm:cxn modelId="9" srcId="0" destId="3" srcOrd="2" destOrd="0"/>
+        <dgm:cxn modelId="10" srcId="0" destId="4" srcOrd="3" destOrd="0"/>
+        <dgm:cxn modelId="11" srcId="0" destId="5" srcOrd="4" destOrd="0"/>
+        <dgm:cxn modelId="12" srcId="0" destId="6" srcOrd="5" destOrd="0"/>
+      </dgm:cxnLst>
+      <dgm:bg/>
+      <dgm:whole/>
+    </dgm:dataModel>
+  </dgm:clrData>
+  <dgm:layoutNode name="Name0">
+    <dgm:varLst>
+      <dgm:dir/>
+      <dgm:resizeHandles val="exact"/>
+    </dgm:varLst>
+    <dgm:choose name="Name1">
+      <dgm:if name="Name2" axis="ch" ptType="node" func="cnt" op="equ" val="2">
+        <dgm:alg type="composite">
+          <dgm:param type="ar" val="0.9"/>
+        </dgm:alg>
+        <dgm:shape xmlns:r="http://schemas.openxmlformats.org/officeDocument/2006/relationships" r:blip="">
+          <dgm:adjLst/>
+        </dgm:shape>
+        <dgm:presOf/>
+        <dgm:constrLst>
+          <dgm:constr type="primFontSz" for="ch" ptType="node" op="equ" val="65"/>
+          <dgm:constr type="ctrX" for="ch" forName="node1" refType="w" fact="0.5"/>
+          <dgm:constr type="t" for="ch" forName="node1"/>
+          <dgm:constr type="w" for="ch" forName="node1" refType="w" fact="0.8"/>
+          <dgm:constr type="h" for="ch" forName="node1" refType="w" refFor="ch" refForName="node1" fact="0.5"/>
+          <dgm:constr type="ctrX" for="ch" forName="sibTrans" refType="w" fact="0.5"/>
+          <dgm:constr type="t" for="ch" forName="sibTrans"/>
+          <dgm:constr type="w" for="ch" forName="sibTrans" refType="w" fact="0.8"/>
+          <dgm:constr type="h" for="ch" forName="sibTrans" refType="w" refFor="ch" refForName="node1" fact="0.5"/>
+          <dgm:constr type="userA" for="ch" forName="sibTrans" refType="w" fact="1.07"/>
+          <dgm:constr type="ctrX" for="ch" forName="node2" refType="w" fact="0.5"/>
+          <dgm:constr type="b" for="ch" forName="node2" refType="h"/>
+          <dgm:constr type="w" for="ch" forName="node2" refType="w" fact="0.8"/>
+          <dgm:constr type="h" for="ch" forName="node2" refType="w" refFor="ch" refForName="node1" fact="0.5"/>
+          <dgm:constr type="l" for="ch" forName="sp1"/>
+          <dgm:constr type="t" for="ch" forName="sp1" refType="h" fact="0.5"/>
+          <dgm:constr type="w" for="ch" forName="sp1" val="1"/>
+          <dgm:constr type="h" for="ch" forName="sp1" val="1"/>
+          <dgm:constr type="r" for="ch" forName="sp2" refType="w"/>
+          <dgm:constr type="t" for="ch" forName="sp2" refType="h" fact="0.5"/>
+          <dgm:constr type="w" for="ch" forName="sp2" val="1"/>
+          <dgm:constr type="h" for="ch" forName="sp2" val="1"/>
+        </dgm:constrLst>
+        <dgm:ruleLst/>
+      </dgm:if>
+      <dgm:else name="Name3">
+        <dgm:alg type="composite"/>
+        <dgm:shape xmlns:r="http://schemas.openxmlformats.org/officeDocument/2006/relationships" r:blip="">
+          <dgm:adjLst/>
+        </dgm:shape>
+        <dgm:presOf/>
+        <dgm:constrLst>
+          <dgm:constr type="primFontSz" for="ch" ptType="node" op="equ" val="65"/>
+        </dgm:constrLst>
+        <dgm:ruleLst/>
+      </dgm:else>
+    </dgm:choose>
+    <dgm:choose name="Name4">
+      <dgm:if name="Name5" axis="ch" ptType="node" func="cnt" op="equ" val="2">
+        <dgm:layoutNode name="node1">
+          <dgm:varLst>
+            <dgm:bulletEnabled val="1"/>
+          </dgm:varLst>
+          <dgm:alg type="tx"/>
+          <dgm:shape xmlns:r="http://schemas.openxmlformats.org/officeDocument/2006/relationships" type="roundRect" r:blip="">
+            <dgm:adjLst/>
+          </dgm:shape>
+          <dgm:presOf axis="ch desOrSelf" ptType="node node" st="1 1" cnt="1 0"/>
+          <dgm:constrLst>
+            <dgm:constr type="tMarg" refType="primFontSz" fact="0.3"/>
+            <dgm:constr type="bMarg" refType="primFontSz" fact="0.3"/>
+            <dgm:constr type="lMarg" refType="primFontSz" fact="0.3"/>
+            <dgm:constr type="rMarg" refType="primFontSz" fact="0.3"/>
+          </dgm:constrLst>
+          <dgm:ruleLst>
+            <dgm:rule type="primFontSz" val="5" fact="NaN" max="NaN"/>
+          </dgm:ruleLst>
+        </dgm:layoutNode>
+        <dgm:layoutNode name="sibTrans" styleLbl="bgShp">
+          <dgm:choose name="Name6">
+            <dgm:if name="Name7" func="var" arg="dir" op="equ" val="norm">
+              <dgm:alg type="conn">
+                <dgm:param type="connRout" val="longCurve"/>
+                <dgm:param type="begPts" val="midR"/>
+                <dgm:param type="endPts" val="midL"/>
+                <dgm:param type="dstNode" val="node1"/>
+              </dgm:alg>
+              <dgm:shape xmlns:r="http://schemas.openxmlformats.org/officeDocument/2006/relationships" type="conn" r:blip="" zOrderOff="-2">
+                <dgm:adjLst/>
+              </dgm:shape>
+              <dgm:presOf axis="ch" ptType="sibTrans"/>
+              <dgm:constrLst>
+                <dgm:constr type="userA"/>
+                <dgm:constr type="diam" refType="userA" fact="-1"/>
+                <dgm:constr type="wArH" refType="userA" fact="0.05"/>
+                <dgm:constr type="hArH" refType="userA" fact="0.1"/>
+                <dgm:constr type="stemThick" refType="userA" fact="0.06"/>
+                <dgm:constr type="begPad" refType="connDist" fact="-0.2"/>
+                <dgm:constr type="endPad" refType="connDist" fact="0.05"/>
+              </dgm:constrLst>
+            </dgm:if>
+            <dgm:else name="Name8">
+              <dgm:alg type="conn">
+                <dgm:param type="connRout" val="longCurve"/>
+                <dgm:param type="begPts" val="midL"/>
+                <dgm:param type="endPts" val="midR"/>
+                <dgm:param type="dstNode" val="node1"/>
+              </dgm:alg>
+              <dgm:shape xmlns:r="http://schemas.openxmlformats.org/officeDocument/2006/relationships" type="conn" r:blip="" zOrderOff="-2">
+                <dgm:adjLst/>
+              </dgm:shape>
+              <dgm:presOf axis="ch" ptType="sibTrans"/>
+              <dgm:constrLst>
+                <dgm:constr type="userA"/>
+                <dgm:constr type="diam" refType="userA"/>
+                <dgm:constr type="wArH" refType="userA" fact="0.05"/>
+                <dgm:constr type="hArH" refType="userA" fact="0.1"/>
+                <dgm:constr type="stemThick" refType="userA" fact="0.06"/>
+                <dgm:constr type="begPad" refType="connDist" fact="-0.2"/>
+                <dgm:constr type="endPad" refType="connDist" fact="0.05"/>
+              </dgm:constrLst>
+            </dgm:else>
+          </dgm:choose>
+          <dgm:ruleLst/>
+        </dgm:layoutNode>
+        <dgm:layoutNode name="node2">
+          <dgm:varLst>
+            <dgm:bulletEnabled val="1"/>
+          </dgm:varLst>
+          <dgm:alg type="tx"/>
+          <dgm:shape xmlns:r="http://schemas.openxmlformats.org/officeDocument/2006/relationships" type="roundRect" r:blip="">
+            <dgm:adjLst/>
+          </dgm:shape>
+          <dgm:presOf axis="ch desOrSelf" ptType="node node" st="2 1" cnt="1 0"/>
+          <dgm:constrLst>
+            <dgm:constr type="tMarg" refType="primFontSz" fact="0.3"/>
+            <dgm:constr type="bMarg" refType="primFontSz" fact="0.3"/>
+            <dgm:constr type="lMarg" refType="primFontSz" fact="0.3"/>
+            <dgm:constr type="rMarg" refType="primFontSz" fact="0.3"/>
+          </dgm:constrLst>
+          <dgm:ruleLst>
+            <dgm:rule type="primFontSz" val="5" fact="NaN" max="NaN"/>
+          </dgm:ruleLst>
+        </dgm:layoutNode>
+        <dgm:layoutNode name="sp1">
+          <dgm:alg type="sp"/>
+          <dgm:shape xmlns:r="http://schemas.openxmlformats.org/officeDocument/2006/relationships" r:blip="">
+            <dgm:adjLst/>
+          </dgm:shape>
+          <dgm:presOf/>
+          <dgm:constrLst/>
+          <dgm:ruleLst/>
+        </dgm:layoutNode>
+        <dgm:layoutNode name="sp2">
+          <dgm:alg type="sp"/>
+          <dgm:shape xmlns:r="http://schemas.openxmlformats.org/officeDocument/2006/relationships" r:blip="">
+            <dgm:adjLst/>
+          </dgm:shape>
+          <dgm:presOf/>
+          <dgm:constrLst/>
+          <dgm:ruleLst/>
+        </dgm:layoutNode>
+      </dgm:if>
+      <dgm:else name="Name9">
+        <dgm:layoutNode name="cycle">
+          <dgm:choose name="Name10">
+            <dgm:if name="Name11" func="var" arg="dir" op="equ" val="norm">
+              <dgm:alg type="cycle">
+                <dgm:param type="stAng" val="0"/>
+                <dgm:param type="spanAng" val="360"/>
+              </dgm:alg>
+              <dgm:shape xmlns:r="http://schemas.openxmlformats.org/officeDocument/2006/relationships" r:blip="">
+                <dgm:adjLst/>
+              </dgm:shape>
+              <dgm:presOf/>
+              <dgm:constrLst>
+                <dgm:constr type="diam" refType="w"/>
+                <dgm:constr type="w" for="ch" ptType="node" refType="w"/>
+                <dgm:constr type="sibSp" val="15"/>
+                <dgm:constr type="userA" for="ch" ptType="sibTrans" refType="diam" op="equ" fact="-1"/>
+                <dgm:constr type="wArH" for="ch" ptType="sibTrans" refType="diam" op="equ" fact="0.05"/>
+                <dgm:constr type="hArH" for="ch" ptType="sibTrans" refType="diam" op="equ" fact="0.1"/>
+                <dgm:constr type="stemThick" for="ch" ptType="sibTrans" refType="diam" op="equ" fact="0.065"/>
+                <dgm:constr type="primFontSz" for="ch" ptType="node" op="equ"/>
+              </dgm:constrLst>
+            </dgm:if>
+            <dgm:else name="Name12">
+              <dgm:alg type="cycle">
+                <dgm:param type="stAng" val="0"/>
+                <dgm:param type="spanAng" val="-360"/>
+              </dgm:alg>
+              <dgm:shape xmlns:r="http://schemas.openxmlformats.org/officeDocument/2006/relationships" r:blip="">
+                <dgm:adjLst/>
+              </dgm:shape>
+              <dgm:presOf/>
+              <dgm:constrLst>
+                <dgm:constr type="diam" refType="w"/>
+                <dgm:constr type="w" for="ch" ptType="node" refType="w"/>
+                <dgm:constr type="sibSp" val="15"/>
+                <dgm:constr type="userA" for="ch" ptType="sibTrans" refType="diam" op="equ"/>
+                <dgm:constr type="wArH" for="ch" ptType="sibTrans" refType="diam" op="equ" fact="0.05"/>
+                <dgm:constr type="hArH" for="ch" ptType="sibTrans" refType="diam" op="equ" fact="0.1"/>
+                <dgm:constr type="stemThick" for="ch" ptType="sibTrans" refType="diam" op="equ" fact="0.065"/>
+                <dgm:constr type="primFontSz" for="ch" ptType="node" op="equ"/>
+              </dgm:constrLst>
+            </dgm:else>
+          </dgm:choose>
+          <dgm:ruleLst/>
+          <dgm:forEach name="nodesFirstNodeForEach" axis="ch" ptType="node" cnt="1">
+            <dgm:layoutNode name="nodeFirstNode">
+              <dgm:varLst>
+                <dgm:bulletEnabled val="1"/>
+              </dgm:varLst>
+              <dgm:alg type="tx"/>
+              <dgm:shape xmlns:r="http://schemas.openxmlformats.org/officeDocument/2006/relationships" type="roundRect" r:blip="">
+                <dgm:adjLst/>
+              </dgm:shape>
+              <dgm:presOf axis="desOrSelf" ptType="node"/>
+              <dgm:constrLst>
+                <dgm:constr type="h" refType="w" fact="0.5"/>
+                <dgm:constr type="primFontSz" val="65"/>
+                <dgm:constr type="tMarg" refType="primFontSz" fact="0.3"/>
+                <dgm:constr type="bMarg" refType="primFontSz" fact="0.3"/>
+                <dgm:constr type="lMarg" refType="primFontSz" fact="0.3"/>
+                <dgm:constr type="rMarg" refType="primFontSz" fact="0.3"/>
+              </dgm:constrLst>
+              <dgm:ruleLst>
+                <dgm:rule type="primFontSz" val="5" fact="NaN" max="NaN"/>
+              </dgm:ruleLst>
+            </dgm:layoutNode>
+            <dgm:forEach name="sibTransForEach" axis="followSib" ptType="sibTrans" cnt="1">
+              <dgm:layoutNode name="sibTransFirstNode" styleLbl="bgShp">
+                <dgm:choose name="Name13">
+                  <dgm:if name="Name14" func="var" arg="dir" op="equ" val="norm">
+                    <dgm:alg type="conn">
+                      <dgm:param type="connRout" val="longCurve"/>
+                      <dgm:param type="begPts" val="midR"/>
+                      <dgm:param type="endPts" val="midL"/>
+                      <dgm:param type="dstNode" val="nodeFirstNode"/>
+                    </dgm:alg>
+                  </dgm:if>
+                  <dgm:else name="Name15">
+                    <dgm:alg type="conn">
+                      <dgm:param type="connRout" val="longCurve"/>
+                      <dgm:param type="begPts" val="midL"/>
+                      <dgm:param type="endPts" val="midR"/>
+                      <dgm:param type="dstNode" val="nodeFirstNode"/>
+                    </dgm:alg>
+                  </dgm:else>
+                </dgm:choose>
+                <dgm:shape xmlns:r="http://schemas.openxmlformats.org/officeDocument/2006/relationships" type="conn" r:blip="" zOrderOff="-2">
+                  <dgm:adjLst/>
+                </dgm:shape>
+                <dgm:presOf axis="self"/>
+                <dgm:choose name="Name16">
+                  <dgm:if name="Name17" axis="par ch" ptType="doc node" func="cnt" op="equ" val="3">
+                    <dgm:constrLst>
+                      <dgm:constr type="userA"/>
+                      <dgm:constr type="diam" refType="userA" fact="1.01"/>
+                      <dgm:constr type="begPad" refType="connDist" fact="-0.2"/>
+                      <dgm:constr type="endPad" refType="connDist" fact="0.05"/>
+                    </dgm:constrLst>
+                  </dgm:if>
+                  <dgm:if name="Name18" axis="par ch" ptType="doc node" func="cnt" op="equ" val="4">
+                    <dgm:constrLst>
+                      <dgm:constr type="userA"/>
+                      <dgm:constr type="diam" refType="userA" fact="1.26"/>
+                      <dgm:constr type="begPad" refType="connDist" fact="-0.2"/>
+                      <dgm:constr type="endPad" refType="connDist" fact="0.05"/>
+                    </dgm:constrLst>
+                  </dgm:if>
+                  <dgm:if name="Name19" axis="par ch" ptType="doc node" func="cnt" op="equ" val="5">
+                    <dgm:constrLst>
+                      <dgm:constr type="userA"/>
+                      <dgm:constr type="diam" refType="userA" fact="1.04"/>
+                      <dgm:constr type="begPad" refType="connDist" fact="-0.2"/>
+                      <dgm:constr type="endPad" refType="connDist" fact="0.05"/>
+                    </dgm:constrLst>
+                  </dgm:if>
+                  <dgm:if name="Name20" axis="par ch" ptType="doc node" func="cnt" op="equ" val="6">
+                    <dgm:constrLst>
+                      <dgm:constr type="userA"/>
+                      <dgm:constr type="diam" refType="userA" fact="1.1"/>
+                      <dgm:constr type="begPad" refType="connDist" fact="-0.2"/>
+                      <dgm:constr type="endPad" refType="connDist" fact="0.05"/>
+                    </dgm:constrLst>
+                  </dgm:if>
+                  <dgm:else name="Name21">
+                    <dgm:constrLst>
+                      <dgm:constr type="userA"/>
+                      <dgm:constr type="diam" refType="userA" fact="1.04"/>
+                      <dgm:constr type="begPad" refType="connDist" fact="-0.2"/>
+                      <dgm:constr type="endPad" refType="connDist" fact="0.05"/>
+                    </dgm:constrLst>
+                  </dgm:else>
+                </dgm:choose>
+                <dgm:ruleLst/>
+              </dgm:layoutNode>
+            </dgm:forEach>
+          </dgm:forEach>
+          <dgm:forEach name="followingNodesForEach" axis="ch" ptType="node" st="2">
+            <dgm:layoutNode name="nodeFollowingNodes">
+              <dgm:varLst>
+                <dgm:bulletEnabled val="1"/>
+              </dgm:varLst>
+              <dgm:alg type="tx"/>
+              <dgm:shape xmlns:r="http://schemas.openxmlformats.org/officeDocument/2006/relationships" type="roundRect" r:blip="">
+                <dgm:adjLst/>
+              </dgm:shape>
+              <dgm:presOf axis="desOrSelf" ptType="node"/>
+              <dgm:constrLst>
+                <dgm:constr type="h" refType="w" fact="0.5"/>
+                <dgm:constr type="primFontSz" val="65"/>
+                <dgm:constr type="tMarg" refType="primFontSz" fact="0.3"/>
+                <dgm:constr type="bMarg" refType="primFontSz" fact="0.3"/>
+                <dgm:constr type="lMarg" refType="primFontSz" fact="0.3"/>
+                <dgm:constr type="rMarg" refType="primFontSz" fact="0.3"/>
+              </dgm:constrLst>
+              <dgm:ruleLst>
+                <dgm:rule type="primFontSz" val="5" fact="NaN" max="NaN"/>
+              </dgm:ruleLst>
+            </dgm:layoutNode>
+          </dgm:forEach>
+        </dgm:layoutNode>
+      </dgm:else>
+    </dgm:choose>
+  </dgm:layoutNode>
+</dgm:layoutDef>
+</file>
+
+<file path=ppt/diagrams/quickStyle1.xml><?xml version="1.0" encoding="utf-8"?>
+<dgm:styleDef xmlns:dgm="http://schemas.openxmlformats.org/drawingml/2006/diagram" xmlns:a="http://schemas.openxmlformats.org/drawingml/2006/main" uniqueId="urn:microsoft.com/office/officeart/2005/8/quickstyle/simple1">
+  <dgm:title val=""/>
+  <dgm:desc val=""/>
+  <dgm:catLst>
+    <dgm:cat type="simple" pri="10100"/>
+  </dgm:catLst>
+  <dgm:scene3d>
+    <a:camera prst="orthographicFront"/>
+    <a:lightRig rig="threePt" dir="t"/>
+  </dgm:scene3d>
+  <dgm:styleLbl name="node0">
+    <dgm:scene3d>
+      <a:camera prst="orthographicFront"/>
+      <a:lightRig rig="threePt" dir="t"/>
+    </dgm:scene3d>
+    <dgm:sp3d/>
+    <dgm:txPr/>
+    <dgm:style>
+      <a:lnRef idx="2">
+        <a:scrgbClr r="0" g="0" b="0"/>
+      </a:lnRef>
+      <a:fillRef idx="1">
+        <a:scrgbClr r="0" g="0" b="0"/>
+      </a:fillRef>
+      <a:effectRef idx="0">
+        <a:scrgbClr r="0" g="0" b="0"/>
+      </a:effectRef>
+      <a:fontRef idx="minor">
+        <a:schemeClr val="lt1"/>
+      </a:fontRef>
+    </dgm:style>
+  </dgm:styleLbl>
+  <dgm:styleLbl name="lnNode1">
+    <dgm:scene3d>
+      <a:camera prst="orthographicFront"/>
+      <a:lightRig rig="threePt" dir="t"/>
+    </dgm:scene3d>
+    <dgm:sp3d/>
+    <dgm:txPr/>
+    <dgm:style>
+      <a:lnRef idx="2">
+        <a:scrgbClr r="0" g="0" b="0"/>
+      </a:lnRef>
+      <a:fillRef idx="1">
+        <a:scrgbClr r="0" g="0" b="0"/>
+      </a:fillRef>
+      <a:effectRef idx="0">
+        <a:scrgbClr r="0" g="0" b="0"/>
+      </a:effectRef>
+      <a:fontRef idx="minor">
+        <a:schemeClr val="lt1"/>
+      </a:fontRef>
+    </dgm:style>
+  </dgm:styleLbl>
+  <dgm:styleLbl name="vennNode1">
+    <dgm:scene3d>
+      <a:camera prst="orthographicFront"/>
+      <a:lightRig rig="threePt" dir="t"/>
+    </dgm:scene3d>
+    <dgm:sp3d/>
+    <dgm:txPr/>
+    <dgm:style>
+      <a:lnRef idx="2">
+        <a:scrgbClr r="0" g="0" b="0"/>
+      </a:lnRef>
+      <a:fillRef idx="1">
+        <a:scrgbClr r="0" g="0" b="0"/>
+      </a:fillRef>
+      <a:effectRef idx="0">
+        <a:scrgbClr r="0" g="0" b="0"/>
+      </a:effectRef>
+      <a:fontRef idx="minor">
+        <a:schemeClr val="tx1"/>
+      </a:fontRef>
+    </dgm:style>
+  </dgm:styleLbl>
+  <dgm:styleLbl name="alignNode1">
+    <dgm:scene3d>
+      <a:camera prst="orthographicFront"/>
+      <a:lightRig rig="threePt" dir="t"/>
+    </dgm:scene3d>
+    <dgm:sp3d/>
+    <dgm:txPr/>
+    <dgm:style>
+      <a:lnRef idx="2">
+        <a:scrgbClr r="0" g="0" b="0"/>
+      </a:lnRef>
+      <a:fillRef idx="1">
+        <a:scrgbClr r="0" g="0" b="0"/>
+      </a:fillRef>
+      <a:effectRef idx="0">
+        <a:scrgbClr r="0" g="0" b="0"/>
+      </a:effectRef>
+      <a:fontRef idx="minor">
+        <a:schemeClr val="lt1"/>
+      </a:fontRef>
+    </dgm:style>
+  </dgm:styleLbl>
+  <dgm:styleLbl name="node1">
+    <dgm:scene3d>
+      <a:camera prst="orthographicFront"/>
+      <a:lightRig rig="threePt" dir="t"/>
+    </dgm:scene3d>
+    <dgm:sp3d/>
+    <dgm:txPr/>
+    <dgm:style>
+      <a:lnRef idx="2">
+        <a:scrgbClr r="0" g="0" b="0"/>
+      </a:lnRef>
+      <a:fillRef idx="1">
+        <a:scrgbClr r="0" g="0" b="0"/>
+      </a:fillRef>
+      <a:effectRef idx="0">
+        <a:scrgbClr r="0" g="0" b="0"/>
+      </a:effectRef>
+      <a:fontRef idx="minor">
+        <a:schemeClr val="lt1"/>
+      </a:fontRef>
+    </dgm:style>
+  </dgm:styleLbl>
+  <dgm:styleLbl name="node2">
+    <dgm:scene3d>
+      <a:camera prst="orthographicFront"/>
+      <a:lightRig rig="threePt" dir="t"/>
+    </dgm:scene3d>
+    <dgm:sp3d/>
+    <dgm:txPr/>
+    <dgm:style>
+      <a:lnRef idx="2">
+        <a:scrgbClr r="0" g="0" b="0"/>
+      </a:lnRef>
+      <a:fillRef idx="1">
+        <a:scrgbClr r="0" g="0" b="0"/>
+      </a:fillRef>
+      <a:effectRef idx="0">
+        <a:scrgbClr r="0" g="0" b="0"/>
+      </a:effectRef>
+      <a:fontRef idx="minor">
+        <a:schemeClr val="lt1"/>
+      </a:fontRef>
+    </dgm:style>
+  </dgm:styleLbl>
+  <dgm:styleLbl name="node3">
+    <dgm:scene3d>
+      <a:camera prst="orthographicFront"/>
+      <a:lightRig rig="threePt" dir="t"/>
+    </dgm:scene3d>
+    <dgm:sp3d/>
+    <dgm:txPr/>
+    <dgm:style>
+      <a:lnRef idx="2">
+        <a:scrgbClr r="0" g="0" b="0"/>
+      </a:lnRef>
+      <a:fillRef idx="1">
+        <a:scrgbClr r="0" g="0" b="0"/>
+      </a:fillRef>
+      <a:effectRef idx="0">
+        <a:scrgbClr r="0" g="0" b="0"/>
+      </a:effectRef>
+      <a:fontRef idx="minor">
+        <a:schemeClr val="lt1"/>
+      </a:fontRef>
+    </dgm:style>
+  </dgm:styleLbl>
+  <dgm:styleLbl name="node4">
+    <dgm:scene3d>
+      <a:camera prst="orthographicFront"/>
+      <a:lightRig rig="threePt" dir="t"/>
+    </dgm:scene3d>
+    <dgm:sp3d/>
+    <dgm:txPr/>
+    <dgm:style>
+      <a:lnRef idx="2">
+        <a:scrgbClr r="0" g="0" b="0"/>
+      </a:lnRef>
+      <a:fillRef idx="1">
+        <a:scrgbClr r="0" g="0" b="0"/>
+      </a:fillRef>
+      <a:effectRef idx="0">
+        <a:scrgbClr r="0" g="0" b="0"/>
+      </a:effectRef>
+      <a:fontRef idx="minor">
+        <a:schemeClr val="lt1"/>
+      </a:fontRef>
+    </dgm:style>
+  </dgm:styleLbl>
+  <dgm:styleLbl name="fgImgPlace1">
+    <dgm:scene3d>
+      <a:camera prst="orthographicFront"/>
+      <a:lightRig rig="threePt" dir="t"/>
+    </dgm:scene3d>
+    <dgm:sp3d/>
+    <dgm:txPr/>
+    <dgm:style>
+      <a:lnRef idx="2">
+        <a:scrgbClr r="0" g="0" b="0"/>
+      </a:lnRef>
+      <a:fillRef idx="1">
+        <a:scrgbClr r="0" g="0" b="0"/>
+      </a:fillRef>
+      <a:effectRef idx="0">
+        <a:scrgbClr r="0" g="0" b="0"/>
+      </a:effectRef>
+      <a:fontRef idx="minor"/>
+    </dgm:style>
+  </dgm:styleLbl>
+  <dgm:styleLbl name="alignImgPlace1">
+    <dgm:scene3d>
+      <a:camera prst="orthographicFront"/>
+      <a:lightRig rig="threePt" dir="t"/>
+    </dgm:scene3d>
+    <dgm:sp3d/>
+    <dgm:txPr/>
+    <dgm:style>
+      <a:lnRef idx="2">
+        <a:scrgbClr r="0" g="0" b="0"/>
+      </a:lnRef>
+      <a:fillRef idx="1">
+        <a:scrgbClr r="0" g="0" b="0"/>
+      </a:fillRef>
+      <a:effectRef idx="0">
+        <a:scrgbClr r="0" g="0" b="0"/>
+      </a:effectRef>
+      <a:fontRef idx="minor"/>
+    </dgm:style>
+  </dgm:styleLbl>
+  <dgm:styleLbl name="bgImgPlace1">
+    <dgm:scene3d>
+      <a:camera prst="orthographicFront"/>
+      <a:lightRig rig="threePt" dir="t"/>
+    </dgm:scene3d>
+    <dgm:sp3d/>
+    <dgm:txPr/>
+    <dgm:style>
+      <a:lnRef idx="2">
+        <a:scrgbClr r="0" g="0" b="0"/>
+      </a:lnRef>
+      <a:fillRef idx="1">
+        <a:scrgbClr r="0" g="0" b="0"/>
+      </a:fillRef>
+      <a:effectRef idx="0">
+        <a:scrgbClr r="0" g="0" b="0"/>
+      </a:effectRef>
+      <a:fontRef idx="minor"/>
+    </dgm:style>
+  </dgm:styleLbl>
+  <dgm:styleLbl name="sibTrans2D1">
+    <dgm:scene3d>
+      <a:camera prst="orthographicFront"/>
+      <a:lightRig rig="threePt" dir="t"/>
+    </dgm:scene3d>
+    <dgm:sp3d/>
+    <dgm:txPr/>
+    <dgm:style>
+      <a:lnRef idx="0">
+        <a:scrgbClr r="0" g="0" b="0"/>
+      </a:lnRef>
+      <a:fillRef idx="1">
+        <a:scrgbClr r="0" g="0" b="0"/>
+      </a:fillRef>
+      <a:effectRef idx="0">
+        <a:scrgbClr r="0" g="0" b="0"/>
+      </a:effectRef>
+      <a:fontRef idx="minor">
+        <a:schemeClr val="lt1"/>
+      </a:fontRef>
+    </dgm:style>
+  </dgm:styleLbl>
+  <dgm:styleLbl name="fgSibTrans2D1">
+    <dgm:scene3d>
+      <a:camera prst="orthographicFront"/>
+      <a:lightRig rig="threePt" dir="t"/>
+    </dgm:scene3d>
+    <dgm:sp3d/>
+    <dgm:txPr/>
+    <dgm:style>
+      <a:lnRef idx="0">
+        <a:scrgbClr r="0" g="0" b="0"/>
+      </a:lnRef>
+      <a:fillRef idx="1">
+        <a:scrgbClr r="0" g="0" b="0"/>
+      </a:fillRef>
+      <a:effectRef idx="0">
+        <a:scrgbClr r="0" g="0" b="0"/>
+      </a:effectRef>
+      <a:fontRef idx="minor">
+        <a:schemeClr val="lt1"/>
+      </a:fontRef>
+    </dgm:style>
+  </dgm:styleLbl>
+  <dgm:styleLbl name="bgSibTrans2D1">
+    <dgm:scene3d>
+      <a:camera prst="orthographicFront"/>
+      <a:lightRig rig="threePt" dir="t"/>
+    </dgm:scene3d>
+    <dgm:sp3d/>
+    <dgm:txPr/>
+    <dgm:style>
+      <a:lnRef idx="0">
+        <a:scrgbClr r="0" g="0" b="0"/>
+      </a:lnRef>
+      <a:fillRef idx="1">
+        <a:scrgbClr r="0" g="0" b="0"/>
+      </a:fillRef>
+      <a:effectRef idx="0">
+        <a:scrgbClr r="0" g="0" b="0"/>
+      </a:effectRef>
+      <a:fontRef idx="minor">
+        <a:schemeClr val="lt1"/>
+      </a:fontRef>
+    </dgm:style>
+  </dgm:styleLbl>
+  <dgm:styleLbl name="sibTrans1D1">
+    <dgm:scene3d>
+      <a:camera prst="orthographicFront"/>
+      <a:lightRig rig="threePt" dir="t"/>
+    </dgm:scene3d>
+    <dgm:sp3d/>
+    <dgm:txPr/>
+    <dgm:style>
+      <a:lnRef idx="1">
+        <a:scrgbClr r="0" g="0" b="0"/>
+      </a:lnRef>
+      <a:fillRef idx="0">
+        <a:scrgbClr r="0" g="0" b="0"/>
+      </a:fillRef>
+      <a:effectRef idx="0">
+        <a:scrgbClr r="0" g="0" b="0"/>
+      </a:effectRef>
+      <a:fontRef idx="minor"/>
+    </dgm:style>
+  </dgm:styleLbl>
+  <dgm:styleLbl name="callout">
+    <dgm:scene3d>
+      <a:camera prst="orthographicFront"/>
+      <a:lightRig rig="threePt" dir="t"/>
+    </dgm:scene3d>
+    <dgm:sp3d/>
+    <dgm:txPr/>
+    <dgm:style>
+      <a:lnRef idx="2">
+        <a:scrgbClr r="0" g="0" b="0"/>
+      </a:lnRef>
+      <a:fillRef idx="1">
+        <a:scrgbClr r="0" g="0" b="0"/>
+      </a:fillRef>
+      <a:effectRef idx="0">
+        <a:scrgbClr r="0" g="0" b="0"/>
+      </a:effectRef>
+      <a:fontRef idx="minor"/>
+    </dgm:style>
+  </dgm:styleLbl>
+  <dgm:styleLbl name="asst0">
+    <dgm:scene3d>
+      <a:camera prst="orthographicFront"/>
+      <a:lightRig rig="threePt" dir="t"/>
+    </dgm:scene3d>
+    <dgm:sp3d/>
+    <dgm:txPr/>
+    <dgm:style>
+      <a:lnRef idx="2">
+        <a:scrgbClr r="0" g="0" b="0"/>
+      </a:lnRef>
+      <a:fillRef idx="1">
+        <a:scrgbClr r="0" g="0" b="0"/>
+      </a:fillRef>
+      <a:effectRef idx="0">
+        <a:scrgbClr r="0" g="0" b="0"/>
+      </a:effectRef>
+      <a:fontRef idx="minor">
+        <a:schemeClr val="lt1"/>
+      </a:fontRef>
+    </dgm:style>
+  </dgm:styleLbl>
+  <dgm:styleLbl name="asst1">
+    <dgm:scene3d>
+      <a:camera prst="orthographicFront"/>
+      <a:lightRig rig="threePt" dir="t"/>
+    </dgm:scene3d>
+    <dgm:sp3d/>
+    <dgm:txPr/>
+    <dgm:style>
+      <a:lnRef idx="2">
+        <a:scrgbClr r="0" g="0" b="0"/>
+      </a:lnRef>
+      <a:fillRef idx="1">
+        <a:scrgbClr r="0" g="0" b="0"/>
+      </a:fillRef>
+      <a:effectRef idx="0">
+        <a:scrgbClr r="0" g="0" b="0"/>
+      </a:effectRef>
+      <a:fontRef idx="minor">
+        <a:schemeClr val="lt1"/>
+      </a:fontRef>
+    </dgm:style>
+  </dgm:styleLbl>
+  <dgm:styleLbl name="asst2">
+    <dgm:scene3d>
+      <a:camera prst="orthographicFront"/>
+      <a:lightRig rig="threePt" dir="t"/>
+    </dgm:scene3d>
+    <dgm:sp3d/>
+    <dgm:txPr/>
+    <dgm:style>
+      <a:lnRef idx="2">
+        <a:scrgbClr r="0" g="0" b="0"/>
+      </a:lnRef>
+      <a:fillRef idx="1">
+        <a:scrgbClr r="0" g="0" b="0"/>
+      </a:fillRef>
+      <a:effectRef idx="0">
+        <a:scrgbClr r="0" g="0" b="0"/>
+      </a:effectRef>
+      <a:fontRef idx="minor">
+        <a:schemeClr val="lt1"/>
+      </a:fontRef>
+    </dgm:style>
+  </dgm:styleLbl>
+  <dgm:styleLbl name="asst3">
+    <dgm:scene3d>
+      <a:camera prst="orthographicFront"/>
+      <a:lightRig rig="threePt" dir="t"/>
+    </dgm:scene3d>
+    <dgm:sp3d/>
+    <dgm:txPr/>
+    <dgm:style>
+      <a:lnRef idx="2">
+        <a:scrgbClr r="0" g="0" b="0"/>
+      </a:lnRef>
+      <a:fillRef idx="1">
+        <a:scrgbClr r="0" g="0" b="0"/>
+      </a:fillRef>
+      <a:effectRef idx="0">
+        <a:scrgbClr r="0" g="0" b="0"/>
+      </a:effectRef>
+      <a:fontRef idx="minor">
+        <a:schemeClr val="lt1"/>
+      </a:fontRef>
+    </dgm:style>
+  </dgm:styleLbl>
+  <dgm:styleLbl name="asst4">
+    <dgm:scene3d>
+      <a:camera prst="orthographicFront"/>
+      <a:lightRig rig="threePt" dir="t"/>
+    </dgm:scene3d>
+    <dgm:sp3d/>
+    <dgm:txPr/>
+    <dgm:style>
+      <a:lnRef idx="2">
+        <a:scrgbClr r="0" g="0" b="0"/>
+      </a:lnRef>
+      <a:fillRef idx="1">
+        <a:scrgbClr r="0" g="0" b="0"/>
+      </a:fillRef>
+      <a:effectRef idx="0">
+        <a:scrgbClr r="0" g="0" b="0"/>
+      </a:effectRef>
+      <a:fontRef idx="minor">
+        <a:schemeClr val="lt1"/>
+      </a:fontRef>
+    </dgm:style>
+  </dgm:styleLbl>
+  <dgm:styleLbl name="parChTrans2D1">
+    <dgm:scene3d>
+      <a:camera prst="orthographicFront"/>
+      <a:lightRig rig="threePt" dir="t"/>
+    </dgm:scene3d>
+    <dgm:sp3d/>
+    <dgm:txPr/>
+    <dgm:style>
+      <a:lnRef idx="2">
+        <a:scrgbClr r="0" g="0" b="0"/>
+      </a:lnRef>
+      <a:fillRef idx="1">
+        <a:scrgbClr r="0" g="0" b="0"/>
+      </a:fillRef>
+      <a:effectRef idx="0">
+        <a:scrgbClr r="0" g="0" b="0"/>
+      </a:effectRef>
+      <a:fontRef idx="minor">
+        <a:schemeClr val="lt1"/>
+      </a:fontRef>
+    </dgm:style>
+  </dgm:styleLbl>
+  <dgm:styleLbl name="parChTrans2D2">
+    <dgm:scene3d>
+      <a:camera prst="orthographicFront"/>
+      <a:lightRig rig="threePt" dir="t"/>
+    </dgm:scene3d>
+    <dgm:sp3d/>
+    <dgm:txPr/>
+    <dgm:style>
+      <a:lnRef idx="2">
+        <a:scrgbClr r="0" g="0" b="0"/>
+      </a:lnRef>
+      <a:fillRef idx="1">
+        <a:scrgbClr r="0" g="0" b="0"/>
+      </a:fillRef>
+      <a:effectRef idx="0">
+        <a:scrgbClr r="0" g="0" b="0"/>
+      </a:effectRef>
+      <a:fontRef idx="minor">
+        <a:schemeClr val="lt1"/>
+      </a:fontRef>
+    </dgm:style>
+  </dgm:styleLbl>
+  <dgm:styleLbl name="parChTrans2D3">
+    <dgm:scene3d>
+      <a:camera prst="orthographicFront"/>
+      <a:lightRig rig="threePt" dir="t"/>
+    </dgm:scene3d>
+    <dgm:sp3d/>
+    <dgm:txPr/>
+    <dgm:style>
+      <a:lnRef idx="2">
+        <a:scrgbClr r="0" g="0" b="0"/>
+      </a:lnRef>
+      <a:fillRef idx="1">
+        <a:scrgbClr r="0" g="0" b="0"/>
+      </a:fillRef>
+      <a:effectRef idx="0">
+        <a:scrgbClr r="0" g="0" b="0"/>
+      </a:effectRef>
+      <a:fontRef idx="minor">
+        <a:schemeClr val="lt1"/>
+      </a:fontRef>
+    </dgm:style>
+  </dgm:styleLbl>
+  <dgm:styleLbl name="parChTrans2D4">
+    <dgm:scene3d>
+      <a:camera prst="orthographicFront"/>
+      <a:lightRig rig="threePt" dir="t"/>
+    </dgm:scene3d>
+    <dgm:sp3d/>
+    <dgm:txPr/>
+    <dgm:style>
+      <a:lnRef idx="2">
+        <a:scrgbClr r="0" g="0" b="0"/>
+      </a:lnRef>
+      <a:fillRef idx="1">
+        <a:scrgbClr r="0" g="0" b="0"/>
+      </a:fillRef>
+      <a:effectRef idx="0">
+        <a:scrgbClr r="0" g="0" b="0"/>
+      </a:effectRef>
+      <a:fontRef idx="minor">
+        <a:schemeClr val="lt1"/>
+      </a:fontRef>
+    </dgm:style>
+  </dgm:styleLbl>
+  <dgm:styleLbl name="parChTrans1D1">
+    <dgm:scene3d>
+      <a:camera prst="orthographicFront"/>
+      <a:lightRig rig="threePt" dir="t"/>
+    </dgm:scene3d>
+    <dgm:sp3d/>
+    <dgm:txPr/>
+    <dgm:style>
+      <a:lnRef idx="2">
+        <a:scrgbClr r="0" g="0" b="0"/>
+      </a:lnRef>
+      <a:fillRef idx="0">
+        <a:scrgbClr r="0" g="0" b="0"/>
+      </a:fillRef>
+      <a:effectRef idx="0">
+        <a:scrgbClr r="0" g="0" b="0"/>
+      </a:effectRef>
+      <a:fontRef idx="minor"/>
+    </dgm:style>
+  </dgm:styleLbl>
+  <dgm:styleLbl name="parChTrans1D2">
+    <dgm:scene3d>
+      <a:camera prst="orthographicFront"/>
+      <a:lightRig rig="threePt" dir="t"/>
+    </dgm:scene3d>
+    <dgm:sp3d/>
+    <dgm:txPr/>
+    <dgm:style>
+      <a:lnRef idx="2">
+        <a:scrgbClr r="0" g="0" b="0"/>
+      </a:lnRef>
+      <a:fillRef idx="0">
+        <a:scrgbClr r="0" g="0" b="0"/>
+      </a:fillRef>
+      <a:effectRef idx="0">
+        <a:scrgbClr r="0" g="0" b="0"/>
+      </a:effectRef>
+      <a:fontRef idx="minor"/>
+    </dgm:style>
+  </dgm:styleLbl>
+  <dgm:styleLbl name="parChTrans1D3">
+    <dgm:scene3d>
+      <a:camera prst="orthographicFront"/>
+      <a:lightRig rig="threePt" dir="t"/>
+    </dgm:scene3d>
+    <dgm:sp3d/>
+    <dgm:txPr/>
+    <dgm:style>
+      <a:lnRef idx="2">
+        <a:scrgbClr r="0" g="0" b="0"/>
+      </a:lnRef>
+      <a:fillRef idx="0">
+        <a:scrgbClr r="0" g="0" b="0"/>
+      </a:fillRef>
+      <a:effectRef idx="0">
+        <a:scrgbClr r="0" g="0" b="0"/>
+      </a:effectRef>
+      <a:fontRef idx="minor"/>
+    </dgm:style>
+  </dgm:styleLbl>
+  <dgm:styleLbl name="parChTrans1D4">
+    <dgm:scene3d>
+      <a:camera prst="orthographicFront"/>
+      <a:lightRig rig="threePt" dir="t"/>
+    </dgm:scene3d>
+    <dgm:sp3d/>
+    <dgm:txPr/>
+    <dgm:style>
+      <a:lnRef idx="2">
+        <a:scrgbClr r="0" g="0" b="0"/>
+      </a:lnRef>
+      <a:fillRef idx="0">
+        <a:scrgbClr r="0" g="0" b="0"/>
+      </a:fillRef>
+      <a:effectRef idx="0">
+        <a:scrgbClr r="0" g="0" b="0"/>
+      </a:effectRef>
+      <a:fontRef idx="minor"/>
+    </dgm:style>
+  </dgm:styleLbl>
+  <dgm:styleLbl name="fgAcc1">
+    <dgm:scene3d>
+      <a:camera prst="orthographicFront"/>
+      <a:lightRig rig="threePt" dir="t"/>
+    </dgm:scene3d>
+    <dgm:sp3d/>
+    <dgm:txPr/>
+    <dgm:style>
+      <a:lnRef idx="2">
+        <a:scrgbClr r="0" g="0" b="0"/>
+      </a:lnRef>
+      <a:fillRef idx="1">
+        <a:scrgbClr r="0" g="0" b="0"/>
+      </a:fillRef>
+      <a:effectRef idx="0">
+        <a:scrgbClr r="0" g="0" b="0"/>
+      </a:effectRef>
+      <a:fontRef idx="minor"/>
+    </dgm:style>
+  </dgm:styleLbl>
+  <dgm:styleLbl name="conFgAcc1">
+    <dgm:scene3d>
+      <a:camera prst="orthographicFront"/>
+      <a:lightRig rig="threePt" dir="t"/>
+    </dgm:scene3d>
+    <dgm:sp3d/>
+    <dgm:txPr/>
+    <dgm:style>
+      <a:lnRef idx="2">
+        <a:scrgbClr r="0" g="0" b="0"/>
+      </a:lnRef>
+      <a:fillRef idx="1">
+        <a:scrgbClr r="0" g="0" b="0"/>
+      </a:fillRef>
+      <a:effectRef idx="0">
+        <a:scrgbClr r="0" g="0" b="0"/>
+      </a:effectRef>
+      <a:fontRef idx="minor"/>
+    </dgm:style>
+  </dgm:styleLbl>
+  <dgm:styleLbl name="alignAcc1">
+    <dgm:scene3d>
+      <a:camera prst="orthographicFront"/>
+      <a:lightRig rig="threePt" dir="t"/>
+    </dgm:scene3d>
+    <dgm:sp3d/>
+    <dgm:txPr/>
+    <dgm:style>
+      <a:lnRef idx="2">
+        <a:scrgbClr r="0" g="0" b="0"/>
+      </a:lnRef>
+      <a:fillRef idx="1">
+        <a:scrgbClr r="0" g="0" b="0"/>
+      </a:fillRef>
+      <a:effectRef idx="0">
+        <a:scrgbClr r="0" g="0" b="0"/>
+      </a:effectRef>
+      <a:fontRef idx="minor"/>
+    </dgm:style>
+  </dgm:styleLbl>
+  <dgm:styleLbl name="trAlignAcc1">
+    <dgm:scene3d>
+      <a:camera prst="orthographicFront"/>
+      <a:lightRig rig="threePt" dir="t"/>
+    </dgm:scene3d>
+    <dgm:sp3d/>
+    <dgm:txPr/>
+    <dgm:style>
+      <a:lnRef idx="1">
+        <a:scrgbClr r="0" g="0" b="0"/>
+      </a:lnRef>
+      <a:fillRef idx="1">
+        <a:scrgbClr r="0" g="0" b="0"/>
+      </a:fillRef>
+      <a:effectRef idx="0">
+        <a:scrgbClr r="0" g="0" b="0"/>
+      </a:effectRef>
+      <a:fontRef idx="minor"/>
+    </dgm:style>
+  </dgm:styleLbl>
+  <dgm:styleLbl name="bgAcc1">
+    <dgm:scene3d>
+      <a:camera prst="orthographicFront"/>
+      <a:lightRig rig="threePt" dir="t"/>
+    </dgm:scene3d>
+    <dgm:sp3d/>
+    <dgm:txPr/>
+    <dgm:style>
+      <a:lnRef idx="2">
+        <a:scrgbClr r="0" g="0" b="0"/>
+      </a:lnRef>
+      <a:fillRef idx="1">
+        <a:scrgbClr r="0" g="0" b="0"/>
+      </a:fillRef>
+      <a:effectRef idx="0">
+        <a:scrgbClr r="0" g="0" b="0"/>
+      </a:effectRef>
+      <a:fontRef idx="minor"/>
+    </dgm:style>
+  </dgm:styleLbl>
+  <dgm:styleLbl name="solidFgAcc1">
+    <dgm:scene3d>
+      <a:camera prst="orthographicFront"/>
+      <a:lightRig rig="threePt" dir="t"/>
+    </dgm:scene3d>
+    <dgm:sp3d/>
+    <dgm:txPr/>
+    <dgm:style>
+      <a:lnRef idx="2">
+        <a:scrgbClr r="0" g="0" b="0"/>
+      </a:lnRef>
+      <a:fillRef idx="1">
+        <a:scrgbClr r="0" g="0" b="0"/>
+      </a:fillRef>
+      <a:effectRef idx="0">
+        <a:scrgbClr r="0" g="0" b="0"/>
+      </a:effectRef>
+      <a:fontRef idx="minor"/>
+    </dgm:style>
+  </dgm:styleLbl>
+  <dgm:styleLbl name="solidAlignAcc1">
+    <dgm:scene3d>
+      <a:camera prst="orthographicFront"/>
+      <a:lightRig rig="threePt" dir="t"/>
+    </dgm:scene3d>
+    <dgm:sp3d/>
+    <dgm:txPr/>
+    <dgm:style>
+      <a:lnRef idx="2">
+        <a:scrgbClr r="0" g="0" b="0"/>
+      </a:lnRef>
+      <a:fillRef idx="1">
+        <a:scrgbClr r="0" g="0" b="0"/>
+      </a:fillRef>
+      <a:effectRef idx="0">
+        <a:scrgbClr r="0" g="0" b="0"/>
+      </a:effectRef>
+      <a:fontRef idx="minor"/>
+    </dgm:style>
+  </dgm:styleLbl>
+  <dgm:styleLbl name="solidBgAcc1">
+    <dgm:scene3d>
+      <a:camera prst="orthographicFront"/>
+      <a:lightRig rig="threePt" dir="t"/>
+    </dgm:scene3d>
+    <dgm:sp3d/>
+    <dgm:txPr/>
+    <dgm:style>
+      <a:lnRef idx="2">
+        <a:scrgbClr r="0" g="0" b="0"/>
+      </a:lnRef>
+      <a:fillRef idx="1">
+        <a:scrgbClr r="0" g="0" b="0"/>
+      </a:fillRef>
+      <a:effectRef idx="0">
+        <a:scrgbClr r="0" g="0" b="0"/>
+      </a:effectRef>
+      <a:fontRef idx="minor"/>
+    </dgm:style>
+  </dgm:styleLbl>
+  <dgm:styleLbl name="fgAccFollowNode1">
+    <dgm:scene3d>
+      <a:camera prst="orthographicFront"/>
+      <a:lightRig rig="threePt" dir="t"/>
+    </dgm:scene3d>
+    <dgm:sp3d/>
+    <dgm:txPr/>
+    <dgm:style>
+      <a:lnRef idx="2">
+        <a:scrgbClr r="0" g="0" b="0"/>
+      </a:lnRef>
+      <a:fillRef idx="1">
+        <a:scrgbClr r="0" g="0" b="0"/>
+      </a:fillRef>
+      <a:effectRef idx="0">
+        <a:scrgbClr r="0" g="0" b="0"/>
+      </a:effectRef>
+      <a:fontRef idx="minor"/>
+    </dgm:style>
+  </dgm:styleLbl>
+  <dgm:styleLbl name="alignAccFollowNode1">
+    <dgm:scene3d>
+      <a:camera prst="orthographicFront"/>
+      <a:lightRig rig="threePt" dir="t"/>
+    </dgm:scene3d>
+    <dgm:sp3d/>
+    <dgm:txPr/>
+    <dgm:style>
+      <a:lnRef idx="2">
+        <a:scrgbClr r="0" g="0" b="0"/>
+      </a:lnRef>
+      <a:fillRef idx="1">
+        <a:scrgbClr r="0" g="0" b="0"/>
+      </a:fillRef>
+      <a:effectRef idx="0">
+        <a:scrgbClr r="0" g="0" b="0"/>
+      </a:effectRef>
+      <a:fontRef idx="minor"/>
+    </dgm:style>
+  </dgm:styleLbl>
+  <dgm:styleLbl name="bgAccFollowNode1">
+    <dgm:scene3d>
+      <a:camera prst="orthographicFront"/>
+      <a:lightRig rig="threePt" dir="t"/>
+    </dgm:scene3d>
+    <dgm:sp3d/>
+    <dgm:txPr/>
+    <dgm:style>
+      <a:lnRef idx="2">
+        <a:scrgbClr r="0" g="0" b="0"/>
+      </a:lnRef>
+      <a:fillRef idx="1">
+        <a:scrgbClr r="0" g="0" b="0"/>
+      </a:fillRef>
+      <a:effectRef idx="0">
+        <a:scrgbClr r="0" g="0" b="0"/>
+      </a:effectRef>
+      <a:fontRef idx="minor"/>
+    </dgm:style>
+  </dgm:styleLbl>
+  <dgm:styleLbl name="fgAcc0">
+    <dgm:scene3d>
+      <a:camera prst="orthographicFront"/>
+      <a:lightRig rig="threePt" dir="t"/>
+    </dgm:scene3d>
+    <dgm:sp3d/>
+    <dgm:txPr/>
+    <dgm:style>
+      <a:lnRef idx="2">
+        <a:scrgbClr r="0" g="0" b="0"/>
+      </a:lnRef>
+      <a:fillRef idx="1">
+        <a:scrgbClr r="0" g="0" b="0"/>
+      </a:fillRef>
+      <a:effectRef idx="0">
+        <a:scrgbClr r="0" g="0" b="0"/>
+      </a:effectRef>
+      <a:fontRef idx="minor"/>
+    </dgm:style>
+  </dgm:styleLbl>
+  <dgm:styleLbl name="fgAcc2">
+    <dgm:scene3d>
+      <a:camera prst="orthographicFront"/>
+      <a:lightRig rig="threePt" dir="t"/>
+    </dgm:scene3d>
+    <dgm:sp3d/>
+    <dgm:txPr/>
+    <dgm:style>
+      <a:lnRef idx="2">
+        <a:scrgbClr r="0" g="0" b="0"/>
+      </a:lnRef>
+      <a:fillRef idx="1">
+        <a:scrgbClr r="0" g="0" b="0"/>
+      </a:fillRef>
+      <a:effectRef idx="0">
+        <a:scrgbClr r="0" g="0" b="0"/>
+      </a:effectRef>
+      <a:fontRef idx="minor"/>
+    </dgm:style>
+  </dgm:styleLbl>
+  <dgm:styleLbl name="fgAcc3">
+    <dgm:scene3d>
+      <a:camera prst="orthographicFront"/>
+      <a:lightRig rig="threePt" dir="t"/>
+    </dgm:scene3d>
+    <dgm:sp3d/>
+    <dgm:txPr/>
+    <dgm:style>
+      <a:lnRef idx="2">
+        <a:scrgbClr r="0" g="0" b="0"/>
+      </a:lnRef>
+      <a:fillRef idx="1">
+        <a:scrgbClr r="0" g="0" b="0"/>
+      </a:fillRef>
+      <a:effectRef idx="0">
+        <a:scrgbClr r="0" g="0" b="0"/>
+      </a:effectRef>
+      <a:fontRef idx="minor"/>
+    </dgm:style>
+  </dgm:styleLbl>
+  <dgm:styleLbl name="fgAcc4">
+    <dgm:scene3d>
+      <a:camera prst="orthographicFront"/>
+      <a:lightRig rig="threePt" dir="t"/>
+    </dgm:scene3d>
+    <dgm:sp3d/>
+    <dgm:txPr/>
+    <dgm:style>
+      <a:lnRef idx="2">
+        <a:scrgbClr r="0" g="0" b="0"/>
+      </a:lnRef>
+      <a:fillRef idx="1">
+        <a:scrgbClr r="0" g="0" b="0"/>
+      </a:fillRef>
+      <a:effectRef idx="0">
+        <a:scrgbClr r="0" g="0" b="0"/>
+      </a:effectRef>
+      <a:fontRef idx="minor"/>
+    </dgm:style>
+  </dgm:styleLbl>
+  <dgm:styleLbl name="bgShp">
+    <dgm:scene3d>
+      <a:camera prst="orthographicFront"/>
+      <a:lightRig rig="threePt" dir="t"/>
+    </dgm:scene3d>
+    <dgm:sp3d/>
+    <dgm:txPr/>
+    <dgm:style>
+      <a:lnRef idx="0">
+        <a:scrgbClr r="0" g="0" b="0"/>
+      </a:lnRef>
+      <a:fillRef idx="1">
+        <a:scrgbClr r="0" g="0" b="0"/>
+      </a:fillRef>
+      <a:effectRef idx="0">
+        <a:scrgbClr r="0" g="0" b="0"/>
+      </a:effectRef>
+      <a:fontRef idx="minor"/>
+    </dgm:style>
+  </dgm:styleLbl>
+  <dgm:styleLbl name="dkBgShp">
+    <dgm:scene3d>
+      <a:camera prst="orthographicFront"/>
+      <a:lightRig rig="threePt" dir="t"/>
+    </dgm:scene3d>
+    <dgm:sp3d/>
+    <dgm:txPr/>
+    <dgm:style>
+      <a:lnRef idx="0">
+        <a:scrgbClr r="0" g="0" b="0"/>
+      </a:lnRef>
+      <a:fillRef idx="1">
+        <a:scrgbClr r="0" g="0" b="0"/>
+      </a:fillRef>
+      <a:effectRef idx="0">
+        <a:scrgbClr r="0" g="0" b="0"/>
+      </a:effectRef>
+      <a:fontRef idx="minor"/>
+    </dgm:style>
+  </dgm:styleLbl>
+  <dgm:styleLbl name="trBgShp">
+    <dgm:scene3d>
+      <a:camera prst="orthographicFront"/>
+      <a:lightRig rig="threePt" dir="t"/>
+    </dgm:scene3d>
+    <dgm:sp3d/>
+    <dgm:txPr/>
+    <dgm:style>
+      <a:lnRef idx="0">
+        <a:scrgbClr r="0" g="0" b="0"/>
+      </a:lnRef>
+      <a:fillRef idx="1">
+        <a:scrgbClr r="0" g="0" b="0"/>
+      </a:fillRef>
+      <a:effectRef idx="0">
+        <a:scrgbClr r="0" g="0" b="0"/>
+      </a:effectRef>
+      <a:fontRef idx="minor"/>
+    </dgm:style>
+  </dgm:styleLbl>
+  <dgm:styleLbl name="fgShp">
+    <dgm:scene3d>
+      <a:camera prst="orthographicFront"/>
+      <a:lightRig rig="threePt" dir="t"/>
+    </dgm:scene3d>
+    <dgm:sp3d/>
+    <dgm:txPr/>
+    <dgm:style>
+      <a:lnRef idx="2">
+        <a:scrgbClr r="0" g="0" b="0"/>
+      </a:lnRef>
+      <a:fillRef idx="1">
+        <a:scrgbClr r="0" g="0" b="0"/>
+      </a:fillRef>
+      <a:effectRef idx="0">
+        <a:scrgbClr r="0" g="0" b="0"/>
+      </a:effectRef>
+      <a:fontRef idx="minor"/>
+    </dgm:style>
+  </dgm:styleLbl>
+  <dgm:styleLbl name="revTx">
+    <dgm:scene3d>
+      <a:camera prst="orthographicFront"/>
+      <a:lightRig rig="threePt" dir="t"/>
+    </dgm:scene3d>
+    <dgm:sp3d/>
+    <dgm:txPr/>
+    <dgm:style>
+      <a:lnRef idx="0">
+        <a:scrgbClr r="0" g="0" b="0"/>
+      </a:lnRef>
+      <a:fillRef idx="0">
+        <a:scrgbClr r="0" g="0" b="0"/>
+      </a:fillRef>
+      <a:effectRef idx="0">
+        <a:scrgbClr r="0" g="0" b="0"/>
+      </a:effectRef>
+      <a:fontRef idx="minor"/>
+    </dgm:style>
+  </dgm:styleLbl>
+</dgm:styleDef>
+</file>
+
 <file path=ppt/slideLayouts/slideLayout1.xml><?xml version="1.0" encoding="utf-8"?>
 <p:sldLayout xmlns:a="http://schemas.openxmlformats.org/drawingml/2006/main" xmlns:r="http://schemas.openxmlformats.org/officeDocument/2006/relationships" xmlns:p="http://schemas.openxmlformats.org/presentationml/2006/main" type="title" preserve="1">
   <p:cSld name="Title Slide">
@@ -1950,7 +6602,7 @@
           <a:p>
             <a:fld id="{ED69F1F4-42C6-426E-96C6-78C1200CCD6D}" type="datetimeFigureOut">
               <a:rPr lang="en-GB" smtClean="0"/>
-              <a:t>02/11/2019</a:t>
+              <a:t>01/07/2020</a:t>
             </a:fld>
             <a:endParaRPr lang="en-GB"/>
           </a:p>
@@ -2120,7 +6772,7 @@
           <a:p>
             <a:fld id="{ED69F1F4-42C6-426E-96C6-78C1200CCD6D}" type="datetimeFigureOut">
               <a:rPr lang="en-GB" smtClean="0"/>
-              <a:t>02/11/2019</a:t>
+              <a:t>01/07/2020</a:t>
             </a:fld>
             <a:endParaRPr lang="en-GB"/>
           </a:p>
@@ -2300,7 +6952,7 @@
           <a:p>
             <a:fld id="{ED69F1F4-42C6-426E-96C6-78C1200CCD6D}" type="datetimeFigureOut">
               <a:rPr lang="en-GB" smtClean="0"/>
-              <a:t>02/11/2019</a:t>
+              <a:t>01/07/2020</a:t>
             </a:fld>
             <a:endParaRPr lang="en-GB"/>
           </a:p>
@@ -2470,7 +7122,7 @@
           <a:p>
             <a:fld id="{ED69F1F4-42C6-426E-96C6-78C1200CCD6D}" type="datetimeFigureOut">
               <a:rPr lang="en-GB" smtClean="0"/>
-              <a:t>02/11/2019</a:t>
+              <a:t>01/07/2020</a:t>
             </a:fld>
             <a:endParaRPr lang="en-GB"/>
           </a:p>
@@ -2714,7 +7366,7 @@
           <a:p>
             <a:fld id="{ED69F1F4-42C6-426E-96C6-78C1200CCD6D}" type="datetimeFigureOut">
               <a:rPr lang="en-GB" smtClean="0"/>
-              <a:t>02/11/2019</a:t>
+              <a:t>01/07/2020</a:t>
             </a:fld>
             <a:endParaRPr lang="en-GB"/>
           </a:p>
@@ -2946,7 +7598,7 @@
           <a:p>
             <a:fld id="{ED69F1F4-42C6-426E-96C6-78C1200CCD6D}" type="datetimeFigureOut">
               <a:rPr lang="en-GB" smtClean="0"/>
-              <a:t>02/11/2019</a:t>
+              <a:t>01/07/2020</a:t>
             </a:fld>
             <a:endParaRPr lang="en-GB"/>
           </a:p>
@@ -3313,7 +7965,7 @@
           <a:p>
             <a:fld id="{ED69F1F4-42C6-426E-96C6-78C1200CCD6D}" type="datetimeFigureOut">
               <a:rPr lang="en-GB" smtClean="0"/>
-              <a:t>02/11/2019</a:t>
+              <a:t>01/07/2020</a:t>
             </a:fld>
             <a:endParaRPr lang="en-GB"/>
           </a:p>
@@ -3431,7 +8083,7 @@
           <a:p>
             <a:fld id="{ED69F1F4-42C6-426E-96C6-78C1200CCD6D}" type="datetimeFigureOut">
               <a:rPr lang="en-GB" smtClean="0"/>
-              <a:t>02/11/2019</a:t>
+              <a:t>01/07/2020</a:t>
             </a:fld>
             <a:endParaRPr lang="en-GB"/>
           </a:p>
@@ -3526,7 +8178,7 @@
           <a:p>
             <a:fld id="{ED69F1F4-42C6-426E-96C6-78C1200CCD6D}" type="datetimeFigureOut">
               <a:rPr lang="en-GB" smtClean="0"/>
-              <a:t>02/11/2019</a:t>
+              <a:t>01/07/2020</a:t>
             </a:fld>
             <a:endParaRPr lang="en-GB"/>
           </a:p>
@@ -3803,7 +8455,7 @@
           <a:p>
             <a:fld id="{ED69F1F4-42C6-426E-96C6-78C1200CCD6D}" type="datetimeFigureOut">
               <a:rPr lang="en-GB" smtClean="0"/>
-              <a:t>02/11/2019</a:t>
+              <a:t>01/07/2020</a:t>
             </a:fld>
             <a:endParaRPr lang="en-GB"/>
           </a:p>
@@ -4060,7 +8712,7 @@
           <a:p>
             <a:fld id="{ED69F1F4-42C6-426E-96C6-78C1200CCD6D}" type="datetimeFigureOut">
               <a:rPr lang="en-GB" smtClean="0"/>
-              <a:t>02/11/2019</a:t>
+              <a:t>01/07/2020</a:t>
             </a:fld>
             <a:endParaRPr lang="en-GB"/>
           </a:p>
@@ -4273,7 +8925,7 @@
           <a:p>
             <a:fld id="{ED69F1F4-42C6-426E-96C6-78C1200CCD6D}" type="datetimeFigureOut">
               <a:rPr lang="en-GB" smtClean="0"/>
-              <a:t>02/11/2019</a:t>
+              <a:t>01/07/2020</a:t>
             </a:fld>
             <a:endParaRPr lang="en-GB"/>
           </a:p>
@@ -7475,6 +12127,409 @@
           <a:chExt cx="0" cy="0"/>
         </a:xfrm>
       </p:grpSpPr>
+      <p:sp>
+        <p:nvSpPr>
+          <p:cNvPr id="2" name="Oval 1">
+            <a:extLst>
+              <a:ext uri="{FF2B5EF4-FFF2-40B4-BE49-F238E27FC236}">
+                <a16:creationId xmlns:a16="http://schemas.microsoft.com/office/drawing/2014/main" id="{A79E7FC2-29FD-4786-A102-5B5E5D84591B}"/>
+              </a:ext>
+            </a:extLst>
+          </p:cNvPr>
+          <p:cNvSpPr/>
+          <p:nvPr/>
+        </p:nvSpPr>
+        <p:spPr>
+          <a:xfrm>
+            <a:off x="3027056" y="3666260"/>
+            <a:ext cx="2293605" cy="2293605"/>
+          </a:xfrm>
+          <a:prstGeom prst="ellipse">
+            <a:avLst/>
+          </a:prstGeom>
+          <a:solidFill>
+            <a:srgbClr val="0070C0"/>
+          </a:solidFill>
+          <a:ln>
+            <a:noFill/>
+          </a:ln>
+        </p:spPr>
+        <p:style>
+          <a:lnRef idx="2">
+            <a:schemeClr val="accent1">
+              <a:shade val="50000"/>
+            </a:schemeClr>
+          </a:lnRef>
+          <a:fillRef idx="1">
+            <a:schemeClr val="accent1"/>
+          </a:fillRef>
+          <a:effectRef idx="0">
+            <a:schemeClr val="accent1"/>
+          </a:effectRef>
+          <a:fontRef idx="minor">
+            <a:schemeClr val="lt1"/>
+          </a:fontRef>
+        </p:style>
+        <p:txBody>
+          <a:bodyPr rtlCol="0" anchor="ctr"/>
+          <a:lstStyle/>
+          <a:p>
+            <a:pPr algn="ctr"/>
+            <a:r>
+              <a:rPr lang="fr-FR" sz="3600" dirty="0" err="1">
+                <a:latin typeface="Times New Roman" panose="02020603050405020304" pitchFamily="18" charset="0"/>
+                <a:cs typeface="Times New Roman" panose="02020603050405020304" pitchFamily="18" charset="0"/>
+              </a:rPr>
+              <a:t>Horned</a:t>
+            </a:r>
+            <a:r>
+              <a:rPr lang="fr-FR" sz="3600" dirty="0">
+                <a:latin typeface="Times New Roman" panose="02020603050405020304" pitchFamily="18" charset="0"/>
+                <a:cs typeface="Times New Roman" panose="02020603050405020304" pitchFamily="18" charset="0"/>
+              </a:rPr>
+              <a:t> </a:t>
+            </a:r>
+            <a:r>
+              <a:rPr lang="fr-FR" sz="3600" dirty="0" err="1">
+                <a:latin typeface="Times New Roman" panose="02020603050405020304" pitchFamily="18" charset="0"/>
+                <a:cs typeface="Times New Roman" panose="02020603050405020304" pitchFamily="18" charset="0"/>
+              </a:rPr>
+              <a:t>God</a:t>
+            </a:r>
+            <a:endParaRPr lang="en-GB" sz="3600" dirty="0">
+              <a:latin typeface="Times New Roman" panose="02020603050405020304" pitchFamily="18" charset="0"/>
+              <a:cs typeface="Times New Roman" panose="02020603050405020304" pitchFamily="18" charset="0"/>
+            </a:endParaRPr>
+          </a:p>
+        </p:txBody>
+      </p:sp>
+      <p:sp>
+        <p:nvSpPr>
+          <p:cNvPr id="3" name="Oval 2">
+            <a:extLst>
+              <a:ext uri="{FF2B5EF4-FFF2-40B4-BE49-F238E27FC236}">
+                <a16:creationId xmlns:a16="http://schemas.microsoft.com/office/drawing/2014/main" id="{0F788CE8-73FA-42B9-86F8-133A7BC60620}"/>
+              </a:ext>
+            </a:extLst>
+          </p:cNvPr>
+          <p:cNvSpPr/>
+          <p:nvPr/>
+        </p:nvSpPr>
+        <p:spPr>
+          <a:xfrm>
+            <a:off x="8824882" y="3666260"/>
+            <a:ext cx="2293605" cy="2293605"/>
+          </a:xfrm>
+          <a:prstGeom prst="ellipse">
+            <a:avLst/>
+          </a:prstGeom>
+          <a:solidFill>
+            <a:srgbClr val="E91E63"/>
+          </a:solidFill>
+          <a:ln>
+            <a:noFill/>
+          </a:ln>
+        </p:spPr>
+        <p:style>
+          <a:lnRef idx="2">
+            <a:schemeClr val="accent1">
+              <a:shade val="50000"/>
+            </a:schemeClr>
+          </a:lnRef>
+          <a:fillRef idx="1">
+            <a:schemeClr val="accent1"/>
+          </a:fillRef>
+          <a:effectRef idx="0">
+            <a:schemeClr val="accent1"/>
+          </a:effectRef>
+          <a:fontRef idx="minor">
+            <a:schemeClr val="lt1"/>
+          </a:fontRef>
+        </p:style>
+        <p:txBody>
+          <a:bodyPr rtlCol="0" anchor="ctr"/>
+          <a:lstStyle/>
+          <a:p>
+            <a:pPr algn="ctr"/>
+            <a:r>
+              <a:rPr lang="fr-FR" sz="3600" dirty="0">
+                <a:latin typeface="Times New Roman" panose="02020603050405020304" pitchFamily="18" charset="0"/>
+                <a:cs typeface="Times New Roman" panose="02020603050405020304" pitchFamily="18" charset="0"/>
+              </a:rPr>
+              <a:t>Mother </a:t>
+            </a:r>
+            <a:r>
+              <a:rPr lang="fr-FR" sz="3600" dirty="0" err="1">
+                <a:latin typeface="Times New Roman" panose="02020603050405020304" pitchFamily="18" charset="0"/>
+                <a:cs typeface="Times New Roman" panose="02020603050405020304" pitchFamily="18" charset="0"/>
+              </a:rPr>
+              <a:t>Earth</a:t>
+            </a:r>
+            <a:endParaRPr lang="en-GB" sz="3600" dirty="0">
+              <a:latin typeface="Times New Roman" panose="02020603050405020304" pitchFamily="18" charset="0"/>
+              <a:cs typeface="Times New Roman" panose="02020603050405020304" pitchFamily="18" charset="0"/>
+            </a:endParaRPr>
+          </a:p>
+        </p:txBody>
+      </p:sp>
+      <p:sp>
+        <p:nvSpPr>
+          <p:cNvPr id="5" name="Circle: Hollow 4">
+            <a:extLst>
+              <a:ext uri="{FF2B5EF4-FFF2-40B4-BE49-F238E27FC236}">
+                <a16:creationId xmlns:a16="http://schemas.microsoft.com/office/drawing/2014/main" id="{9C00EC6D-E558-438E-A533-02DE679B6F38}"/>
+              </a:ext>
+            </a:extLst>
+          </p:cNvPr>
+          <p:cNvSpPr/>
+          <p:nvPr/>
+        </p:nvSpPr>
+        <p:spPr>
+          <a:xfrm>
+            <a:off x="7645927" y="2518744"/>
+            <a:ext cx="4651513" cy="4588635"/>
+          </a:xfrm>
+          <a:prstGeom prst="donut">
+            <a:avLst>
+              <a:gd name="adj" fmla="val 18923"/>
+            </a:avLst>
+          </a:prstGeom>
+          <a:solidFill>
+            <a:srgbClr val="00B050"/>
+          </a:solidFill>
+          <a:ln>
+            <a:noFill/>
+          </a:ln>
+        </p:spPr>
+        <p:style>
+          <a:lnRef idx="2">
+            <a:schemeClr val="accent1">
+              <a:shade val="50000"/>
+            </a:schemeClr>
+          </a:lnRef>
+          <a:fillRef idx="1">
+            <a:schemeClr val="accent1"/>
+          </a:fillRef>
+          <a:effectRef idx="0">
+            <a:schemeClr val="accent1"/>
+          </a:effectRef>
+          <a:fontRef idx="minor">
+            <a:schemeClr val="lt1"/>
+          </a:fontRef>
+        </p:style>
+        <p:txBody>
+          <a:bodyPr rtlCol="0" anchor="ctr"/>
+          <a:lstStyle/>
+          <a:p>
+            <a:pPr algn="ctr"/>
+            <a:endParaRPr lang="fr-FR" dirty="0">
+              <a:solidFill>
+                <a:schemeClr val="tx1"/>
+              </a:solidFill>
+            </a:endParaRPr>
+          </a:p>
+          <a:p>
+            <a:pPr algn="ctr"/>
+            <a:endParaRPr lang="fr-FR" dirty="0">
+              <a:solidFill>
+                <a:schemeClr val="tx1"/>
+              </a:solidFill>
+            </a:endParaRPr>
+          </a:p>
+          <a:p>
+            <a:pPr algn="ctr"/>
+            <a:endParaRPr lang="fr-FR" dirty="0">
+              <a:solidFill>
+                <a:schemeClr val="tx1"/>
+              </a:solidFill>
+            </a:endParaRPr>
+          </a:p>
+          <a:p>
+            <a:pPr algn="ctr"/>
+            <a:endParaRPr lang="fr-FR" dirty="0">
+              <a:solidFill>
+                <a:schemeClr val="tx1"/>
+              </a:solidFill>
+            </a:endParaRPr>
+          </a:p>
+          <a:p>
+            <a:pPr algn="ctr"/>
+            <a:endParaRPr lang="fr-FR" dirty="0">
+              <a:solidFill>
+                <a:schemeClr val="tx1"/>
+              </a:solidFill>
+            </a:endParaRPr>
+          </a:p>
+          <a:p>
+            <a:pPr algn="ctr"/>
+            <a:endParaRPr lang="fr-FR" dirty="0">
+              <a:solidFill>
+                <a:schemeClr val="tx1"/>
+              </a:solidFill>
+            </a:endParaRPr>
+          </a:p>
+          <a:p>
+            <a:pPr algn="ctr"/>
+            <a:endParaRPr lang="fr-FR" dirty="0">
+              <a:solidFill>
+                <a:schemeClr val="tx1"/>
+              </a:solidFill>
+            </a:endParaRPr>
+          </a:p>
+          <a:p>
+            <a:pPr algn="ctr"/>
+            <a:endParaRPr lang="fr-FR" dirty="0">
+              <a:solidFill>
+                <a:schemeClr val="tx1"/>
+              </a:solidFill>
+            </a:endParaRPr>
+          </a:p>
+          <a:p>
+            <a:pPr algn="ctr"/>
+            <a:endParaRPr lang="fr-FR" dirty="0">
+              <a:solidFill>
+                <a:schemeClr val="tx1"/>
+              </a:solidFill>
+            </a:endParaRPr>
+          </a:p>
+          <a:p>
+            <a:pPr algn="ctr"/>
+            <a:endParaRPr lang="fr-FR" dirty="0">
+              <a:solidFill>
+                <a:schemeClr val="tx1"/>
+              </a:solidFill>
+            </a:endParaRPr>
+          </a:p>
+          <a:p>
+            <a:pPr algn="ctr"/>
+            <a:endParaRPr lang="fr-FR" dirty="0">
+              <a:solidFill>
+                <a:schemeClr val="tx1"/>
+              </a:solidFill>
+            </a:endParaRPr>
+          </a:p>
+          <a:p>
+            <a:pPr algn="ctr"/>
+            <a:endParaRPr lang="fr-FR" dirty="0">
+              <a:solidFill>
+                <a:schemeClr val="tx1"/>
+              </a:solidFill>
+            </a:endParaRPr>
+          </a:p>
+          <a:p>
+            <a:pPr algn="ctr"/>
+            <a:r>
+              <a:rPr lang="fr-FR" sz="3600" dirty="0">
+                <a:solidFill>
+                  <a:schemeClr val="bg1"/>
+                </a:solidFill>
+                <a:latin typeface="Times New Roman" panose="02020603050405020304" pitchFamily="18" charset="0"/>
+                <a:cs typeface="Times New Roman" panose="02020603050405020304" pitchFamily="18" charset="0"/>
+              </a:rPr>
+              <a:t>Serpent</a:t>
+            </a:r>
+            <a:endParaRPr lang="en-GB" sz="2000" dirty="0">
+              <a:solidFill>
+                <a:schemeClr val="bg1"/>
+              </a:solidFill>
+              <a:latin typeface="Times New Roman" panose="02020603050405020304" pitchFamily="18" charset="0"/>
+              <a:cs typeface="Times New Roman" panose="02020603050405020304" pitchFamily="18" charset="0"/>
+            </a:endParaRPr>
+          </a:p>
+        </p:txBody>
+      </p:sp>
+      <p:sp>
+        <p:nvSpPr>
+          <p:cNvPr id="6" name="Oval 5">
+            <a:extLst>
+              <a:ext uri="{FF2B5EF4-FFF2-40B4-BE49-F238E27FC236}">
+                <a16:creationId xmlns:a16="http://schemas.microsoft.com/office/drawing/2014/main" id="{60EF86E2-A560-4E4A-AF47-1C586E98E5A4}"/>
+              </a:ext>
+            </a:extLst>
+          </p:cNvPr>
+          <p:cNvSpPr/>
+          <p:nvPr/>
+        </p:nvSpPr>
+        <p:spPr>
+          <a:xfrm>
+            <a:off x="6052510" y="7489512"/>
+            <a:ext cx="2293605" cy="2293605"/>
+          </a:xfrm>
+          <a:prstGeom prst="ellipse">
+            <a:avLst/>
+          </a:prstGeom>
+          <a:solidFill>
+            <a:srgbClr val="795548"/>
+          </a:solidFill>
+          <a:ln>
+            <a:noFill/>
+          </a:ln>
+        </p:spPr>
+        <p:style>
+          <a:lnRef idx="2">
+            <a:schemeClr val="accent1">
+              <a:shade val="50000"/>
+            </a:schemeClr>
+          </a:lnRef>
+          <a:fillRef idx="1">
+            <a:schemeClr val="accent1"/>
+          </a:fillRef>
+          <a:effectRef idx="0">
+            <a:schemeClr val="accent1"/>
+          </a:effectRef>
+          <a:fontRef idx="minor">
+            <a:schemeClr val="lt1"/>
+          </a:fontRef>
+        </p:style>
+        <p:txBody>
+          <a:bodyPr rtlCol="0" anchor="ctr"/>
+          <a:lstStyle/>
+          <a:p>
+            <a:pPr algn="ctr"/>
+            <a:r>
+              <a:rPr lang="fr-FR" sz="3600" dirty="0">
+                <a:latin typeface="Times New Roman" panose="02020603050405020304" pitchFamily="18" charset="0"/>
+                <a:cs typeface="Times New Roman" panose="02020603050405020304" pitchFamily="18" charset="0"/>
+              </a:rPr>
+              <a:t>Man</a:t>
+            </a:r>
+            <a:endParaRPr lang="en-GB" sz="3600" dirty="0">
+              <a:latin typeface="Times New Roman" panose="02020603050405020304" pitchFamily="18" charset="0"/>
+              <a:cs typeface="Times New Roman" panose="02020603050405020304" pitchFamily="18" charset="0"/>
+            </a:endParaRPr>
+          </a:p>
+        </p:txBody>
+      </p:sp>
+    </p:spTree>
+    <p:extLst>
+      <p:ext uri="{BB962C8B-B14F-4D97-AF65-F5344CB8AC3E}">
+        <p14:creationId xmlns:p14="http://schemas.microsoft.com/office/powerpoint/2010/main" val="1387358450"/>
+      </p:ext>
+    </p:extLst>
+  </p:cSld>
+  <p:clrMapOvr>
+    <a:masterClrMapping/>
+  </p:clrMapOvr>
+</p:sld>
+</file>
+
+<file path=ppt/slides/slide4.xml><?xml version="1.0" encoding="utf-8"?>
+<p:sld xmlns:a="http://schemas.openxmlformats.org/drawingml/2006/main" xmlns:r="http://schemas.openxmlformats.org/officeDocument/2006/relationships" xmlns:p="http://schemas.openxmlformats.org/presentationml/2006/main">
+  <p:cSld>
+    <p:spTree>
+      <p:nvGrpSpPr>
+        <p:cNvPr id="1" name=""/>
+        <p:cNvGrpSpPr/>
+        <p:nvPr/>
+      </p:nvGrpSpPr>
+      <p:grpSpPr>
+        <a:xfrm>
+          <a:off x="0" y="0"/>
+          <a:ext cx="0" cy="0"/>
+          <a:chOff x="0" y="0"/>
+          <a:chExt cx="0" cy="0"/>
+        </a:xfrm>
+      </p:grpSpPr>
       <p:grpSp>
         <p:nvGrpSpPr>
           <p:cNvPr id="12" name="Group 11">
@@ -9338,6 +14393,64 @@
 </p:sld>
 </file>
 
+<file path=ppt/slides/slide5.xml><?xml version="1.0" encoding="utf-8"?>
+<p:sld xmlns:a="http://schemas.openxmlformats.org/drawingml/2006/main" xmlns:r="http://schemas.openxmlformats.org/officeDocument/2006/relationships" xmlns:p="http://schemas.openxmlformats.org/presentationml/2006/main">
+  <p:cSld>
+    <p:spTree>
+      <p:nvGrpSpPr>
+        <p:cNvPr id="1" name=""/>
+        <p:cNvGrpSpPr/>
+        <p:nvPr/>
+      </p:nvGrpSpPr>
+      <p:grpSpPr>
+        <a:xfrm>
+          <a:off x="0" y="0"/>
+          <a:ext cx="0" cy="0"/>
+          <a:chOff x="0" y="0"/>
+          <a:chExt cx="0" cy="0"/>
+        </a:xfrm>
+      </p:grpSpPr>
+      <p:graphicFrame>
+        <p:nvGraphicFramePr>
+          <p:cNvPr id="2" name="Diagram 1">
+            <a:extLst>
+              <a:ext uri="{FF2B5EF4-FFF2-40B4-BE49-F238E27FC236}">
+                <a16:creationId xmlns:a16="http://schemas.microsoft.com/office/drawing/2014/main" id="{A1AB9B25-087E-4AE4-B416-16A764A755E1}"/>
+              </a:ext>
+            </a:extLst>
+          </p:cNvPr>
+          <p:cNvGraphicFramePr/>
+          <p:nvPr>
+            <p:extLst>
+              <p:ext uri="{D42A27DB-BD31-4B8C-83A1-F6EECF244321}">
+                <p14:modId xmlns:p14="http://schemas.microsoft.com/office/powerpoint/2010/main" val="2646141793"/>
+              </p:ext>
+            </p:extLst>
+          </p:nvPr>
+        </p:nvGraphicFramePr>
+        <p:xfrm>
+          <a:off x="0" y="1"/>
+          <a:ext cx="14400213" cy="14400212"/>
+        </p:xfrm>
+        <a:graphic>
+          <a:graphicData uri="http://schemas.openxmlformats.org/drawingml/2006/diagram">
+            <dgm:relIds xmlns:dgm="http://schemas.openxmlformats.org/drawingml/2006/diagram" xmlns:r="http://schemas.openxmlformats.org/officeDocument/2006/relationships" r:dm="rId2" r:lo="rId3" r:qs="rId4" r:cs="rId5"/>
+          </a:graphicData>
+        </a:graphic>
+      </p:graphicFrame>
+    </p:spTree>
+    <p:extLst>
+      <p:ext uri="{BB962C8B-B14F-4D97-AF65-F5344CB8AC3E}">
+        <p14:creationId xmlns:p14="http://schemas.microsoft.com/office/powerpoint/2010/main" val="1857305851"/>
+      </p:ext>
+    </p:extLst>
+  </p:cSld>
+  <p:clrMapOvr>
+    <a:masterClrMapping/>
+  </p:clrMapOvr>
+</p:sld>
+</file>
+
 <file path=ppt/theme/theme1.xml><?xml version="1.0" encoding="utf-8"?>
 <a:theme xmlns:a="http://schemas.openxmlformats.org/drawingml/2006/main" name="Office Theme">
   <a:themeElements>

--- a/img/figures.pptx
+++ b/img/figures.pptx
@@ -6602,7 +6602,7 @@
           <a:p>
             <a:fld id="{ED69F1F4-42C6-426E-96C6-78C1200CCD6D}" type="datetimeFigureOut">
               <a:rPr lang="en-GB" smtClean="0"/>
-              <a:t>01/07/2020</a:t>
+              <a:t>18/11/2020</a:t>
             </a:fld>
             <a:endParaRPr lang="en-GB"/>
           </a:p>
@@ -6772,7 +6772,7 @@
           <a:p>
             <a:fld id="{ED69F1F4-42C6-426E-96C6-78C1200CCD6D}" type="datetimeFigureOut">
               <a:rPr lang="en-GB" smtClean="0"/>
-              <a:t>01/07/2020</a:t>
+              <a:t>18/11/2020</a:t>
             </a:fld>
             <a:endParaRPr lang="en-GB"/>
           </a:p>
@@ -6952,7 +6952,7 @@
           <a:p>
             <a:fld id="{ED69F1F4-42C6-426E-96C6-78C1200CCD6D}" type="datetimeFigureOut">
               <a:rPr lang="en-GB" smtClean="0"/>
-              <a:t>01/07/2020</a:t>
+              <a:t>18/11/2020</a:t>
             </a:fld>
             <a:endParaRPr lang="en-GB"/>
           </a:p>
@@ -7122,7 +7122,7 @@
           <a:p>
             <a:fld id="{ED69F1F4-42C6-426E-96C6-78C1200CCD6D}" type="datetimeFigureOut">
               <a:rPr lang="en-GB" smtClean="0"/>
-              <a:t>01/07/2020</a:t>
+              <a:t>18/11/2020</a:t>
             </a:fld>
             <a:endParaRPr lang="en-GB"/>
           </a:p>
@@ -7366,7 +7366,7 @@
           <a:p>
             <a:fld id="{ED69F1F4-42C6-426E-96C6-78C1200CCD6D}" type="datetimeFigureOut">
               <a:rPr lang="en-GB" smtClean="0"/>
-              <a:t>01/07/2020</a:t>
+              <a:t>18/11/2020</a:t>
             </a:fld>
             <a:endParaRPr lang="en-GB"/>
           </a:p>
@@ -7598,7 +7598,7 @@
           <a:p>
             <a:fld id="{ED69F1F4-42C6-426E-96C6-78C1200CCD6D}" type="datetimeFigureOut">
               <a:rPr lang="en-GB" smtClean="0"/>
-              <a:t>01/07/2020</a:t>
+              <a:t>18/11/2020</a:t>
             </a:fld>
             <a:endParaRPr lang="en-GB"/>
           </a:p>
@@ -7965,7 +7965,7 @@
           <a:p>
             <a:fld id="{ED69F1F4-42C6-426E-96C6-78C1200CCD6D}" type="datetimeFigureOut">
               <a:rPr lang="en-GB" smtClean="0"/>
-              <a:t>01/07/2020</a:t>
+              <a:t>18/11/2020</a:t>
             </a:fld>
             <a:endParaRPr lang="en-GB"/>
           </a:p>
@@ -8083,7 +8083,7 @@
           <a:p>
             <a:fld id="{ED69F1F4-42C6-426E-96C6-78C1200CCD6D}" type="datetimeFigureOut">
               <a:rPr lang="en-GB" smtClean="0"/>
-              <a:t>01/07/2020</a:t>
+              <a:t>18/11/2020</a:t>
             </a:fld>
             <a:endParaRPr lang="en-GB"/>
           </a:p>
@@ -8178,7 +8178,7 @@
           <a:p>
             <a:fld id="{ED69F1F4-42C6-426E-96C6-78C1200CCD6D}" type="datetimeFigureOut">
               <a:rPr lang="en-GB" smtClean="0"/>
-              <a:t>01/07/2020</a:t>
+              <a:t>18/11/2020</a:t>
             </a:fld>
             <a:endParaRPr lang="en-GB"/>
           </a:p>
@@ -8455,7 +8455,7 @@
           <a:p>
             <a:fld id="{ED69F1F4-42C6-426E-96C6-78C1200CCD6D}" type="datetimeFigureOut">
               <a:rPr lang="en-GB" smtClean="0"/>
-              <a:t>01/07/2020</a:t>
+              <a:t>18/11/2020</a:t>
             </a:fld>
             <a:endParaRPr lang="en-GB"/>
           </a:p>
@@ -8712,7 +8712,7 @@
           <a:p>
             <a:fld id="{ED69F1F4-42C6-426E-96C6-78C1200CCD6D}" type="datetimeFigureOut">
               <a:rPr lang="en-GB" smtClean="0"/>
-              <a:t>01/07/2020</a:t>
+              <a:t>18/11/2020</a:t>
             </a:fld>
             <a:endParaRPr lang="en-GB"/>
           </a:p>
@@ -8925,7 +8925,7 @@
           <a:p>
             <a:fld id="{ED69F1F4-42C6-426E-96C6-78C1200CCD6D}" type="datetimeFigureOut">
               <a:rPr lang="en-GB" smtClean="0"/>
-              <a:t>01/07/2020</a:t>
+              <a:t>18/11/2020</a:t>
             </a:fld>
             <a:endParaRPr lang="en-GB"/>
           </a:p>
